--- a/introduction.pptx
+++ b/introduction.pptx
@@ -131,167 +131,85 @@
 </file>
 
 <file path=ppt/diagrams/colors1.xml><?xml version="1.0" encoding="utf-8"?>
-<dgm:colorsDef xmlns:dgm="http://schemas.openxmlformats.org/drawingml/2006/diagram" xmlns:a="http://schemas.openxmlformats.org/drawingml/2006/main" uniqueId="urn:microsoft.com/office/officeart/2005/8/colors/accent1_2">
+<dgm:colorsDef xmlns:dgm="http://schemas.openxmlformats.org/drawingml/2006/diagram" xmlns:a="http://schemas.openxmlformats.org/drawingml/2006/main" uniqueId="urn:microsoft.com/office/officeart/2005/8/colors/accent0_2">
   <dgm:title val=""/>
   <dgm:desc val=""/>
   <dgm:catLst>
-    <dgm:cat type="accent1" pri="11200"/>
+    <dgm:cat type="mainScheme" pri="10200"/>
   </dgm:catLst>
   <dgm:styleLbl name="node0">
     <dgm:fillClrLst meth="repeat">
-      <a:schemeClr val="accent1"/>
+      <a:schemeClr val="lt1"/>
     </dgm:fillClrLst>
     <dgm:linClrLst meth="repeat">
-      <a:schemeClr val="lt1"/>
+      <a:schemeClr val="dk2">
+        <a:shade val="80000"/>
+      </a:schemeClr>
     </dgm:linClrLst>
     <dgm:effectClrLst/>
     <dgm:txLinClrLst/>
-    <dgm:txFillClrLst/>
+    <dgm:txFillClrLst meth="repeat">
+      <a:schemeClr val="dk2"/>
+    </dgm:txFillClrLst>
     <dgm:txEffectClrLst/>
   </dgm:styleLbl>
-  <dgm:styleLbl name="alignNode1">
+  <dgm:styleLbl name="node1">
     <dgm:fillClrLst meth="repeat">
-      <a:schemeClr val="accent1"/>
+      <a:schemeClr val="lt1"/>
     </dgm:fillClrLst>
     <dgm:linClrLst meth="repeat">
-      <a:schemeClr val="accent1"/>
+      <a:schemeClr val="dk2">
+        <a:shade val="80000"/>
+      </a:schemeClr>
     </dgm:linClrLst>
     <dgm:effectClrLst/>
     <dgm:txLinClrLst/>
-    <dgm:txFillClrLst/>
+    <dgm:txFillClrLst meth="repeat">
+      <a:schemeClr val="dk2"/>
+    </dgm:txFillClrLst>
     <dgm:txEffectClrLst/>
   </dgm:styleLbl>
-  <dgm:styleLbl name="node1">
+  <dgm:styleLbl name="alignNode1">
     <dgm:fillClrLst meth="repeat">
-      <a:schemeClr val="accent1"/>
+      <a:schemeClr val="lt1"/>
     </dgm:fillClrLst>
     <dgm:linClrLst meth="repeat">
-      <a:schemeClr val="lt1"/>
+      <a:schemeClr val="dk2">
+        <a:shade val="80000"/>
+      </a:schemeClr>
     </dgm:linClrLst>
     <dgm:effectClrLst/>
     <dgm:txLinClrLst/>
-    <dgm:txFillClrLst/>
+    <dgm:txFillClrLst meth="repeat">
+      <a:schemeClr val="dk2"/>
+    </dgm:txFillClrLst>
     <dgm:txEffectClrLst/>
   </dgm:styleLbl>
   <dgm:styleLbl name="lnNode1">
     <dgm:fillClrLst meth="repeat">
-      <a:schemeClr val="accent1"/>
+      <a:schemeClr val="lt1"/>
     </dgm:fillClrLst>
     <dgm:linClrLst meth="repeat">
-      <a:schemeClr val="lt1"/>
+      <a:schemeClr val="dk2">
+        <a:shade val="80000"/>
+      </a:schemeClr>
     </dgm:linClrLst>
     <dgm:effectClrLst/>
     <dgm:txLinClrLst/>
-    <dgm:txFillClrLst/>
+    <dgm:txFillClrLst meth="repeat">
+      <a:schemeClr val="dk2"/>
+    </dgm:txFillClrLst>
     <dgm:txEffectClrLst/>
   </dgm:styleLbl>
   <dgm:styleLbl name="vennNode1">
     <dgm:fillClrLst meth="repeat">
-      <a:schemeClr val="accent1">
+      <a:schemeClr val="lt1">
         <a:alpha val="50000"/>
       </a:schemeClr>
     </dgm:fillClrLst>
     <dgm:linClrLst meth="repeat">
-      <a:schemeClr val="lt1"/>
-    </dgm:linClrLst>
-    <dgm:effectClrLst/>
-    <dgm:txLinClrLst/>
-    <dgm:txFillClrLst/>
-    <dgm:txEffectClrLst/>
-  </dgm:styleLbl>
-  <dgm:styleLbl name="node2">
-    <dgm:fillClrLst meth="repeat">
-      <a:schemeClr val="accent1"/>
-    </dgm:fillClrLst>
-    <dgm:linClrLst meth="repeat">
-      <a:schemeClr val="lt1"/>
-    </dgm:linClrLst>
-    <dgm:effectClrLst/>
-    <dgm:txLinClrLst/>
-    <dgm:txFillClrLst/>
-    <dgm:txEffectClrLst/>
-  </dgm:styleLbl>
-  <dgm:styleLbl name="node3">
-    <dgm:fillClrLst meth="repeat">
-      <a:schemeClr val="accent1"/>
-    </dgm:fillClrLst>
-    <dgm:linClrLst meth="repeat">
-      <a:schemeClr val="lt1"/>
-    </dgm:linClrLst>
-    <dgm:effectClrLst/>
-    <dgm:txLinClrLst/>
-    <dgm:txFillClrLst/>
-    <dgm:txEffectClrLst/>
-  </dgm:styleLbl>
-  <dgm:styleLbl name="node4">
-    <dgm:fillClrLst meth="repeat">
-      <a:schemeClr val="accent1"/>
-    </dgm:fillClrLst>
-    <dgm:linClrLst meth="repeat">
-      <a:schemeClr val="lt1"/>
-    </dgm:linClrLst>
-    <dgm:effectClrLst/>
-    <dgm:txLinClrLst/>
-    <dgm:txFillClrLst/>
-    <dgm:txEffectClrLst/>
-  </dgm:styleLbl>
-  <dgm:styleLbl name="fgImgPlace1">
-    <dgm:fillClrLst meth="repeat">
-      <a:schemeClr val="accent1">
-        <a:tint val="50000"/>
-      </a:schemeClr>
-    </dgm:fillClrLst>
-    <dgm:linClrLst meth="repeat">
-      <a:schemeClr val="lt1"/>
-    </dgm:linClrLst>
-    <dgm:effectClrLst/>
-    <dgm:txLinClrLst/>
-    <dgm:txFillClrLst meth="repeat">
-      <a:schemeClr val="lt1"/>
-    </dgm:txFillClrLst>
-    <dgm:txEffectClrLst/>
-  </dgm:styleLbl>
-  <dgm:styleLbl name="alignImgPlace1">
-    <dgm:fillClrLst meth="repeat">
-      <a:schemeClr val="accent1">
-        <a:tint val="50000"/>
-      </a:schemeClr>
-    </dgm:fillClrLst>
-    <dgm:linClrLst meth="repeat">
-      <a:schemeClr val="lt1"/>
-    </dgm:linClrLst>
-    <dgm:effectClrLst/>
-    <dgm:txLinClrLst/>
-    <dgm:txFillClrLst meth="repeat">
-      <a:schemeClr val="lt1"/>
-    </dgm:txFillClrLst>
-    <dgm:txEffectClrLst/>
-  </dgm:styleLbl>
-  <dgm:styleLbl name="bgImgPlace1">
-    <dgm:fillClrLst meth="repeat">
-      <a:schemeClr val="accent1">
-        <a:tint val="50000"/>
-      </a:schemeClr>
-    </dgm:fillClrLst>
-    <dgm:linClrLst meth="repeat">
-      <a:schemeClr val="lt1"/>
-    </dgm:linClrLst>
-    <dgm:effectClrLst/>
-    <dgm:txLinClrLst/>
-    <dgm:txFillClrLst meth="repeat">
-      <a:schemeClr val="lt1"/>
-    </dgm:txFillClrLst>
-    <dgm:txEffectClrLst/>
-  </dgm:styleLbl>
-  <dgm:styleLbl name="sibTrans2D1">
-    <dgm:fillClrLst meth="repeat">
-      <a:schemeClr val="accent1">
-        <a:tint val="60000"/>
-      </a:schemeClr>
-    </dgm:fillClrLst>
-    <dgm:linClrLst meth="repeat">
-      <a:schemeClr val="accent1">
-        <a:tint val="60000"/>
+      <a:schemeClr val="dk2">
+        <a:shade val="80000"/>
       </a:schemeClr>
     </dgm:linClrLst>
     <dgm:effectClrLst/>
@@ -299,137 +217,63 @@
     <dgm:txFillClrLst/>
     <dgm:txEffectClrLst/>
   </dgm:styleLbl>
-  <dgm:styleLbl name="fgSibTrans2D1">
+  <dgm:styleLbl name="node2">
     <dgm:fillClrLst meth="repeat">
-      <a:schemeClr val="accent1">
-        <a:tint val="60000"/>
-      </a:schemeClr>
+      <a:schemeClr val="lt1"/>
     </dgm:fillClrLst>
     <dgm:linClrLst meth="repeat">
-      <a:schemeClr val="accent1">
-        <a:tint val="60000"/>
-      </a:schemeClr>
-    </dgm:linClrLst>
-    <dgm:effectClrLst/>
-    <dgm:txLinClrLst/>
-    <dgm:txFillClrLst/>
-    <dgm:txEffectClrLst/>
-  </dgm:styleLbl>
-  <dgm:styleLbl name="bgSibTrans2D1">
-    <dgm:fillClrLst meth="repeat">
-      <a:schemeClr val="accent1">
-        <a:tint val="60000"/>
-      </a:schemeClr>
-    </dgm:fillClrLst>
-    <dgm:linClrLst meth="repeat">
-      <a:schemeClr val="accent1">
-        <a:tint val="60000"/>
-      </a:schemeClr>
-    </dgm:linClrLst>
-    <dgm:effectClrLst/>
-    <dgm:txLinClrLst/>
-    <dgm:txFillClrLst/>
-    <dgm:txEffectClrLst/>
-  </dgm:styleLbl>
-  <dgm:styleLbl name="sibTrans1D1">
-    <dgm:fillClrLst meth="repeat">
-      <a:schemeClr val="accent1"/>
-    </dgm:fillClrLst>
-    <dgm:linClrLst meth="repeat">
-      <a:schemeClr val="accent1"/>
-    </dgm:linClrLst>
-    <dgm:effectClrLst/>
-    <dgm:txLinClrLst/>
-    <dgm:txFillClrLst meth="repeat">
-      <a:schemeClr val="tx1"/>
-    </dgm:txFillClrLst>
-    <dgm:txEffectClrLst/>
-  </dgm:styleLbl>
-  <dgm:styleLbl name="callout">
-    <dgm:fillClrLst meth="repeat">
-      <a:schemeClr val="accent1"/>
-    </dgm:fillClrLst>
-    <dgm:linClrLst meth="repeat">
-      <a:schemeClr val="accent1">
-        <a:tint val="50000"/>
+      <a:schemeClr val="dk2">
+        <a:shade val="80000"/>
       </a:schemeClr>
     </dgm:linClrLst>
     <dgm:effectClrLst/>
     <dgm:txLinClrLst/>
     <dgm:txFillClrLst meth="repeat">
-      <a:schemeClr val="tx1"/>
+      <a:schemeClr val="dk2"/>
     </dgm:txFillClrLst>
     <dgm:txEffectClrLst/>
   </dgm:styleLbl>
-  <dgm:styleLbl name="asst0">
+  <dgm:styleLbl name="node3">
     <dgm:fillClrLst meth="repeat">
-      <a:schemeClr val="accent1"/>
+      <a:schemeClr val="lt1"/>
     </dgm:fillClrLst>
     <dgm:linClrLst meth="repeat">
-      <a:schemeClr val="lt1"/>
+      <a:schemeClr val="dk2">
+        <a:shade val="80000"/>
+      </a:schemeClr>
     </dgm:linClrLst>
     <dgm:effectClrLst/>
     <dgm:txLinClrLst/>
-    <dgm:txFillClrLst/>
+    <dgm:txFillClrLst meth="repeat">
+      <a:schemeClr val="dk2"/>
+    </dgm:txFillClrLst>
     <dgm:txEffectClrLst/>
   </dgm:styleLbl>
-  <dgm:styleLbl name="asst1">
+  <dgm:styleLbl name="node4">
     <dgm:fillClrLst meth="repeat">
-      <a:schemeClr val="accent1"/>
+      <a:schemeClr val="lt1"/>
     </dgm:fillClrLst>
     <dgm:linClrLst meth="repeat">
-      <a:schemeClr val="lt1"/>
+      <a:schemeClr val="dk2">
+        <a:shade val="80000"/>
+      </a:schemeClr>
     </dgm:linClrLst>
     <dgm:effectClrLst/>
     <dgm:txLinClrLst/>
-    <dgm:txFillClrLst/>
+    <dgm:txFillClrLst meth="repeat">
+      <a:schemeClr val="dk2"/>
+    </dgm:txFillClrLst>
     <dgm:txEffectClrLst/>
   </dgm:styleLbl>
-  <dgm:styleLbl name="asst2">
+  <dgm:styleLbl name="fgImgPlace1">
     <dgm:fillClrLst meth="repeat">
-      <a:schemeClr val="accent1"/>
-    </dgm:fillClrLst>
-    <dgm:linClrLst meth="repeat">
-      <a:schemeClr val="lt1"/>
-    </dgm:linClrLst>
-    <dgm:effectClrLst/>
-    <dgm:txLinClrLst/>
-    <dgm:txFillClrLst/>
-    <dgm:txEffectClrLst/>
-  </dgm:styleLbl>
-  <dgm:styleLbl name="asst3">
-    <dgm:fillClrLst meth="repeat">
-      <a:schemeClr val="accent1"/>
-    </dgm:fillClrLst>
-    <dgm:linClrLst meth="repeat">
-      <a:schemeClr val="lt1"/>
-    </dgm:linClrLst>
-    <dgm:effectClrLst/>
-    <dgm:txLinClrLst/>
-    <dgm:txFillClrLst/>
-    <dgm:txEffectClrLst/>
-  </dgm:styleLbl>
-  <dgm:styleLbl name="asst4">
-    <dgm:fillClrLst meth="repeat">
-      <a:schemeClr val="accent1"/>
-    </dgm:fillClrLst>
-    <dgm:linClrLst meth="repeat">
-      <a:schemeClr val="lt1"/>
-    </dgm:linClrLst>
-    <dgm:effectClrLst/>
-    <dgm:txLinClrLst/>
-    <dgm:txFillClrLst/>
-    <dgm:txEffectClrLst/>
-  </dgm:styleLbl>
-  <dgm:styleLbl name="parChTrans2D1">
-    <dgm:fillClrLst meth="repeat">
-      <a:schemeClr val="accent1">
-        <a:tint val="60000"/>
+      <a:schemeClr val="dk2">
+        <a:tint val="40000"/>
       </a:schemeClr>
     </dgm:fillClrLst>
     <dgm:linClrLst meth="repeat">
-      <a:schemeClr val="accent1">
-        <a:tint val="60000"/>
+      <a:schemeClr val="dk2">
+        <a:shade val="80000"/>
       </a:schemeClr>
     </dgm:linClrLst>
     <dgm:effectClrLst/>
@@ -439,12 +283,16 @@
     </dgm:txFillClrLst>
     <dgm:txEffectClrLst/>
   </dgm:styleLbl>
-  <dgm:styleLbl name="parChTrans2D2">
+  <dgm:styleLbl name="alignImgPlace1">
     <dgm:fillClrLst meth="repeat">
-      <a:schemeClr val="accent1"/>
+      <a:schemeClr val="dk2">
+        <a:tint val="40000"/>
+      </a:schemeClr>
     </dgm:fillClrLst>
     <dgm:linClrLst meth="repeat">
-      <a:schemeClr val="accent1"/>
+      <a:schemeClr val="dk2">
+        <a:shade val="80000"/>
+      </a:schemeClr>
     </dgm:linClrLst>
     <dgm:effectClrLst/>
     <dgm:txLinClrLst/>
@@ -453,12 +301,16 @@
     </dgm:txFillClrLst>
     <dgm:txEffectClrLst/>
   </dgm:styleLbl>
-  <dgm:styleLbl name="parChTrans2D3">
+  <dgm:styleLbl name="bgImgPlace1">
     <dgm:fillClrLst meth="repeat">
-      <a:schemeClr val="accent1"/>
+      <a:schemeClr val="dk2">
+        <a:tint val="40000"/>
+      </a:schemeClr>
     </dgm:fillClrLst>
     <dgm:linClrLst meth="repeat">
-      <a:schemeClr val="accent1"/>
+      <a:schemeClr val="dk2">
+        <a:shade val="80000"/>
+      </a:schemeClr>
     </dgm:linClrLst>
     <dgm:effectClrLst/>
     <dgm:txLinClrLst/>
@@ -467,12 +319,214 @@
     </dgm:txFillClrLst>
     <dgm:txEffectClrLst/>
   </dgm:styleLbl>
+  <dgm:styleLbl name="sibTrans2D1">
+    <dgm:fillClrLst meth="repeat">
+      <a:schemeClr val="dk2">
+        <a:tint val="60000"/>
+      </a:schemeClr>
+    </dgm:fillClrLst>
+    <dgm:linClrLst meth="repeat">
+      <a:schemeClr val="dk2">
+        <a:tint val="60000"/>
+      </a:schemeClr>
+    </dgm:linClrLst>
+    <dgm:effectClrLst/>
+    <dgm:txLinClrLst/>
+    <dgm:txFillClrLst meth="repeat">
+      <a:schemeClr val="dk2"/>
+    </dgm:txFillClrLst>
+    <dgm:txEffectClrLst/>
+  </dgm:styleLbl>
+  <dgm:styleLbl name="fgSibTrans2D1">
+    <dgm:fillClrLst meth="repeat">
+      <a:schemeClr val="dk2">
+        <a:tint val="60000"/>
+      </a:schemeClr>
+    </dgm:fillClrLst>
+    <dgm:linClrLst meth="repeat">
+      <a:schemeClr val="dk2">
+        <a:tint val="60000"/>
+      </a:schemeClr>
+    </dgm:linClrLst>
+    <dgm:effectClrLst/>
+    <dgm:txLinClrLst/>
+    <dgm:txFillClrLst meth="repeat">
+      <a:schemeClr val="dk2"/>
+    </dgm:txFillClrLst>
+    <dgm:txEffectClrLst/>
+  </dgm:styleLbl>
+  <dgm:styleLbl name="bgSibTrans2D1">
+    <dgm:fillClrLst meth="repeat">
+      <a:schemeClr val="dk2">
+        <a:tint val="60000"/>
+      </a:schemeClr>
+    </dgm:fillClrLst>
+    <dgm:linClrLst meth="repeat">
+      <a:schemeClr val="dk2">
+        <a:tint val="60000"/>
+      </a:schemeClr>
+    </dgm:linClrLst>
+    <dgm:effectClrLst/>
+    <dgm:txLinClrLst/>
+    <dgm:txFillClrLst meth="repeat">
+      <a:schemeClr val="dk2"/>
+    </dgm:txFillClrLst>
+    <dgm:txEffectClrLst/>
+  </dgm:styleLbl>
+  <dgm:styleLbl name="sibTrans1D1">
+    <dgm:fillClrLst meth="repeat">
+      <a:schemeClr val="dk2"/>
+    </dgm:fillClrLst>
+    <dgm:linClrLst meth="repeat">
+      <a:schemeClr val="dk2"/>
+    </dgm:linClrLst>
+    <dgm:effectClrLst/>
+    <dgm:txLinClrLst/>
+    <dgm:txFillClrLst meth="repeat">
+      <a:schemeClr val="tx1"/>
+    </dgm:txFillClrLst>
+    <dgm:txEffectClrLst/>
+  </dgm:styleLbl>
+  <dgm:styleLbl name="callout">
+    <dgm:fillClrLst meth="repeat">
+      <a:schemeClr val="dk2"/>
+    </dgm:fillClrLst>
+    <dgm:linClrLst meth="repeat">
+      <a:schemeClr val="dk2"/>
+    </dgm:linClrLst>
+    <dgm:effectClrLst/>
+    <dgm:txLinClrLst/>
+    <dgm:txFillClrLst meth="repeat">
+      <a:schemeClr val="tx1"/>
+    </dgm:txFillClrLst>
+    <dgm:txEffectClrLst/>
+  </dgm:styleLbl>
+  <dgm:styleLbl name="asst0">
+    <dgm:fillClrLst meth="repeat">
+      <a:schemeClr val="lt1"/>
+    </dgm:fillClrLst>
+    <dgm:linClrLst meth="repeat">
+      <a:schemeClr val="dk2">
+        <a:shade val="80000"/>
+      </a:schemeClr>
+    </dgm:linClrLst>
+    <dgm:effectClrLst/>
+    <dgm:txLinClrLst/>
+    <dgm:txFillClrLst meth="repeat">
+      <a:schemeClr val="dk2"/>
+    </dgm:txFillClrLst>
+    <dgm:txEffectClrLst/>
+  </dgm:styleLbl>
+  <dgm:styleLbl name="asst1">
+    <dgm:fillClrLst meth="repeat">
+      <a:schemeClr val="lt1"/>
+    </dgm:fillClrLst>
+    <dgm:linClrLst meth="repeat">
+      <a:schemeClr val="dk2">
+        <a:shade val="80000"/>
+      </a:schemeClr>
+    </dgm:linClrLst>
+    <dgm:effectClrLst/>
+    <dgm:txLinClrLst/>
+    <dgm:txFillClrLst meth="repeat">
+      <a:schemeClr val="dk2"/>
+    </dgm:txFillClrLst>
+    <dgm:txEffectClrLst/>
+  </dgm:styleLbl>
+  <dgm:styleLbl name="asst2">
+    <dgm:fillClrLst meth="repeat">
+      <a:schemeClr val="lt1"/>
+    </dgm:fillClrLst>
+    <dgm:linClrLst meth="repeat">
+      <a:schemeClr val="dk2">
+        <a:shade val="80000"/>
+      </a:schemeClr>
+    </dgm:linClrLst>
+    <dgm:effectClrLst/>
+    <dgm:txLinClrLst/>
+    <dgm:txFillClrLst meth="repeat">
+      <a:schemeClr val="dk2"/>
+    </dgm:txFillClrLst>
+    <dgm:txEffectClrLst/>
+  </dgm:styleLbl>
+  <dgm:styleLbl name="asst3">
+    <dgm:fillClrLst meth="repeat">
+      <a:schemeClr val="lt1"/>
+    </dgm:fillClrLst>
+    <dgm:linClrLst meth="repeat">
+      <a:schemeClr val="dk2">
+        <a:shade val="80000"/>
+      </a:schemeClr>
+    </dgm:linClrLst>
+    <dgm:effectClrLst/>
+    <dgm:txLinClrLst/>
+    <dgm:txFillClrLst meth="repeat">
+      <a:schemeClr val="dk2"/>
+    </dgm:txFillClrLst>
+    <dgm:txEffectClrLst/>
+  </dgm:styleLbl>
+  <dgm:styleLbl name="asst4">
+    <dgm:fillClrLst meth="repeat">
+      <a:schemeClr val="lt1"/>
+    </dgm:fillClrLst>
+    <dgm:linClrLst meth="repeat">
+      <a:schemeClr val="dk2">
+        <a:shade val="80000"/>
+      </a:schemeClr>
+    </dgm:linClrLst>
+    <dgm:effectClrLst/>
+    <dgm:txLinClrLst/>
+    <dgm:txFillClrLst meth="repeat">
+      <a:schemeClr val="dk2"/>
+    </dgm:txFillClrLst>
+    <dgm:txEffectClrLst/>
+  </dgm:styleLbl>
+  <dgm:styleLbl name="parChTrans2D1">
+    <dgm:fillClrLst meth="repeat">
+      <a:schemeClr val="dk2">
+        <a:tint val="60000"/>
+      </a:schemeClr>
+    </dgm:fillClrLst>
+    <dgm:linClrLst meth="repeat">
+      <a:schemeClr val="dk2">
+        <a:tint val="60000"/>
+      </a:schemeClr>
+    </dgm:linClrLst>
+    <dgm:effectClrLst/>
+    <dgm:txLinClrLst/>
+    <dgm:txFillClrLst/>
+    <dgm:txEffectClrLst/>
+  </dgm:styleLbl>
+  <dgm:styleLbl name="parChTrans2D2">
+    <dgm:fillClrLst meth="repeat">
+      <a:schemeClr val="dk2"/>
+    </dgm:fillClrLst>
+    <dgm:linClrLst meth="repeat">
+      <a:schemeClr val="dk2"/>
+    </dgm:linClrLst>
+    <dgm:effectClrLst/>
+    <dgm:txLinClrLst/>
+    <dgm:txFillClrLst/>
+    <dgm:txEffectClrLst/>
+  </dgm:styleLbl>
+  <dgm:styleLbl name="parChTrans2D3">
+    <dgm:fillClrLst meth="repeat">
+      <a:schemeClr val="dk2"/>
+    </dgm:fillClrLst>
+    <dgm:linClrLst meth="repeat">
+      <a:schemeClr val="dk2"/>
+    </dgm:linClrLst>
+    <dgm:effectClrLst/>
+    <dgm:txLinClrLst/>
+    <dgm:txFillClrLst/>
+    <dgm:txEffectClrLst/>
+  </dgm:styleLbl>
   <dgm:styleLbl name="parChTrans2D4">
     <dgm:fillClrLst meth="repeat">
-      <a:schemeClr val="accent1"/>
+      <a:schemeClr val="dk2"/>
     </dgm:fillClrLst>
     <dgm:linClrLst meth="repeat">
-      <a:schemeClr val="accent1"/>
+      <a:schemeClr val="dk2"/>
     </dgm:linClrLst>
     <dgm:effectClrLst/>
     <dgm:txLinClrLst/>
@@ -483,10 +537,10 @@
   </dgm:styleLbl>
   <dgm:styleLbl name="parChTrans1D1">
     <dgm:fillClrLst meth="repeat">
-      <a:schemeClr val="accent1"/>
+      <a:schemeClr val="dk2"/>
     </dgm:fillClrLst>
     <dgm:linClrLst meth="repeat">
-      <a:schemeClr val="accent1">
+      <a:schemeClr val="dk2">
         <a:shade val="60000"/>
       </a:schemeClr>
     </dgm:linClrLst>
@@ -499,10 +553,10 @@
   </dgm:styleLbl>
   <dgm:styleLbl name="parChTrans1D2">
     <dgm:fillClrLst meth="repeat">
-      <a:schemeClr val="accent1"/>
+      <a:schemeClr val="dk2"/>
     </dgm:fillClrLst>
     <dgm:linClrLst meth="repeat">
-      <a:schemeClr val="accent1">
+      <a:schemeClr val="dk2">
         <a:shade val="60000"/>
       </a:schemeClr>
     </dgm:linClrLst>
@@ -515,10 +569,10 @@
   </dgm:styleLbl>
   <dgm:styleLbl name="parChTrans1D3">
     <dgm:fillClrLst meth="repeat">
-      <a:schemeClr val="accent1"/>
+      <a:schemeClr val="dk2"/>
     </dgm:fillClrLst>
     <dgm:linClrLst meth="repeat">
-      <a:schemeClr val="accent1">
+      <a:schemeClr val="dk2">
         <a:shade val="80000"/>
       </a:schemeClr>
     </dgm:linClrLst>
@@ -531,10 +585,10 @@
   </dgm:styleLbl>
   <dgm:styleLbl name="parChTrans1D4">
     <dgm:fillClrLst meth="repeat">
-      <a:schemeClr val="accent1"/>
+      <a:schemeClr val="dk2"/>
     </dgm:fillClrLst>
     <dgm:linClrLst meth="repeat">
-      <a:schemeClr val="accent1">
+      <a:schemeClr val="dk2">
         <a:shade val="80000"/>
       </a:schemeClr>
     </dgm:linClrLst>
@@ -547,12 +601,264 @@
   </dgm:styleLbl>
   <dgm:styleLbl name="fgAcc1">
     <dgm:fillClrLst meth="repeat">
-      <a:schemeClr val="lt1">
+      <a:schemeClr val="dk2">
         <a:alpha val="90000"/>
+        <a:tint val="40000"/>
       </a:schemeClr>
     </dgm:fillClrLst>
     <dgm:linClrLst meth="repeat">
-      <a:schemeClr val="accent1"/>
+      <a:schemeClr val="dk2"/>
+    </dgm:linClrLst>
+    <dgm:effectClrLst/>
+    <dgm:txLinClrLst/>
+    <dgm:txFillClrLst meth="repeat">
+      <a:schemeClr val="dk2"/>
+    </dgm:txFillClrLst>
+    <dgm:txEffectClrLst/>
+  </dgm:styleLbl>
+  <dgm:styleLbl name="conFgAcc1">
+    <dgm:fillClrLst meth="repeat">
+      <a:schemeClr val="dk2">
+        <a:alpha val="90000"/>
+        <a:tint val="40000"/>
+      </a:schemeClr>
+    </dgm:fillClrLst>
+    <dgm:linClrLst meth="repeat">
+      <a:schemeClr val="dk2"/>
+    </dgm:linClrLst>
+    <dgm:effectClrLst/>
+    <dgm:txLinClrLst/>
+    <dgm:txFillClrLst meth="repeat">
+      <a:schemeClr val="dk2"/>
+    </dgm:txFillClrLst>
+    <dgm:txEffectClrLst/>
+  </dgm:styleLbl>
+  <dgm:styleLbl name="alignAcc1">
+    <dgm:fillClrLst meth="repeat">
+      <a:schemeClr val="dk2">
+        <a:alpha val="90000"/>
+        <a:tint val="40000"/>
+      </a:schemeClr>
+    </dgm:fillClrLst>
+    <dgm:linClrLst meth="repeat">
+      <a:schemeClr val="dk2"/>
+    </dgm:linClrLst>
+    <dgm:effectClrLst/>
+    <dgm:txLinClrLst/>
+    <dgm:txFillClrLst meth="repeat">
+      <a:schemeClr val="dk2"/>
+    </dgm:txFillClrLst>
+    <dgm:txEffectClrLst/>
+  </dgm:styleLbl>
+  <dgm:styleLbl name="trAlignAcc1">
+    <dgm:fillClrLst meth="repeat">
+      <a:schemeClr val="dk2">
+        <a:alpha val="40000"/>
+        <a:tint val="40000"/>
+      </a:schemeClr>
+    </dgm:fillClrLst>
+    <dgm:linClrLst meth="repeat">
+      <a:schemeClr val="dk2"/>
+    </dgm:linClrLst>
+    <dgm:effectClrLst/>
+    <dgm:txLinClrLst/>
+    <dgm:txFillClrLst meth="repeat">
+      <a:schemeClr val="dk2"/>
+    </dgm:txFillClrLst>
+    <dgm:txEffectClrLst/>
+  </dgm:styleLbl>
+  <dgm:styleLbl name="bgAcc1">
+    <dgm:fillClrLst meth="repeat">
+      <a:schemeClr val="dk2">
+        <a:alpha val="90000"/>
+        <a:tint val="40000"/>
+      </a:schemeClr>
+    </dgm:fillClrLst>
+    <dgm:linClrLst meth="repeat">
+      <a:schemeClr val="dk2"/>
+    </dgm:linClrLst>
+    <dgm:effectClrLst/>
+    <dgm:txLinClrLst/>
+    <dgm:txFillClrLst meth="repeat">
+      <a:schemeClr val="dk2"/>
+    </dgm:txFillClrLst>
+    <dgm:txEffectClrLst/>
+  </dgm:styleLbl>
+  <dgm:styleLbl name="solidFgAcc1">
+    <dgm:fillClrLst meth="repeat">
+      <a:schemeClr val="lt1"/>
+    </dgm:fillClrLst>
+    <dgm:linClrLst meth="repeat">
+      <a:schemeClr val="dk2"/>
+    </dgm:linClrLst>
+    <dgm:effectClrLst/>
+    <dgm:txLinClrLst/>
+    <dgm:txFillClrLst meth="repeat">
+      <a:schemeClr val="dk2"/>
+    </dgm:txFillClrLst>
+    <dgm:txEffectClrLst/>
+  </dgm:styleLbl>
+  <dgm:styleLbl name="solidAlignAcc1">
+    <dgm:fillClrLst meth="repeat">
+      <a:schemeClr val="lt1"/>
+    </dgm:fillClrLst>
+    <dgm:linClrLst meth="repeat">
+      <a:schemeClr val="dk2"/>
+    </dgm:linClrLst>
+    <dgm:effectClrLst/>
+    <dgm:txLinClrLst/>
+    <dgm:txFillClrLst meth="repeat">
+      <a:schemeClr val="dk2"/>
+    </dgm:txFillClrLst>
+    <dgm:txEffectClrLst/>
+  </dgm:styleLbl>
+  <dgm:styleLbl name="solidBgAcc1">
+    <dgm:fillClrLst meth="repeat">
+      <a:schemeClr val="lt1"/>
+    </dgm:fillClrLst>
+    <dgm:linClrLst meth="repeat">
+      <a:schemeClr val="dk2"/>
+    </dgm:linClrLst>
+    <dgm:effectClrLst/>
+    <dgm:txLinClrLst/>
+    <dgm:txFillClrLst meth="repeat">
+      <a:schemeClr val="dk2"/>
+    </dgm:txFillClrLst>
+    <dgm:txEffectClrLst/>
+  </dgm:styleLbl>
+  <dgm:styleLbl name="fgAccFollowNode1">
+    <dgm:fillClrLst meth="repeat">
+      <a:schemeClr val="lt1">
+        <a:alpha val="90000"/>
+        <a:tint val="40000"/>
+      </a:schemeClr>
+    </dgm:fillClrLst>
+    <dgm:linClrLst meth="repeat">
+      <a:schemeClr val="dk2">
+        <a:alpha val="90000"/>
+      </a:schemeClr>
+    </dgm:linClrLst>
+    <dgm:effectClrLst/>
+    <dgm:txLinClrLst/>
+    <dgm:txFillClrLst meth="repeat">
+      <a:schemeClr val="dk2"/>
+    </dgm:txFillClrLst>
+    <dgm:txEffectClrLst/>
+  </dgm:styleLbl>
+  <dgm:styleLbl name="alignAccFollowNode1">
+    <dgm:fillClrLst meth="repeat">
+      <a:schemeClr val="lt1">
+        <a:alpha val="90000"/>
+        <a:tint val="40000"/>
+      </a:schemeClr>
+    </dgm:fillClrLst>
+    <dgm:linClrLst meth="repeat">
+      <a:schemeClr val="dk2">
+        <a:alpha val="90000"/>
+      </a:schemeClr>
+    </dgm:linClrLst>
+    <dgm:effectClrLst/>
+    <dgm:txLinClrLst/>
+    <dgm:txFillClrLst meth="repeat">
+      <a:schemeClr val="dk2"/>
+    </dgm:txFillClrLst>
+    <dgm:txEffectClrLst/>
+  </dgm:styleLbl>
+  <dgm:styleLbl name="bgAccFollowNode1">
+    <dgm:fillClrLst meth="repeat">
+      <a:schemeClr val="lt1">
+        <a:alpha val="90000"/>
+        <a:tint val="40000"/>
+      </a:schemeClr>
+    </dgm:fillClrLst>
+    <dgm:linClrLst meth="repeat">
+      <a:schemeClr val="dk2">
+        <a:alpha val="90000"/>
+      </a:schemeClr>
+    </dgm:linClrLst>
+    <dgm:effectClrLst/>
+    <dgm:txLinClrLst/>
+    <dgm:txFillClrLst meth="repeat">
+      <a:schemeClr val="dk2"/>
+    </dgm:txFillClrLst>
+    <dgm:txEffectClrLst/>
+  </dgm:styleLbl>
+  <dgm:styleLbl name="fgAcc0">
+    <dgm:fillClrLst meth="repeat">
+      <a:schemeClr val="dk2">
+        <a:alpha val="90000"/>
+        <a:tint val="40000"/>
+      </a:schemeClr>
+    </dgm:fillClrLst>
+    <dgm:linClrLst meth="repeat">
+      <a:schemeClr val="dk2"/>
+    </dgm:linClrLst>
+    <dgm:effectClrLst/>
+    <dgm:txLinClrLst/>
+    <dgm:txFillClrLst meth="repeat">
+      <a:schemeClr val="dk2"/>
+    </dgm:txFillClrLst>
+    <dgm:txEffectClrLst/>
+  </dgm:styleLbl>
+  <dgm:styleLbl name="fgAcc2">
+    <dgm:fillClrLst meth="repeat">
+      <a:schemeClr val="dk2">
+        <a:alpha val="90000"/>
+        <a:tint val="40000"/>
+      </a:schemeClr>
+    </dgm:fillClrLst>
+    <dgm:linClrLst meth="repeat">
+      <a:schemeClr val="dk2"/>
+    </dgm:linClrLst>
+    <dgm:effectClrLst/>
+    <dgm:txLinClrLst/>
+    <dgm:txFillClrLst meth="repeat">
+      <a:schemeClr val="dk2"/>
+    </dgm:txFillClrLst>
+    <dgm:txEffectClrLst/>
+  </dgm:styleLbl>
+  <dgm:styleLbl name="fgAcc3">
+    <dgm:fillClrLst meth="repeat">
+      <a:schemeClr val="dk2">
+        <a:alpha val="90000"/>
+        <a:tint val="40000"/>
+      </a:schemeClr>
+    </dgm:fillClrLst>
+    <dgm:linClrLst meth="repeat">
+      <a:schemeClr val="dk2"/>
+    </dgm:linClrLst>
+    <dgm:effectClrLst/>
+    <dgm:txLinClrLst/>
+    <dgm:txFillClrLst meth="repeat">
+      <a:schemeClr val="dk2"/>
+    </dgm:txFillClrLst>
+    <dgm:txEffectClrLst/>
+  </dgm:styleLbl>
+  <dgm:styleLbl name="fgAcc4">
+    <dgm:fillClrLst meth="repeat">
+      <a:schemeClr val="dk2">
+        <a:alpha val="90000"/>
+        <a:tint val="40000"/>
+      </a:schemeClr>
+    </dgm:fillClrLst>
+    <dgm:linClrLst meth="repeat">
+      <a:schemeClr val="dk2"/>
+    </dgm:linClrLst>
+    <dgm:effectClrLst/>
+    <dgm:txLinClrLst/>
+    <dgm:txFillClrLst meth="repeat">
+      <a:schemeClr val="dk2"/>
+    </dgm:txFillClrLst>
+    <dgm:txEffectClrLst/>
+  </dgm:styleLbl>
+  <dgm:styleLbl name="bgShp">
+    <dgm:fillClrLst meth="repeat">
+      <a:schemeClr val="dk2">
+        <a:tint val="40000"/>
+      </a:schemeClr>
+    </dgm:fillClrLst>
+    <dgm:linClrLst meth="repeat">
+      <a:schemeClr val="dk2"/>
     </dgm:linClrLst>
     <dgm:effectClrLst/>
     <dgm:txLinClrLst/>
@@ -561,288 +867,42 @@
     </dgm:txFillClrLst>
     <dgm:txEffectClrLst/>
   </dgm:styleLbl>
-  <dgm:styleLbl name="conFgAcc1">
+  <dgm:styleLbl name="dkBgShp">
     <dgm:fillClrLst meth="repeat">
-      <a:schemeClr val="lt1">
-        <a:alpha val="90000"/>
+      <a:schemeClr val="dk2">
+        <a:shade val="80000"/>
       </a:schemeClr>
     </dgm:fillClrLst>
     <dgm:linClrLst meth="repeat">
-      <a:schemeClr val="accent1"/>
+      <a:schemeClr val="dk2"/>
     </dgm:linClrLst>
     <dgm:effectClrLst/>
     <dgm:txLinClrLst/>
     <dgm:txFillClrLst meth="repeat">
-      <a:schemeClr val="dk1"/>
+      <a:schemeClr val="lt2"/>
     </dgm:txFillClrLst>
     <dgm:txEffectClrLst/>
   </dgm:styleLbl>
-  <dgm:styleLbl name="alignAcc1">
-    <dgm:fillClrLst meth="repeat">
-      <a:schemeClr val="lt1">
-        <a:alpha val="90000"/>
-      </a:schemeClr>
-    </dgm:fillClrLst>
-    <dgm:linClrLst meth="repeat">
-      <a:schemeClr val="accent1"/>
-    </dgm:linClrLst>
-    <dgm:effectClrLst/>
-    <dgm:txLinClrLst/>
-    <dgm:txFillClrLst meth="repeat">
-      <a:schemeClr val="dk1"/>
-    </dgm:txFillClrLst>
-    <dgm:txEffectClrLst/>
-  </dgm:styleLbl>
-  <dgm:styleLbl name="trAlignAcc1">
-    <dgm:fillClrLst meth="repeat">
-      <a:schemeClr val="lt1">
-        <a:alpha val="40000"/>
-      </a:schemeClr>
-    </dgm:fillClrLst>
-    <dgm:linClrLst meth="repeat">
-      <a:schemeClr val="accent1"/>
-    </dgm:linClrLst>
-    <dgm:effectClrLst/>
-    <dgm:txLinClrLst/>
-    <dgm:txFillClrLst meth="repeat">
-      <a:schemeClr val="dk1"/>
-    </dgm:txFillClrLst>
-    <dgm:txEffectClrLst/>
-  </dgm:styleLbl>
-  <dgm:styleLbl name="bgAcc1">
-    <dgm:fillClrLst meth="repeat">
-      <a:schemeClr val="lt1">
-        <a:alpha val="90000"/>
-      </a:schemeClr>
-    </dgm:fillClrLst>
-    <dgm:linClrLst meth="repeat">
-      <a:schemeClr val="accent1"/>
-    </dgm:linClrLst>
-    <dgm:effectClrLst/>
-    <dgm:txLinClrLst/>
-    <dgm:txFillClrLst meth="repeat">
-      <a:schemeClr val="dk1"/>
-    </dgm:txFillClrLst>
-    <dgm:txEffectClrLst/>
-  </dgm:styleLbl>
-  <dgm:styleLbl name="solidFgAcc1">
-    <dgm:fillClrLst meth="repeat">
-      <a:schemeClr val="lt1"/>
-    </dgm:fillClrLst>
-    <dgm:linClrLst meth="repeat">
-      <a:schemeClr val="accent1"/>
-    </dgm:linClrLst>
-    <dgm:effectClrLst/>
-    <dgm:txLinClrLst/>
-    <dgm:txFillClrLst meth="repeat">
-      <a:schemeClr val="dk1"/>
-    </dgm:txFillClrLst>
-    <dgm:txEffectClrLst/>
-  </dgm:styleLbl>
-  <dgm:styleLbl name="solidAlignAcc1">
-    <dgm:fillClrLst meth="repeat">
-      <a:schemeClr val="lt1"/>
-    </dgm:fillClrLst>
-    <dgm:linClrLst meth="repeat">
-      <a:schemeClr val="accent1"/>
-    </dgm:linClrLst>
-    <dgm:effectClrLst/>
-    <dgm:txLinClrLst/>
-    <dgm:txFillClrLst meth="repeat">
-      <a:schemeClr val="dk1"/>
-    </dgm:txFillClrLst>
-    <dgm:txEffectClrLst/>
-  </dgm:styleLbl>
-  <dgm:styleLbl name="solidBgAcc1">
-    <dgm:fillClrLst meth="repeat">
-      <a:schemeClr val="lt1"/>
-    </dgm:fillClrLst>
-    <dgm:linClrLst meth="repeat">
-      <a:schemeClr val="accent1"/>
-    </dgm:linClrLst>
-    <dgm:effectClrLst/>
-    <dgm:txLinClrLst/>
-    <dgm:txFillClrLst meth="repeat">
-      <a:schemeClr val="dk1"/>
-    </dgm:txFillClrLst>
-    <dgm:txEffectClrLst/>
-  </dgm:styleLbl>
-  <dgm:styleLbl name="fgAccFollowNode1">
-    <dgm:fillClrLst meth="repeat">
-      <a:schemeClr val="accent1">
-        <a:alpha val="90000"/>
-        <a:tint val="40000"/>
-      </a:schemeClr>
-    </dgm:fillClrLst>
-    <dgm:linClrLst meth="repeat">
-      <a:schemeClr val="accent1">
-        <a:alpha val="90000"/>
-        <a:tint val="40000"/>
-      </a:schemeClr>
-    </dgm:linClrLst>
-    <dgm:effectClrLst/>
-    <dgm:txLinClrLst/>
-    <dgm:txFillClrLst meth="repeat">
-      <a:schemeClr val="dk1"/>
-    </dgm:txFillClrLst>
-    <dgm:txEffectClrLst/>
-  </dgm:styleLbl>
-  <dgm:styleLbl name="alignAccFollowNode1">
-    <dgm:fillClrLst meth="repeat">
-      <a:schemeClr val="accent1">
-        <a:alpha val="90000"/>
-        <a:tint val="40000"/>
-      </a:schemeClr>
-    </dgm:fillClrLst>
-    <dgm:linClrLst meth="repeat">
-      <a:schemeClr val="accent1">
-        <a:alpha val="90000"/>
-        <a:tint val="40000"/>
-      </a:schemeClr>
-    </dgm:linClrLst>
-    <dgm:effectClrLst/>
-    <dgm:txLinClrLst/>
-    <dgm:txFillClrLst meth="repeat">
-      <a:schemeClr val="dk1"/>
-    </dgm:txFillClrLst>
-    <dgm:txEffectClrLst/>
-  </dgm:styleLbl>
-  <dgm:styleLbl name="bgAccFollowNode1">
-    <dgm:fillClrLst meth="repeat">
-      <a:schemeClr val="accent1">
-        <a:alpha val="90000"/>
-        <a:tint val="40000"/>
-      </a:schemeClr>
-    </dgm:fillClrLst>
-    <dgm:linClrLst meth="repeat">
-      <a:schemeClr val="accent1">
-        <a:alpha val="90000"/>
-        <a:tint val="40000"/>
-      </a:schemeClr>
-    </dgm:linClrLst>
-    <dgm:effectClrLst/>
-    <dgm:txLinClrLst/>
-    <dgm:txFillClrLst meth="repeat">
-      <a:schemeClr val="dk1"/>
-    </dgm:txFillClrLst>
-    <dgm:txEffectClrLst/>
-  </dgm:styleLbl>
-  <dgm:styleLbl name="fgAcc0">
-    <dgm:fillClrLst meth="repeat">
-      <a:schemeClr val="lt1">
-        <a:alpha val="90000"/>
-      </a:schemeClr>
-    </dgm:fillClrLst>
-    <dgm:linClrLst meth="repeat">
-      <a:schemeClr val="accent1"/>
-    </dgm:linClrLst>
-    <dgm:effectClrLst/>
-    <dgm:txLinClrLst/>
-    <dgm:txFillClrLst meth="repeat">
-      <a:schemeClr val="dk1"/>
-    </dgm:txFillClrLst>
-    <dgm:txEffectClrLst/>
-  </dgm:styleLbl>
-  <dgm:styleLbl name="fgAcc2">
-    <dgm:fillClrLst meth="repeat">
-      <a:schemeClr val="lt1">
-        <a:alpha val="90000"/>
-      </a:schemeClr>
-    </dgm:fillClrLst>
-    <dgm:linClrLst meth="repeat">
-      <a:schemeClr val="accent1"/>
-    </dgm:linClrLst>
-    <dgm:effectClrLst/>
-    <dgm:txLinClrLst/>
-    <dgm:txFillClrLst meth="repeat">
-      <a:schemeClr val="dk1"/>
-    </dgm:txFillClrLst>
-    <dgm:txEffectClrLst/>
-  </dgm:styleLbl>
-  <dgm:styleLbl name="fgAcc3">
-    <dgm:fillClrLst meth="repeat">
-      <a:schemeClr val="lt1">
-        <a:alpha val="90000"/>
-      </a:schemeClr>
-    </dgm:fillClrLst>
-    <dgm:linClrLst meth="repeat">
-      <a:schemeClr val="accent1"/>
-    </dgm:linClrLst>
-    <dgm:effectClrLst/>
-    <dgm:txLinClrLst/>
-    <dgm:txFillClrLst meth="repeat">
-      <a:schemeClr val="dk1"/>
-    </dgm:txFillClrLst>
-    <dgm:txEffectClrLst/>
-  </dgm:styleLbl>
-  <dgm:styleLbl name="fgAcc4">
-    <dgm:fillClrLst meth="repeat">
-      <a:schemeClr val="lt1">
-        <a:alpha val="90000"/>
-      </a:schemeClr>
-    </dgm:fillClrLst>
-    <dgm:linClrLst meth="repeat">
-      <a:schemeClr val="accent1"/>
-    </dgm:linClrLst>
-    <dgm:effectClrLst/>
-    <dgm:txLinClrLst/>
-    <dgm:txFillClrLst meth="repeat">
-      <a:schemeClr val="dk1"/>
-    </dgm:txFillClrLst>
-    <dgm:txEffectClrLst/>
-  </dgm:styleLbl>
-  <dgm:styleLbl name="bgShp">
-    <dgm:fillClrLst meth="repeat">
-      <a:schemeClr val="accent1">
-        <a:tint val="40000"/>
-      </a:schemeClr>
-    </dgm:fillClrLst>
-    <dgm:linClrLst meth="repeat">
-      <a:schemeClr val="accent1"/>
-    </dgm:linClrLst>
-    <dgm:effectClrLst/>
-    <dgm:txLinClrLst/>
-    <dgm:txFillClrLst meth="repeat">
-      <a:schemeClr val="dk1"/>
-    </dgm:txFillClrLst>
-    <dgm:txEffectClrLst/>
-  </dgm:styleLbl>
-  <dgm:styleLbl name="dkBgShp">
-    <dgm:fillClrLst meth="repeat">
-      <a:schemeClr val="accent1">
-        <a:shade val="80000"/>
-      </a:schemeClr>
-    </dgm:fillClrLst>
-    <dgm:linClrLst meth="repeat">
-      <a:schemeClr val="accent1"/>
-    </dgm:linClrLst>
-    <dgm:effectClrLst/>
-    <dgm:txLinClrLst/>
-    <dgm:txFillClrLst meth="repeat">
-      <a:schemeClr val="lt1"/>
-    </dgm:txFillClrLst>
-    <dgm:txEffectClrLst/>
-  </dgm:styleLbl>
   <dgm:styleLbl name="trBgShp">
     <dgm:fillClrLst meth="repeat">
-      <a:schemeClr val="accent1">
+      <a:schemeClr val="dk2">
         <a:tint val="50000"/>
         <a:alpha val="40000"/>
       </a:schemeClr>
     </dgm:fillClrLst>
     <dgm:linClrLst meth="repeat">
-      <a:schemeClr val="accent1"/>
+      <a:schemeClr val="dk2"/>
     </dgm:linClrLst>
     <dgm:effectClrLst/>
     <dgm:txLinClrLst/>
     <dgm:txFillClrLst meth="repeat">
-      <a:schemeClr val="lt1"/>
+      <a:schemeClr val="lt2"/>
     </dgm:txFillClrLst>
     <dgm:txEffectClrLst/>
   </dgm:styleLbl>
   <dgm:styleLbl name="fgShp">
     <dgm:fillClrLst meth="repeat">
-      <a:schemeClr val="accent1">
+      <a:schemeClr val="dk2">
         <a:tint val="60000"/>
       </a:schemeClr>
     </dgm:fillClrLst>
@@ -852,7 +912,7 @@
     <dgm:effectClrLst/>
     <dgm:txLinClrLst/>
     <dgm:txFillClrLst meth="repeat">
-      <a:schemeClr val="dk1"/>
+      <a:schemeClr val="dk2"/>
     </dgm:txFillClrLst>
     <dgm:txEffectClrLst/>
   </dgm:styleLbl>
@@ -863,7 +923,7 @@
       </a:schemeClr>
     </dgm:fillClrLst>
     <dgm:linClrLst meth="repeat">
-      <a:schemeClr val="dk1">
+      <a:schemeClr val="dk2">
         <a:alpha val="0"/>
       </a:schemeClr>
     </dgm:linClrLst>
@@ -881,7 +941,7 @@
 <dgm:dataModel xmlns:dgm="http://schemas.openxmlformats.org/drawingml/2006/diagram" xmlns:a="http://schemas.openxmlformats.org/drawingml/2006/main">
   <dgm:ptLst>
     <dgm:pt modelId="{DD0D43FA-3193-1740-B4B1-F9FC64924282}" type="doc">
-      <dgm:prSet loTypeId="urn:microsoft.com/office/officeart/2005/8/layout/process5" loCatId="" qsTypeId="urn:microsoft.com/office/officeart/2005/8/quickstyle/3D3" qsCatId="3D" csTypeId="urn:microsoft.com/office/officeart/2005/8/colors/accent1_2" csCatId="accent1" phldr="1"/>
+      <dgm:prSet loTypeId="urn:microsoft.com/office/officeart/2005/8/layout/process5" loCatId="" qsTypeId="urn:microsoft.com/office/officeart/2005/8/quickstyle/simple3" qsCatId="simple" csTypeId="urn:microsoft.com/office/officeart/2005/8/colors/accent0_2" csCatId="mainScheme" phldr="1"/>
       <dgm:spPr/>
       <dgm:t>
         <a:bodyPr/>
@@ -900,7 +960,11 @@
         <a:p>
           <a:r>
             <a:rPr lang="en-US" dirty="0" smtClean="0"/>
-            <a:t>1. Quality control of the reads</a:t>
+            <a:t>1. </a:t>
+          </a:r>
+          <a:r>
+            <a:rPr lang="en-US" dirty="0" smtClean="0"/>
+            <a:t>Data Quality control and filtering</a:t>
           </a:r>
           <a:endParaRPr lang="en-US" dirty="0"/>
         </a:p>
@@ -937,7 +1001,15 @@
         <a:p>
           <a:r>
             <a:rPr lang="en-US" dirty="0" smtClean="0"/>
-            <a:t>2. Split reads by chromosome</a:t>
+            <a:t>2. </a:t>
+          </a:r>
+          <a:r>
+            <a:rPr lang="en-US" dirty="0" smtClean="0"/>
+            <a:t>Call SNVs from the mixed sample using </a:t>
+          </a:r>
+          <a:r>
+            <a:rPr lang="en-US" dirty="0" err="1" smtClean="0"/>
+            <a:t>freebayes</a:t>
           </a:r>
           <a:endParaRPr lang="en-US" dirty="0"/>
         </a:p>
@@ -974,11 +1046,17 @@
         <a:p>
           <a:r>
             <a:rPr lang="en-US" dirty="0" smtClean="0"/>
-            <a:t>3. Call SNVs using </a:t>
+            <a:t>3. </a:t>
           </a:r>
           <a:r>
-            <a:rPr lang="en-US" dirty="0" err="1" smtClean="0"/>
-            <a:t>freebayes</a:t>
+            <a:rPr lang="en-US" dirty="0" smtClean="0"/>
+            <a:t>Build allele count matrices</a:t>
+          </a:r>
+        </a:p>
+        <a:p>
+          <a:r>
+            <a:rPr lang="en-US" dirty="0" smtClean="0"/>
+            <a:t>(SNV x barcode)</a:t>
           </a:r>
           <a:endParaRPr lang="en-US" dirty="0"/>
         </a:p>
@@ -1015,7 +1093,7 @@
         <a:p>
           <a:r>
             <a:rPr lang="en-US" dirty="0" smtClean="0"/>
-            <a:t>4. Build SNV/barcode matrices (ref/alt)</a:t>
+            <a:t>4. Model initialization and   E-M iterations till convergence</a:t>
           </a:r>
           <a:endParaRPr lang="en-US" dirty="0"/>
         </a:p>
@@ -1055,12 +1133,8 @@
             <a:t>5. </a:t>
           </a:r>
           <a:r>
-            <a:rPr lang="en-US" dirty="0" err="1" smtClean="0"/>
-            <a:t>Initialise</a:t>
-          </a:r>
-          <a:r>
             <a:rPr lang="en-US" dirty="0" smtClean="0"/>
-            <a:t> the model and E-M iterations till convergence</a:t>
+            <a:t>Generate genotype likelihoods for models</a:t>
           </a:r>
           <a:endParaRPr lang="en-US" dirty="0"/>
         </a:p>
@@ -1335,49 +1409,71 @@
             <a:gd name="adj" fmla="val 10000"/>
           </a:avLst>
         </a:prstGeom>
-        <a:solidFill>
-          <a:schemeClr val="accent1">
-            <a:hueOff val="0"/>
-            <a:satOff val="0"/>
-            <a:lumOff val="0"/>
-            <a:alphaOff val="0"/>
-          </a:schemeClr>
-        </a:solidFill>
+        <a:gradFill rotWithShape="0">
+          <a:gsLst>
+            <a:gs pos="0">
+              <a:schemeClr val="lt1">
+                <a:hueOff val="0"/>
+                <a:satOff val="0"/>
+                <a:lumOff val="0"/>
+                <a:alphaOff val="0"/>
+                <a:tint val="50000"/>
+                <a:satMod val="300000"/>
+              </a:schemeClr>
+            </a:gs>
+            <a:gs pos="35000">
+              <a:schemeClr val="lt1">
+                <a:hueOff val="0"/>
+                <a:satOff val="0"/>
+                <a:lumOff val="0"/>
+                <a:alphaOff val="0"/>
+                <a:tint val="37000"/>
+                <a:satMod val="300000"/>
+              </a:schemeClr>
+            </a:gs>
+            <a:gs pos="100000">
+              <a:schemeClr val="lt1">
+                <a:hueOff val="0"/>
+                <a:satOff val="0"/>
+                <a:lumOff val="0"/>
+                <a:alphaOff val="0"/>
+                <a:tint val="15000"/>
+                <a:satMod val="350000"/>
+              </a:schemeClr>
+            </a:gs>
+          </a:gsLst>
+          <a:lin ang="16200000" scaled="1"/>
+        </a:gradFill>
         <a:ln>
           <a:noFill/>
         </a:ln>
         <a:effectLst>
-          <a:outerShdw blurRad="40000" dist="23000" dir="5400000" rotWithShape="0">
+          <a:outerShdw blurRad="40000" dist="20000" dir="5400000" rotWithShape="0">
             <a:srgbClr val="000000">
-              <a:alpha val="35000"/>
+              <a:alpha val="38000"/>
             </a:srgbClr>
           </a:outerShdw>
         </a:effectLst>
         <a:scene3d>
-          <a:camera prst="orthographicFront">
-            <a:rot lat="0" lon="0" rev="0"/>
-          </a:camera>
-          <a:lightRig rig="contrasting" dir="t">
-            <a:rot lat="0" lon="0" rev="1200000"/>
-          </a:lightRig>
+          <a:camera prst="orthographicFront"/>
+          <a:lightRig rig="flat" dir="t"/>
         </a:scene3d>
-        <a:sp3d contourW="19050" prstMaterial="metal">
-          <a:bevelT w="88900" h="203200"/>
-          <a:bevelB w="165100" h="254000"/>
+        <a:sp3d prstMaterial="dkEdge">
+          <a:bevelT w="8200" h="38100"/>
         </a:sp3d>
       </dsp:spPr>
       <dsp:style>
         <a:lnRef idx="0">
           <a:scrgbClr r="0" g="0" b="0"/>
         </a:lnRef>
-        <a:fillRef idx="1">
+        <a:fillRef idx="2">
           <a:scrgbClr r="0" g="0" b="0"/>
         </a:fillRef>
-        <a:effectRef idx="2">
+        <a:effectRef idx="1">
           <a:scrgbClr r="0" g="0" b="0"/>
         </a:effectRef>
         <a:fontRef idx="minor">
-          <a:schemeClr val="lt1"/>
+          <a:schemeClr val="dk1"/>
         </a:fontRef>
       </dsp:style>
       <dsp:txBody>
@@ -1399,7 +1495,11 @@
           </a:pPr>
           <a:r>
             <a:rPr lang="en-US" sz="1900" kern="1200" dirty="0" smtClean="0"/>
-            <a:t>1. Quality control of the reads</a:t>
+            <a:t>1. </a:t>
+          </a:r>
+          <a:r>
+            <a:rPr lang="en-US" sz="1900" kern="1200" dirty="0" smtClean="0"/>
+            <a:t>Data Quality control and filtering</a:t>
           </a:r>
           <a:endParaRPr lang="en-US" sz="1900" kern="1200" dirty="0"/>
         </a:p>
@@ -1425,44 +1525,67 @@
             <a:gd name="adj2" fmla="val 50000"/>
           </a:avLst>
         </a:prstGeom>
-        <a:solidFill>
-          <a:schemeClr val="accent1">
-            <a:tint val="60000"/>
-            <a:hueOff val="0"/>
-            <a:satOff val="0"/>
-            <a:lumOff val="0"/>
-            <a:alphaOff val="0"/>
-          </a:schemeClr>
-        </a:solidFill>
+        <a:gradFill rotWithShape="0">
+          <a:gsLst>
+            <a:gs pos="0">
+              <a:schemeClr val="dk2">
+                <a:tint val="60000"/>
+                <a:hueOff val="0"/>
+                <a:satOff val="0"/>
+                <a:lumOff val="0"/>
+                <a:alphaOff val="0"/>
+                <a:tint val="50000"/>
+                <a:satMod val="300000"/>
+              </a:schemeClr>
+            </a:gs>
+            <a:gs pos="35000">
+              <a:schemeClr val="dk2">
+                <a:tint val="60000"/>
+                <a:hueOff val="0"/>
+                <a:satOff val="0"/>
+                <a:lumOff val="0"/>
+                <a:alphaOff val="0"/>
+                <a:tint val="37000"/>
+                <a:satMod val="300000"/>
+              </a:schemeClr>
+            </a:gs>
+            <a:gs pos="100000">
+              <a:schemeClr val="dk2">
+                <a:tint val="60000"/>
+                <a:hueOff val="0"/>
+                <a:satOff val="0"/>
+                <a:lumOff val="0"/>
+                <a:alphaOff val="0"/>
+                <a:tint val="15000"/>
+                <a:satMod val="350000"/>
+              </a:schemeClr>
+            </a:gs>
+          </a:gsLst>
+          <a:lin ang="16200000" scaled="1"/>
+        </a:gradFill>
         <a:ln>
           <a:noFill/>
         </a:ln>
-        <a:effectLst/>
-        <a:scene3d>
-          <a:camera prst="orthographicFront">
-            <a:rot lat="0" lon="0" rev="0"/>
-          </a:camera>
-          <a:lightRig rig="contrasting" dir="t">
-            <a:rot lat="0" lon="0" rev="1200000"/>
-          </a:lightRig>
-        </a:scene3d>
-        <a:sp3d z="-182000" contourW="19050" prstMaterial="metal">
-          <a:bevelT w="88900" h="203200"/>
-          <a:bevelB w="165100" h="254000"/>
-        </a:sp3d>
+        <a:effectLst>
+          <a:outerShdw blurRad="40000" dist="20000" dir="5400000" rotWithShape="0">
+            <a:srgbClr val="000000">
+              <a:alpha val="38000"/>
+            </a:srgbClr>
+          </a:outerShdw>
+        </a:effectLst>
       </dsp:spPr>
       <dsp:style>
         <a:lnRef idx="0">
           <a:scrgbClr r="0" g="0" b="0"/>
         </a:lnRef>
-        <a:fillRef idx="1">
+        <a:fillRef idx="2">
           <a:scrgbClr r="0" g="0" b="0"/>
         </a:fillRef>
-        <a:effectRef idx="0">
+        <a:effectRef idx="1">
           <a:scrgbClr r="0" g="0" b="0"/>
         </a:effectRef>
         <a:fontRef idx="minor">
-          <a:schemeClr val="lt1"/>
+          <a:schemeClr val="dk1"/>
         </a:fontRef>
       </dsp:style>
       <dsp:txBody>
@@ -1505,49 +1628,71 @@
             <a:gd name="adj" fmla="val 10000"/>
           </a:avLst>
         </a:prstGeom>
-        <a:solidFill>
-          <a:schemeClr val="accent1">
-            <a:hueOff val="0"/>
-            <a:satOff val="0"/>
-            <a:lumOff val="0"/>
-            <a:alphaOff val="0"/>
-          </a:schemeClr>
-        </a:solidFill>
+        <a:gradFill rotWithShape="0">
+          <a:gsLst>
+            <a:gs pos="0">
+              <a:schemeClr val="lt1">
+                <a:hueOff val="0"/>
+                <a:satOff val="0"/>
+                <a:lumOff val="0"/>
+                <a:alphaOff val="0"/>
+                <a:tint val="50000"/>
+                <a:satMod val="300000"/>
+              </a:schemeClr>
+            </a:gs>
+            <a:gs pos="35000">
+              <a:schemeClr val="lt1">
+                <a:hueOff val="0"/>
+                <a:satOff val="0"/>
+                <a:lumOff val="0"/>
+                <a:alphaOff val="0"/>
+                <a:tint val="37000"/>
+                <a:satMod val="300000"/>
+              </a:schemeClr>
+            </a:gs>
+            <a:gs pos="100000">
+              <a:schemeClr val="lt1">
+                <a:hueOff val="0"/>
+                <a:satOff val="0"/>
+                <a:lumOff val="0"/>
+                <a:alphaOff val="0"/>
+                <a:tint val="15000"/>
+                <a:satMod val="350000"/>
+              </a:schemeClr>
+            </a:gs>
+          </a:gsLst>
+          <a:lin ang="16200000" scaled="1"/>
+        </a:gradFill>
         <a:ln>
           <a:noFill/>
         </a:ln>
         <a:effectLst>
-          <a:outerShdw blurRad="40000" dist="23000" dir="5400000" rotWithShape="0">
+          <a:outerShdw blurRad="40000" dist="20000" dir="5400000" rotWithShape="0">
             <a:srgbClr val="000000">
-              <a:alpha val="35000"/>
+              <a:alpha val="38000"/>
             </a:srgbClr>
           </a:outerShdw>
         </a:effectLst>
         <a:scene3d>
-          <a:camera prst="orthographicFront">
-            <a:rot lat="0" lon="0" rev="0"/>
-          </a:camera>
-          <a:lightRig rig="contrasting" dir="t">
-            <a:rot lat="0" lon="0" rev="1200000"/>
-          </a:lightRig>
+          <a:camera prst="orthographicFront"/>
+          <a:lightRig rig="flat" dir="t"/>
         </a:scene3d>
-        <a:sp3d contourW="19050" prstMaterial="metal">
-          <a:bevelT w="88900" h="203200"/>
-          <a:bevelB w="165100" h="254000"/>
+        <a:sp3d prstMaterial="dkEdge">
+          <a:bevelT w="8200" h="38100"/>
         </a:sp3d>
       </dsp:spPr>
       <dsp:style>
         <a:lnRef idx="0">
           <a:scrgbClr r="0" g="0" b="0"/>
         </a:lnRef>
-        <a:fillRef idx="1">
+        <a:fillRef idx="2">
           <a:scrgbClr r="0" g="0" b="0"/>
         </a:fillRef>
-        <a:effectRef idx="2">
+        <a:effectRef idx="1">
           <a:scrgbClr r="0" g="0" b="0"/>
         </a:effectRef>
         <a:fontRef idx="minor">
-          <a:schemeClr val="lt1"/>
+          <a:schemeClr val="dk1"/>
         </a:fontRef>
       </dsp:style>
       <dsp:txBody>
@@ -1569,7 +1714,15 @@
           </a:pPr>
           <a:r>
             <a:rPr lang="en-US" sz="1900" kern="1200" dirty="0" smtClean="0"/>
-            <a:t>2. Split reads by chromosome</a:t>
+            <a:t>2. </a:t>
+          </a:r>
+          <a:r>
+            <a:rPr lang="en-US" sz="1900" kern="1200" dirty="0" smtClean="0"/>
+            <a:t>Call SNVs from the mixed sample using </a:t>
+          </a:r>
+          <a:r>
+            <a:rPr lang="en-US" sz="1900" kern="1200" dirty="0" err="1" smtClean="0"/>
+            <a:t>freebayes</a:t>
           </a:r>
           <a:endParaRPr lang="en-US" sz="1900" kern="1200" dirty="0"/>
         </a:p>
@@ -1595,44 +1748,67 @@
             <a:gd name="adj2" fmla="val 50000"/>
           </a:avLst>
         </a:prstGeom>
-        <a:solidFill>
-          <a:schemeClr val="accent1">
-            <a:tint val="60000"/>
-            <a:hueOff val="0"/>
-            <a:satOff val="0"/>
-            <a:lumOff val="0"/>
-            <a:alphaOff val="0"/>
-          </a:schemeClr>
-        </a:solidFill>
+        <a:gradFill rotWithShape="0">
+          <a:gsLst>
+            <a:gs pos="0">
+              <a:schemeClr val="dk2">
+                <a:tint val="60000"/>
+                <a:hueOff val="0"/>
+                <a:satOff val="0"/>
+                <a:lumOff val="0"/>
+                <a:alphaOff val="0"/>
+                <a:tint val="50000"/>
+                <a:satMod val="300000"/>
+              </a:schemeClr>
+            </a:gs>
+            <a:gs pos="35000">
+              <a:schemeClr val="dk2">
+                <a:tint val="60000"/>
+                <a:hueOff val="0"/>
+                <a:satOff val="0"/>
+                <a:lumOff val="0"/>
+                <a:alphaOff val="0"/>
+                <a:tint val="37000"/>
+                <a:satMod val="300000"/>
+              </a:schemeClr>
+            </a:gs>
+            <a:gs pos="100000">
+              <a:schemeClr val="dk2">
+                <a:tint val="60000"/>
+                <a:hueOff val="0"/>
+                <a:satOff val="0"/>
+                <a:lumOff val="0"/>
+                <a:alphaOff val="0"/>
+                <a:tint val="15000"/>
+                <a:satMod val="350000"/>
+              </a:schemeClr>
+            </a:gs>
+          </a:gsLst>
+          <a:lin ang="16200000" scaled="1"/>
+        </a:gradFill>
         <a:ln>
           <a:noFill/>
         </a:ln>
-        <a:effectLst/>
-        <a:scene3d>
-          <a:camera prst="orthographicFront">
-            <a:rot lat="0" lon="0" rev="0"/>
-          </a:camera>
-          <a:lightRig rig="contrasting" dir="t">
-            <a:rot lat="0" lon="0" rev="1200000"/>
-          </a:lightRig>
-        </a:scene3d>
-        <a:sp3d z="-182000" contourW="19050" prstMaterial="metal">
-          <a:bevelT w="88900" h="203200"/>
-          <a:bevelB w="165100" h="254000"/>
-        </a:sp3d>
+        <a:effectLst>
+          <a:outerShdw blurRad="40000" dist="20000" dir="5400000" rotWithShape="0">
+            <a:srgbClr val="000000">
+              <a:alpha val="38000"/>
+            </a:srgbClr>
+          </a:outerShdw>
+        </a:effectLst>
       </dsp:spPr>
       <dsp:style>
         <a:lnRef idx="0">
           <a:scrgbClr r="0" g="0" b="0"/>
         </a:lnRef>
-        <a:fillRef idx="1">
+        <a:fillRef idx="2">
           <a:scrgbClr r="0" g="0" b="0"/>
         </a:fillRef>
-        <a:effectRef idx="0">
+        <a:effectRef idx="1">
           <a:scrgbClr r="0" g="0" b="0"/>
         </a:effectRef>
         <a:fontRef idx="minor">
-          <a:schemeClr val="lt1"/>
+          <a:schemeClr val="dk1"/>
         </a:fontRef>
       </dsp:style>
       <dsp:txBody>
@@ -1675,49 +1851,71 @@
             <a:gd name="adj" fmla="val 10000"/>
           </a:avLst>
         </a:prstGeom>
-        <a:solidFill>
-          <a:schemeClr val="accent1">
-            <a:hueOff val="0"/>
-            <a:satOff val="0"/>
-            <a:lumOff val="0"/>
-            <a:alphaOff val="0"/>
-          </a:schemeClr>
-        </a:solidFill>
+        <a:gradFill rotWithShape="0">
+          <a:gsLst>
+            <a:gs pos="0">
+              <a:schemeClr val="lt1">
+                <a:hueOff val="0"/>
+                <a:satOff val="0"/>
+                <a:lumOff val="0"/>
+                <a:alphaOff val="0"/>
+                <a:tint val="50000"/>
+                <a:satMod val="300000"/>
+              </a:schemeClr>
+            </a:gs>
+            <a:gs pos="35000">
+              <a:schemeClr val="lt1">
+                <a:hueOff val="0"/>
+                <a:satOff val="0"/>
+                <a:lumOff val="0"/>
+                <a:alphaOff val="0"/>
+                <a:tint val="37000"/>
+                <a:satMod val="300000"/>
+              </a:schemeClr>
+            </a:gs>
+            <a:gs pos="100000">
+              <a:schemeClr val="lt1">
+                <a:hueOff val="0"/>
+                <a:satOff val="0"/>
+                <a:lumOff val="0"/>
+                <a:alphaOff val="0"/>
+                <a:tint val="15000"/>
+                <a:satMod val="350000"/>
+              </a:schemeClr>
+            </a:gs>
+          </a:gsLst>
+          <a:lin ang="16200000" scaled="1"/>
+        </a:gradFill>
         <a:ln>
           <a:noFill/>
         </a:ln>
         <a:effectLst>
-          <a:outerShdw blurRad="40000" dist="23000" dir="5400000" rotWithShape="0">
+          <a:outerShdw blurRad="40000" dist="20000" dir="5400000" rotWithShape="0">
             <a:srgbClr val="000000">
-              <a:alpha val="35000"/>
+              <a:alpha val="38000"/>
             </a:srgbClr>
           </a:outerShdw>
         </a:effectLst>
         <a:scene3d>
-          <a:camera prst="orthographicFront">
-            <a:rot lat="0" lon="0" rev="0"/>
-          </a:camera>
-          <a:lightRig rig="contrasting" dir="t">
-            <a:rot lat="0" lon="0" rev="1200000"/>
-          </a:lightRig>
+          <a:camera prst="orthographicFront"/>
+          <a:lightRig rig="flat" dir="t"/>
         </a:scene3d>
-        <a:sp3d contourW="19050" prstMaterial="metal">
-          <a:bevelT w="88900" h="203200"/>
-          <a:bevelB w="165100" h="254000"/>
+        <a:sp3d prstMaterial="dkEdge">
+          <a:bevelT w="8200" h="38100"/>
         </a:sp3d>
       </dsp:spPr>
       <dsp:style>
         <a:lnRef idx="0">
           <a:scrgbClr r="0" g="0" b="0"/>
         </a:lnRef>
-        <a:fillRef idx="1">
+        <a:fillRef idx="2">
           <a:scrgbClr r="0" g="0" b="0"/>
         </a:fillRef>
-        <a:effectRef idx="2">
+        <a:effectRef idx="1">
           <a:scrgbClr r="0" g="0" b="0"/>
         </a:effectRef>
         <a:fontRef idx="minor">
-          <a:schemeClr val="lt1"/>
+          <a:schemeClr val="dk1"/>
         </a:fontRef>
       </dsp:style>
       <dsp:txBody>
@@ -1739,11 +1937,28 @@
           </a:pPr>
           <a:r>
             <a:rPr lang="en-US" sz="1900" kern="1200" dirty="0" smtClean="0"/>
-            <a:t>3. Call SNVs using </a:t>
+            <a:t>3. </a:t>
           </a:r>
           <a:r>
-            <a:rPr lang="en-US" sz="1900" kern="1200" dirty="0" err="1" smtClean="0"/>
-            <a:t>freebayes</a:t>
+            <a:rPr lang="en-US" sz="1900" kern="1200" dirty="0" smtClean="0"/>
+            <a:t>Build allele count matrices</a:t>
+          </a:r>
+        </a:p>
+        <a:p>
+          <a:pPr lvl="0" algn="ctr" defTabSz="844550">
+            <a:lnSpc>
+              <a:spcPct val="90000"/>
+            </a:lnSpc>
+            <a:spcBef>
+              <a:spcPct val="0"/>
+            </a:spcBef>
+            <a:spcAft>
+              <a:spcPct val="35000"/>
+            </a:spcAft>
+          </a:pPr>
+          <a:r>
+            <a:rPr lang="en-US" sz="1900" kern="1200" dirty="0" smtClean="0"/>
+            <a:t>(SNV x barcode)</a:t>
           </a:r>
           <a:endParaRPr lang="en-US" sz="1900" kern="1200" dirty="0"/>
         </a:p>
@@ -1769,44 +1984,67 @@
             <a:gd name="adj2" fmla="val 50000"/>
           </a:avLst>
         </a:prstGeom>
-        <a:solidFill>
-          <a:schemeClr val="accent1">
-            <a:tint val="60000"/>
-            <a:hueOff val="0"/>
-            <a:satOff val="0"/>
-            <a:lumOff val="0"/>
-            <a:alphaOff val="0"/>
-          </a:schemeClr>
-        </a:solidFill>
+        <a:gradFill rotWithShape="0">
+          <a:gsLst>
+            <a:gs pos="0">
+              <a:schemeClr val="dk2">
+                <a:tint val="60000"/>
+                <a:hueOff val="0"/>
+                <a:satOff val="0"/>
+                <a:lumOff val="0"/>
+                <a:alphaOff val="0"/>
+                <a:tint val="50000"/>
+                <a:satMod val="300000"/>
+              </a:schemeClr>
+            </a:gs>
+            <a:gs pos="35000">
+              <a:schemeClr val="dk2">
+                <a:tint val="60000"/>
+                <a:hueOff val="0"/>
+                <a:satOff val="0"/>
+                <a:lumOff val="0"/>
+                <a:alphaOff val="0"/>
+                <a:tint val="37000"/>
+                <a:satMod val="300000"/>
+              </a:schemeClr>
+            </a:gs>
+            <a:gs pos="100000">
+              <a:schemeClr val="dk2">
+                <a:tint val="60000"/>
+                <a:hueOff val="0"/>
+                <a:satOff val="0"/>
+                <a:lumOff val="0"/>
+                <a:alphaOff val="0"/>
+                <a:tint val="15000"/>
+                <a:satMod val="350000"/>
+              </a:schemeClr>
+            </a:gs>
+          </a:gsLst>
+          <a:lin ang="16200000" scaled="1"/>
+        </a:gradFill>
         <a:ln>
           <a:noFill/>
         </a:ln>
-        <a:effectLst/>
-        <a:scene3d>
-          <a:camera prst="orthographicFront">
-            <a:rot lat="0" lon="0" rev="0"/>
-          </a:camera>
-          <a:lightRig rig="contrasting" dir="t">
-            <a:rot lat="0" lon="0" rev="1200000"/>
-          </a:lightRig>
-        </a:scene3d>
-        <a:sp3d z="-182000" contourW="19050" prstMaterial="metal">
-          <a:bevelT w="88900" h="203200"/>
-          <a:bevelB w="165100" h="254000"/>
-        </a:sp3d>
+        <a:effectLst>
+          <a:outerShdw blurRad="40000" dist="20000" dir="5400000" rotWithShape="0">
+            <a:srgbClr val="000000">
+              <a:alpha val="38000"/>
+            </a:srgbClr>
+          </a:outerShdw>
+        </a:effectLst>
       </dsp:spPr>
       <dsp:style>
         <a:lnRef idx="0">
           <a:scrgbClr r="0" g="0" b="0"/>
         </a:lnRef>
-        <a:fillRef idx="1">
+        <a:fillRef idx="2">
           <a:scrgbClr r="0" g="0" b="0"/>
         </a:fillRef>
-        <a:effectRef idx="0">
+        <a:effectRef idx="1">
           <a:scrgbClr r="0" g="0" b="0"/>
         </a:effectRef>
         <a:fontRef idx="minor">
-          <a:schemeClr val="lt1"/>
+          <a:schemeClr val="dk1"/>
         </a:fontRef>
       </dsp:style>
       <dsp:txBody>
@@ -1849,49 +2087,71 @@
             <a:gd name="adj" fmla="val 10000"/>
           </a:avLst>
         </a:prstGeom>
-        <a:solidFill>
-          <a:schemeClr val="accent1">
-            <a:hueOff val="0"/>
-            <a:satOff val="0"/>
-            <a:lumOff val="0"/>
-            <a:alphaOff val="0"/>
-          </a:schemeClr>
-        </a:solidFill>
+        <a:gradFill rotWithShape="0">
+          <a:gsLst>
+            <a:gs pos="0">
+              <a:schemeClr val="lt1">
+                <a:hueOff val="0"/>
+                <a:satOff val="0"/>
+                <a:lumOff val="0"/>
+                <a:alphaOff val="0"/>
+                <a:tint val="50000"/>
+                <a:satMod val="300000"/>
+              </a:schemeClr>
+            </a:gs>
+            <a:gs pos="35000">
+              <a:schemeClr val="lt1">
+                <a:hueOff val="0"/>
+                <a:satOff val="0"/>
+                <a:lumOff val="0"/>
+                <a:alphaOff val="0"/>
+                <a:tint val="37000"/>
+                <a:satMod val="300000"/>
+              </a:schemeClr>
+            </a:gs>
+            <a:gs pos="100000">
+              <a:schemeClr val="lt1">
+                <a:hueOff val="0"/>
+                <a:satOff val="0"/>
+                <a:lumOff val="0"/>
+                <a:alphaOff val="0"/>
+                <a:tint val="15000"/>
+                <a:satMod val="350000"/>
+              </a:schemeClr>
+            </a:gs>
+          </a:gsLst>
+          <a:lin ang="16200000" scaled="1"/>
+        </a:gradFill>
         <a:ln>
           <a:noFill/>
         </a:ln>
         <a:effectLst>
-          <a:outerShdw blurRad="40000" dist="23000" dir="5400000" rotWithShape="0">
+          <a:outerShdw blurRad="40000" dist="20000" dir="5400000" rotWithShape="0">
             <a:srgbClr val="000000">
-              <a:alpha val="35000"/>
+              <a:alpha val="38000"/>
             </a:srgbClr>
           </a:outerShdw>
         </a:effectLst>
         <a:scene3d>
-          <a:camera prst="orthographicFront">
-            <a:rot lat="0" lon="0" rev="0"/>
-          </a:camera>
-          <a:lightRig rig="contrasting" dir="t">
-            <a:rot lat="0" lon="0" rev="1200000"/>
-          </a:lightRig>
+          <a:camera prst="orthographicFront"/>
+          <a:lightRig rig="flat" dir="t"/>
         </a:scene3d>
-        <a:sp3d contourW="19050" prstMaterial="metal">
-          <a:bevelT w="88900" h="203200"/>
-          <a:bevelB w="165100" h="254000"/>
+        <a:sp3d prstMaterial="dkEdge">
+          <a:bevelT w="8200" h="38100"/>
         </a:sp3d>
       </dsp:spPr>
       <dsp:style>
         <a:lnRef idx="0">
           <a:scrgbClr r="0" g="0" b="0"/>
         </a:lnRef>
-        <a:fillRef idx="1">
+        <a:fillRef idx="2">
           <a:scrgbClr r="0" g="0" b="0"/>
         </a:fillRef>
-        <a:effectRef idx="2">
+        <a:effectRef idx="1">
           <a:scrgbClr r="0" g="0" b="0"/>
         </a:effectRef>
         <a:fontRef idx="minor">
-          <a:schemeClr val="lt1"/>
+          <a:schemeClr val="dk1"/>
         </a:fontRef>
       </dsp:style>
       <dsp:txBody>
@@ -1913,7 +2173,7 @@
           </a:pPr>
           <a:r>
             <a:rPr lang="en-US" sz="1900" kern="1200" dirty="0" smtClean="0"/>
-            <a:t>4. Build SNV/barcode matrices (ref/alt)</a:t>
+            <a:t>4. Model initialization and   E-M iterations till convergence</a:t>
           </a:r>
           <a:endParaRPr lang="en-US" sz="1900" kern="1200" dirty="0"/>
         </a:p>
@@ -1939,44 +2199,67 @@
             <a:gd name="adj2" fmla="val 50000"/>
           </a:avLst>
         </a:prstGeom>
-        <a:solidFill>
-          <a:schemeClr val="accent1">
-            <a:tint val="60000"/>
-            <a:hueOff val="0"/>
-            <a:satOff val="0"/>
-            <a:lumOff val="0"/>
-            <a:alphaOff val="0"/>
-          </a:schemeClr>
-        </a:solidFill>
+        <a:gradFill rotWithShape="0">
+          <a:gsLst>
+            <a:gs pos="0">
+              <a:schemeClr val="dk2">
+                <a:tint val="60000"/>
+                <a:hueOff val="0"/>
+                <a:satOff val="0"/>
+                <a:lumOff val="0"/>
+                <a:alphaOff val="0"/>
+                <a:tint val="50000"/>
+                <a:satMod val="300000"/>
+              </a:schemeClr>
+            </a:gs>
+            <a:gs pos="35000">
+              <a:schemeClr val="dk2">
+                <a:tint val="60000"/>
+                <a:hueOff val="0"/>
+                <a:satOff val="0"/>
+                <a:lumOff val="0"/>
+                <a:alphaOff val="0"/>
+                <a:tint val="37000"/>
+                <a:satMod val="300000"/>
+              </a:schemeClr>
+            </a:gs>
+            <a:gs pos="100000">
+              <a:schemeClr val="dk2">
+                <a:tint val="60000"/>
+                <a:hueOff val="0"/>
+                <a:satOff val="0"/>
+                <a:lumOff val="0"/>
+                <a:alphaOff val="0"/>
+                <a:tint val="15000"/>
+                <a:satMod val="350000"/>
+              </a:schemeClr>
+            </a:gs>
+          </a:gsLst>
+          <a:lin ang="16200000" scaled="1"/>
+        </a:gradFill>
         <a:ln>
           <a:noFill/>
         </a:ln>
-        <a:effectLst/>
-        <a:scene3d>
-          <a:camera prst="orthographicFront">
-            <a:rot lat="0" lon="0" rev="0"/>
-          </a:camera>
-          <a:lightRig rig="contrasting" dir="t">
-            <a:rot lat="0" lon="0" rev="1200000"/>
-          </a:lightRig>
-        </a:scene3d>
-        <a:sp3d z="-182000" contourW="19050" prstMaterial="metal">
-          <a:bevelT w="88900" h="203200"/>
-          <a:bevelB w="165100" h="254000"/>
-        </a:sp3d>
+        <a:effectLst>
+          <a:outerShdw blurRad="40000" dist="20000" dir="5400000" rotWithShape="0">
+            <a:srgbClr val="000000">
+              <a:alpha val="38000"/>
+            </a:srgbClr>
+          </a:outerShdw>
+        </a:effectLst>
       </dsp:spPr>
       <dsp:style>
         <a:lnRef idx="0">
           <a:scrgbClr r="0" g="0" b="0"/>
         </a:lnRef>
-        <a:fillRef idx="1">
+        <a:fillRef idx="2">
           <a:scrgbClr r="0" g="0" b="0"/>
         </a:fillRef>
-        <a:effectRef idx="0">
+        <a:effectRef idx="1">
           <a:scrgbClr r="0" g="0" b="0"/>
         </a:effectRef>
         <a:fontRef idx="minor">
-          <a:schemeClr val="lt1"/>
+          <a:schemeClr val="dk1"/>
         </a:fontRef>
       </dsp:style>
       <dsp:txBody>
@@ -2019,49 +2302,71 @@
             <a:gd name="adj" fmla="val 10000"/>
           </a:avLst>
         </a:prstGeom>
-        <a:solidFill>
-          <a:schemeClr val="accent1">
-            <a:hueOff val="0"/>
-            <a:satOff val="0"/>
-            <a:lumOff val="0"/>
-            <a:alphaOff val="0"/>
-          </a:schemeClr>
-        </a:solidFill>
+        <a:gradFill rotWithShape="0">
+          <a:gsLst>
+            <a:gs pos="0">
+              <a:schemeClr val="lt1">
+                <a:hueOff val="0"/>
+                <a:satOff val="0"/>
+                <a:lumOff val="0"/>
+                <a:alphaOff val="0"/>
+                <a:tint val="50000"/>
+                <a:satMod val="300000"/>
+              </a:schemeClr>
+            </a:gs>
+            <a:gs pos="35000">
+              <a:schemeClr val="lt1">
+                <a:hueOff val="0"/>
+                <a:satOff val="0"/>
+                <a:lumOff val="0"/>
+                <a:alphaOff val="0"/>
+                <a:tint val="37000"/>
+                <a:satMod val="300000"/>
+              </a:schemeClr>
+            </a:gs>
+            <a:gs pos="100000">
+              <a:schemeClr val="lt1">
+                <a:hueOff val="0"/>
+                <a:satOff val="0"/>
+                <a:lumOff val="0"/>
+                <a:alphaOff val="0"/>
+                <a:tint val="15000"/>
+                <a:satMod val="350000"/>
+              </a:schemeClr>
+            </a:gs>
+          </a:gsLst>
+          <a:lin ang="16200000" scaled="1"/>
+        </a:gradFill>
         <a:ln>
           <a:noFill/>
         </a:ln>
         <a:effectLst>
-          <a:outerShdw blurRad="40000" dist="23000" dir="5400000" rotWithShape="0">
+          <a:outerShdw blurRad="40000" dist="20000" dir="5400000" rotWithShape="0">
             <a:srgbClr val="000000">
-              <a:alpha val="35000"/>
+              <a:alpha val="38000"/>
             </a:srgbClr>
           </a:outerShdw>
         </a:effectLst>
         <a:scene3d>
-          <a:camera prst="orthographicFront">
-            <a:rot lat="0" lon="0" rev="0"/>
-          </a:camera>
-          <a:lightRig rig="contrasting" dir="t">
-            <a:rot lat="0" lon="0" rev="1200000"/>
-          </a:lightRig>
+          <a:camera prst="orthographicFront"/>
+          <a:lightRig rig="flat" dir="t"/>
         </a:scene3d>
-        <a:sp3d contourW="19050" prstMaterial="metal">
-          <a:bevelT w="88900" h="203200"/>
-          <a:bevelB w="165100" h="254000"/>
+        <a:sp3d prstMaterial="dkEdge">
+          <a:bevelT w="8200" h="38100"/>
         </a:sp3d>
       </dsp:spPr>
       <dsp:style>
         <a:lnRef idx="0">
           <a:scrgbClr r="0" g="0" b="0"/>
         </a:lnRef>
-        <a:fillRef idx="1">
+        <a:fillRef idx="2">
           <a:scrgbClr r="0" g="0" b="0"/>
         </a:fillRef>
-        <a:effectRef idx="2">
+        <a:effectRef idx="1">
           <a:scrgbClr r="0" g="0" b="0"/>
         </a:effectRef>
         <a:fontRef idx="minor">
-          <a:schemeClr val="lt1"/>
+          <a:schemeClr val="dk1"/>
         </a:fontRef>
       </dsp:style>
       <dsp:txBody>
@@ -2086,12 +2391,8 @@
             <a:t>5. </a:t>
           </a:r>
           <a:r>
-            <a:rPr lang="en-US" sz="1900" kern="1200" dirty="0" err="1" smtClean="0"/>
-            <a:t>Initialise</a:t>
-          </a:r>
-          <a:r>
             <a:rPr lang="en-US" sz="1900" kern="1200" dirty="0" smtClean="0"/>
-            <a:t> the model and E-M iterations till convergence</a:t>
+            <a:t>Generate genotype likelihoods for models</a:t>
           </a:r>
           <a:endParaRPr lang="en-US" sz="1900" kern="1200" dirty="0"/>
         </a:p>
@@ -2277,11 +2578,11 @@
 </file>
 
 <file path=ppt/diagrams/quickStyle1.xml><?xml version="1.0" encoding="utf-8"?>
-<dgm:styleDef xmlns:dgm="http://schemas.openxmlformats.org/drawingml/2006/diagram" xmlns:a="http://schemas.openxmlformats.org/drawingml/2006/main" uniqueId="urn:microsoft.com/office/officeart/2005/8/quickstyle/3D3">
+<dgm:styleDef xmlns:dgm="http://schemas.openxmlformats.org/drawingml/2006/diagram" xmlns:a="http://schemas.openxmlformats.org/drawingml/2006/main" uniqueId="urn:microsoft.com/office/officeart/2005/8/quickstyle/simple3">
   <dgm:title val=""/>
   <dgm:desc val=""/>
   <dgm:catLst>
-    <dgm:cat type="3D" pri="11300"/>
+    <dgm:cat type="simple" pri="10300"/>
   </dgm:catLst>
   <dgm:scene3d>
     <a:camera prst="orthographicFront"/>
@@ -2289,81 +2590,66 @@
   </dgm:scene3d>
   <dgm:styleLbl name="node0">
     <dgm:scene3d>
-      <a:camera prst="orthographicFront">
-        <a:rot lat="0" lon="0" rev="0"/>
-      </a:camera>
-      <a:lightRig rig="contrasting" dir="t">
-        <a:rot lat="0" lon="0" rev="1200000"/>
-      </a:lightRig>
+      <a:camera prst="orthographicFront"/>
+      <a:lightRig rig="flat" dir="t"/>
     </dgm:scene3d>
-    <dgm:sp3d contourW="19050" prstMaterial="metal">
-      <a:bevelT w="88900" h="203200"/>
-      <a:bevelB w="165100" h="254000"/>
+    <dgm:sp3d prstMaterial="dkEdge">
+      <a:bevelT w="8200" h="38100"/>
     </dgm:sp3d>
     <dgm:txPr/>
     <dgm:style>
       <a:lnRef idx="0">
         <a:scrgbClr r="0" g="0" b="0"/>
       </a:lnRef>
-      <a:fillRef idx="1">
+      <a:fillRef idx="2">
         <a:scrgbClr r="0" g="0" b="0"/>
       </a:fillRef>
       <a:effectRef idx="1">
         <a:scrgbClr r="0" g="0" b="0"/>
       </a:effectRef>
       <a:fontRef idx="minor">
-        <a:schemeClr val="lt1"/>
+        <a:schemeClr val="dk1"/>
       </a:fontRef>
     </dgm:style>
   </dgm:styleLbl>
   <dgm:styleLbl name="lnNode1">
     <dgm:scene3d>
-      <a:camera prst="orthographicFront">
-        <a:rot lat="0" lon="0" rev="0"/>
-      </a:camera>
-      <a:lightRig rig="contrasting" dir="t">
-        <a:rot lat="0" lon="0" rev="1200000"/>
-      </a:lightRig>
+      <a:camera prst="orthographicFront"/>
+      <a:lightRig rig="flat" dir="t"/>
     </dgm:scene3d>
-    <dgm:sp3d contourW="19050" prstMaterial="metal">
-      <a:bevelT w="88900" h="203200"/>
-      <a:bevelB w="165100" h="254000"/>
+    <dgm:sp3d prstMaterial="dkEdge">
+      <a:bevelT w="8200" h="38100"/>
+    </dgm:sp3d>
+    <dgm:txPr/>
+    <dgm:style>
+      <a:lnRef idx="1">
+        <a:scrgbClr r="0" g="0" b="0"/>
+      </a:lnRef>
+      <a:fillRef idx="2">
+        <a:scrgbClr r="0" g="0" b="0"/>
+      </a:fillRef>
+      <a:effectRef idx="0">
+        <a:scrgbClr r="0" g="0" b="0"/>
+      </a:effectRef>
+      <a:fontRef idx="minor">
+        <a:schemeClr val="dk1"/>
+      </a:fontRef>
+    </dgm:style>
+  </dgm:styleLbl>
+  <dgm:styleLbl name="vennNode1">
+    <dgm:scene3d>
+      <a:camera prst="orthographicFront"/>
+      <a:lightRig rig="flat" dir="t"/>
+    </dgm:scene3d>
+    <dgm:sp3d prstMaterial="dkEdge">
+      <a:bevelT w="8200" h="38100"/>
     </dgm:sp3d>
     <dgm:txPr/>
     <dgm:style>
       <a:lnRef idx="0">
         <a:scrgbClr r="0" g="0" b="0"/>
       </a:lnRef>
-      <a:fillRef idx="1">
-        <a:scrgbClr r="0" g="0" b="0"/>
-      </a:fillRef>
-      <a:effectRef idx="1">
-        <a:scrgbClr r="0" g="0" b="0"/>
-      </a:effectRef>
-      <a:fontRef idx="minor">
-        <a:schemeClr val="lt1"/>
-      </a:fontRef>
-    </dgm:style>
-  </dgm:styleLbl>
-  <dgm:styleLbl name="vennNode1">
-    <dgm:scene3d>
-      <a:camera prst="orthographicFront">
-        <a:rot lat="0" lon="0" rev="0"/>
-      </a:camera>
-      <a:lightRig rig="contrasting" dir="t">
-        <a:rot lat="0" lon="0" rev="1200000"/>
-      </a:lightRig>
-    </dgm:scene3d>
-    <dgm:sp3d contourW="12700" prstMaterial="clear">
-      <a:bevelT w="177800" h="254000"/>
-      <a:bevelB w="152400"/>
-    </dgm:sp3d>
-    <dgm:txPr/>
-    <dgm:style>
-      <a:lnRef idx="0">
-        <a:scrgbClr r="0" g="0" b="0"/>
-      </a:lnRef>
-      <a:fillRef idx="1">
+      <a:fillRef idx="2">
         <a:scrgbClr r="0" g="0" b="0"/>
       </a:fillRef>
       <a:effectRef idx="0">
@@ -2376,1208 +2662,953 @@
   </dgm:styleLbl>
   <dgm:styleLbl name="alignNode1">
     <dgm:scene3d>
-      <a:camera prst="orthographicFront">
-        <a:rot lat="0" lon="0" rev="0"/>
-      </a:camera>
-      <a:lightRig rig="contrasting" dir="t">
-        <a:rot lat="0" lon="0" rev="1200000"/>
-      </a:lightRig>
+      <a:camera prst="orthographicFront"/>
+      <a:lightRig rig="threePt" dir="t"/>
     </dgm:scene3d>
-    <dgm:sp3d contourW="19050" prstMaterial="metal">
-      <a:bevelT w="88900" h="203200"/>
-      <a:bevelB w="165100" h="254000"/>
+    <dgm:sp3d/>
+    <dgm:txPr/>
+    <dgm:style>
+      <a:lnRef idx="1">
+        <a:scrgbClr r="0" g="0" b="0"/>
+      </a:lnRef>
+      <a:fillRef idx="2">
+        <a:scrgbClr r="0" g="0" b="0"/>
+      </a:fillRef>
+      <a:effectRef idx="1">
+        <a:scrgbClr r="0" g="0" b="0"/>
+      </a:effectRef>
+      <a:fontRef idx="minor">
+        <a:schemeClr val="dk1"/>
+      </a:fontRef>
+    </dgm:style>
+  </dgm:styleLbl>
+  <dgm:styleLbl name="node1">
+    <dgm:scene3d>
+      <a:camera prst="orthographicFront"/>
+      <a:lightRig rig="flat" dir="t"/>
+    </dgm:scene3d>
+    <dgm:sp3d prstMaterial="dkEdge">
+      <a:bevelT w="8200" h="38100"/>
     </dgm:sp3d>
     <dgm:txPr/>
     <dgm:style>
       <a:lnRef idx="0">
         <a:scrgbClr r="0" g="0" b="0"/>
       </a:lnRef>
-      <a:fillRef idx="1">
+      <a:fillRef idx="2">
         <a:scrgbClr r="0" g="0" b="0"/>
       </a:fillRef>
-      <a:effectRef idx="2">
+      <a:effectRef idx="1">
         <a:scrgbClr r="0" g="0" b="0"/>
       </a:effectRef>
       <a:fontRef idx="minor">
-        <a:schemeClr val="lt1"/>
+        <a:schemeClr val="dk1"/>
       </a:fontRef>
     </dgm:style>
   </dgm:styleLbl>
-  <dgm:styleLbl name="node1">
+  <dgm:styleLbl name="node2">
     <dgm:scene3d>
-      <a:camera prst="orthographicFront">
-        <a:rot lat="0" lon="0" rev="0"/>
-      </a:camera>
-      <a:lightRig rig="contrasting" dir="t">
-        <a:rot lat="0" lon="0" rev="1200000"/>
-      </a:lightRig>
+      <a:camera prst="orthographicFront"/>
+      <a:lightRig rig="flat" dir="t"/>
     </dgm:scene3d>
-    <dgm:sp3d contourW="19050" prstMaterial="metal">
-      <a:bevelT w="88900" h="203200"/>
-      <a:bevelB w="165100" h="254000"/>
+    <dgm:sp3d prstMaterial="dkEdge">
+      <a:bevelT w="8200" h="38100"/>
     </dgm:sp3d>
     <dgm:txPr/>
     <dgm:style>
       <a:lnRef idx="0">
         <a:scrgbClr r="0" g="0" b="0"/>
       </a:lnRef>
-      <a:fillRef idx="1">
+      <a:fillRef idx="2">
         <a:scrgbClr r="0" g="0" b="0"/>
       </a:fillRef>
-      <a:effectRef idx="2">
+      <a:effectRef idx="1">
         <a:scrgbClr r="0" g="0" b="0"/>
       </a:effectRef>
       <a:fontRef idx="minor">
-        <a:schemeClr val="lt1"/>
+        <a:schemeClr val="dk1"/>
       </a:fontRef>
     </dgm:style>
   </dgm:styleLbl>
-  <dgm:styleLbl name="node2">
+  <dgm:styleLbl name="node3">
     <dgm:scene3d>
-      <a:camera prst="orthographicFront">
-        <a:rot lat="0" lon="0" rev="0"/>
-      </a:camera>
-      <a:lightRig rig="contrasting" dir="t">
-        <a:rot lat="0" lon="0" rev="1200000"/>
-      </a:lightRig>
+      <a:camera prst="orthographicFront"/>
+      <a:lightRig rig="flat" dir="t"/>
     </dgm:scene3d>
-    <dgm:sp3d contourW="19050" prstMaterial="metal">
-      <a:bevelT w="88900" h="203200"/>
-      <a:bevelB w="165100" h="254000"/>
+    <dgm:sp3d prstMaterial="dkEdge">
+      <a:bevelT w="8200" h="38100"/>
     </dgm:sp3d>
     <dgm:txPr/>
     <dgm:style>
       <a:lnRef idx="0">
         <a:scrgbClr r="0" g="0" b="0"/>
       </a:lnRef>
-      <a:fillRef idx="1">
+      <a:fillRef idx="2">
         <a:scrgbClr r="0" g="0" b="0"/>
       </a:fillRef>
       <a:effectRef idx="1">
         <a:scrgbClr r="0" g="0" b="0"/>
       </a:effectRef>
       <a:fontRef idx="minor">
-        <a:schemeClr val="lt1"/>
+        <a:schemeClr val="dk1"/>
       </a:fontRef>
     </dgm:style>
   </dgm:styleLbl>
-  <dgm:styleLbl name="node3">
+  <dgm:styleLbl name="node4">
     <dgm:scene3d>
-      <a:camera prst="orthographicFront">
-        <a:rot lat="0" lon="0" rev="0"/>
-      </a:camera>
-      <a:lightRig rig="contrasting" dir="t">
-        <a:rot lat="0" lon="0" rev="1200000"/>
-      </a:lightRig>
+      <a:camera prst="orthographicFront"/>
+      <a:lightRig rig="flat" dir="t"/>
     </dgm:scene3d>
-    <dgm:sp3d contourW="19050" prstMaterial="metal">
-      <a:bevelT w="88900" h="203200"/>
-      <a:bevelB w="165100" h="254000"/>
+    <dgm:sp3d prstMaterial="dkEdge">
+      <a:bevelT w="8200" h="38100"/>
     </dgm:sp3d>
     <dgm:txPr/>
     <dgm:style>
       <a:lnRef idx="0">
         <a:scrgbClr r="0" g="0" b="0"/>
       </a:lnRef>
-      <a:fillRef idx="1">
+      <a:fillRef idx="2">
         <a:scrgbClr r="0" g="0" b="0"/>
       </a:fillRef>
       <a:effectRef idx="1">
         <a:scrgbClr r="0" g="0" b="0"/>
       </a:effectRef>
       <a:fontRef idx="minor">
-        <a:schemeClr val="lt1"/>
+        <a:schemeClr val="dk1"/>
       </a:fontRef>
     </dgm:style>
   </dgm:styleLbl>
-  <dgm:styleLbl name="node4">
+  <dgm:styleLbl name="fgImgPlace1">
     <dgm:scene3d>
-      <a:camera prst="orthographicFront">
-        <a:rot lat="0" lon="0" rev="0"/>
-      </a:camera>
-      <a:lightRig rig="contrasting" dir="t">
-        <a:rot lat="0" lon="0" rev="1200000"/>
-      </a:lightRig>
+      <a:camera prst="orthographicFront"/>
+      <a:lightRig rig="threePt" dir="t"/>
     </dgm:scene3d>
-    <dgm:sp3d contourW="19050" prstMaterial="metal">
-      <a:bevelT w="88900" h="203200"/>
-      <a:bevelB w="165100" h="254000"/>
+    <dgm:sp3d/>
+    <dgm:txPr/>
+    <dgm:style>
+      <a:lnRef idx="1">
+        <a:scrgbClr r="0" g="0" b="0"/>
+      </a:lnRef>
+      <a:fillRef idx="1">
+        <a:scrgbClr r="0" g="0" b="0"/>
+      </a:fillRef>
+      <a:effectRef idx="1">
+        <a:scrgbClr r="0" g="0" b="0"/>
+      </a:effectRef>
+      <a:fontRef idx="minor"/>
+    </dgm:style>
+  </dgm:styleLbl>
+  <dgm:styleLbl name="alignImgPlace1">
+    <dgm:scene3d>
+      <a:camera prst="orthographicFront"/>
+      <a:lightRig rig="threePt" dir="t"/>
+    </dgm:scene3d>
+    <dgm:sp3d/>
+    <dgm:txPr/>
+    <dgm:style>
+      <a:lnRef idx="1">
+        <a:scrgbClr r="0" g="0" b="0"/>
+      </a:lnRef>
+      <a:fillRef idx="1">
+        <a:scrgbClr r="0" g="0" b="0"/>
+      </a:fillRef>
+      <a:effectRef idx="1">
+        <a:scrgbClr r="0" g="0" b="0"/>
+      </a:effectRef>
+      <a:fontRef idx="minor"/>
+    </dgm:style>
+  </dgm:styleLbl>
+  <dgm:styleLbl name="bgImgPlace1">
+    <dgm:scene3d>
+      <a:camera prst="orthographicFront"/>
+      <a:lightRig rig="threePt" dir="t"/>
+    </dgm:scene3d>
+    <dgm:sp3d/>
+    <dgm:txPr/>
+    <dgm:style>
+      <a:lnRef idx="1">
+        <a:scrgbClr r="0" g="0" b="0"/>
+      </a:lnRef>
+      <a:fillRef idx="1">
+        <a:scrgbClr r="0" g="0" b="0"/>
+      </a:fillRef>
+      <a:effectRef idx="1">
+        <a:scrgbClr r="0" g="0" b="0"/>
+      </a:effectRef>
+      <a:fontRef idx="minor"/>
+    </dgm:style>
+  </dgm:styleLbl>
+  <dgm:styleLbl name="sibTrans2D1">
+    <dgm:scene3d>
+      <a:camera prst="orthographicFront"/>
+      <a:lightRig rig="threePt" dir="t"/>
+    </dgm:scene3d>
+    <dgm:sp3d/>
+    <dgm:txPr/>
+    <dgm:style>
+      <a:lnRef idx="0">
+        <a:scrgbClr r="0" g="0" b="0"/>
+      </a:lnRef>
+      <a:fillRef idx="2">
+        <a:scrgbClr r="0" g="0" b="0"/>
+      </a:fillRef>
+      <a:effectRef idx="1">
+        <a:scrgbClr r="0" g="0" b="0"/>
+      </a:effectRef>
+      <a:fontRef idx="minor">
+        <a:schemeClr val="dk1"/>
+      </a:fontRef>
+    </dgm:style>
+  </dgm:styleLbl>
+  <dgm:styleLbl name="fgSibTrans2D1">
+    <dgm:scene3d>
+      <a:camera prst="orthographicFront"/>
+      <a:lightRig rig="threePt" dir="t"/>
+    </dgm:scene3d>
+    <dgm:sp3d/>
+    <dgm:txPr/>
+    <dgm:style>
+      <a:lnRef idx="0">
+        <a:scrgbClr r="0" g="0" b="0"/>
+      </a:lnRef>
+      <a:fillRef idx="2">
+        <a:scrgbClr r="0" g="0" b="0"/>
+      </a:fillRef>
+      <a:effectRef idx="1">
+        <a:scrgbClr r="0" g="0" b="0"/>
+      </a:effectRef>
+      <a:fontRef idx="minor">
+        <a:schemeClr val="dk1"/>
+      </a:fontRef>
+    </dgm:style>
+  </dgm:styleLbl>
+  <dgm:styleLbl name="bgSibTrans2D1">
+    <dgm:scene3d>
+      <a:camera prst="orthographicFront"/>
+      <a:lightRig rig="threePt" dir="t"/>
+    </dgm:scene3d>
+    <dgm:sp3d/>
+    <dgm:txPr/>
+    <dgm:style>
+      <a:lnRef idx="0">
+        <a:scrgbClr r="0" g="0" b="0"/>
+      </a:lnRef>
+      <a:fillRef idx="2">
+        <a:scrgbClr r="0" g="0" b="0"/>
+      </a:fillRef>
+      <a:effectRef idx="1">
+        <a:scrgbClr r="0" g="0" b="0"/>
+      </a:effectRef>
+      <a:fontRef idx="minor">
+        <a:schemeClr val="dk1"/>
+      </a:fontRef>
+    </dgm:style>
+  </dgm:styleLbl>
+  <dgm:styleLbl name="sibTrans1D1">
+    <dgm:scene3d>
+      <a:camera prst="orthographicFront"/>
+      <a:lightRig rig="threePt" dir="t"/>
+    </dgm:scene3d>
+    <dgm:sp3d/>
+    <dgm:txPr/>
+    <dgm:style>
+      <a:lnRef idx="1">
+        <a:scrgbClr r="0" g="0" b="0"/>
+      </a:lnRef>
+      <a:fillRef idx="0">
+        <a:scrgbClr r="0" g="0" b="0"/>
+      </a:fillRef>
+      <a:effectRef idx="0">
+        <a:scrgbClr r="0" g="0" b="0"/>
+      </a:effectRef>
+      <a:fontRef idx="minor"/>
+    </dgm:style>
+  </dgm:styleLbl>
+  <dgm:styleLbl name="callout">
+    <dgm:scene3d>
+      <a:camera prst="orthographicFront"/>
+      <a:lightRig rig="threePt" dir="t"/>
+    </dgm:scene3d>
+    <dgm:sp3d/>
+    <dgm:txPr/>
+    <dgm:style>
+      <a:lnRef idx="1">
+        <a:scrgbClr r="0" g="0" b="0"/>
+      </a:lnRef>
+      <a:fillRef idx="2">
+        <a:scrgbClr r="0" g="0" b="0"/>
+      </a:fillRef>
+      <a:effectRef idx="1">
+        <a:scrgbClr r="0" g="0" b="0"/>
+      </a:effectRef>
+      <a:fontRef idx="minor"/>
+    </dgm:style>
+  </dgm:styleLbl>
+  <dgm:styleLbl name="asst0">
+    <dgm:scene3d>
+      <a:camera prst="orthographicFront"/>
+      <a:lightRig rig="flat" dir="t"/>
+    </dgm:scene3d>
+    <dgm:sp3d prstMaterial="dkEdge">
+      <a:bevelT w="8200" h="38100"/>
     </dgm:sp3d>
     <dgm:txPr/>
     <dgm:style>
       <a:lnRef idx="0">
         <a:scrgbClr r="0" g="0" b="0"/>
       </a:lnRef>
-      <a:fillRef idx="1">
+      <a:fillRef idx="2">
         <a:scrgbClr r="0" g="0" b="0"/>
       </a:fillRef>
       <a:effectRef idx="1">
         <a:scrgbClr r="0" g="0" b="0"/>
       </a:effectRef>
       <a:fontRef idx="minor">
-        <a:schemeClr val="lt1"/>
+        <a:schemeClr val="dk1"/>
       </a:fontRef>
     </dgm:style>
   </dgm:styleLbl>
-  <dgm:styleLbl name="fgImgPlace1">
+  <dgm:styleLbl name="asst1">
     <dgm:scene3d>
-      <a:camera prst="orthographicFront">
-        <a:rot lat="0" lon="0" rev="0"/>
-      </a:camera>
-      <a:lightRig rig="contrasting" dir="t">
-        <a:rot lat="0" lon="0" rev="1200000"/>
-      </a:lightRig>
+      <a:camera prst="orthographicFront"/>
+      <a:lightRig rig="flat" dir="t"/>
     </dgm:scene3d>
-    <dgm:sp3d z="300000" contourW="19050" prstMaterial="metal">
-      <a:bevelT w="88900" h="203200"/>
-      <a:bevelB w="165100" h="254000"/>
+    <dgm:sp3d prstMaterial="dkEdge">
+      <a:bevelT w="8200" h="38100"/>
     </dgm:sp3d>
     <dgm:txPr/>
     <dgm:style>
       <a:lnRef idx="0">
         <a:scrgbClr r="0" g="0" b="0"/>
       </a:lnRef>
-      <a:fillRef idx="1">
+      <a:fillRef idx="2">
         <a:scrgbClr r="0" g="0" b="0"/>
       </a:fillRef>
       <a:effectRef idx="1">
         <a:scrgbClr r="0" g="0" b="0"/>
       </a:effectRef>
-      <a:fontRef idx="minor"/>
+      <a:fontRef idx="minor">
+        <a:schemeClr val="dk1"/>
+      </a:fontRef>
     </dgm:style>
   </dgm:styleLbl>
-  <dgm:styleLbl name="alignImgPlace1">
+  <dgm:styleLbl name="asst2">
     <dgm:scene3d>
-      <a:camera prst="orthographicFront">
-        <a:rot lat="0" lon="0" rev="0"/>
-      </a:camera>
-      <a:lightRig rig="contrasting" dir="t">
-        <a:rot lat="0" lon="0" rev="1200000"/>
-      </a:lightRig>
+      <a:camera prst="orthographicFront"/>
+      <a:lightRig rig="flat" dir="t"/>
     </dgm:scene3d>
-    <dgm:sp3d contourW="12700" prstMaterial="flat">
-      <a:bevelT w="177800" h="254000"/>
-      <a:bevelB w="152400"/>
+    <dgm:sp3d prstMaterial="dkEdge">
+      <a:bevelT w="8200" h="38100"/>
     </dgm:sp3d>
     <dgm:txPr/>
     <dgm:style>
       <a:lnRef idx="0">
         <a:scrgbClr r="0" g="0" b="0"/>
       </a:lnRef>
-      <a:fillRef idx="1">
+      <a:fillRef idx="2">
         <a:scrgbClr r="0" g="0" b="0"/>
       </a:fillRef>
       <a:effectRef idx="1">
         <a:scrgbClr r="0" g="0" b="0"/>
       </a:effectRef>
-      <a:fontRef idx="minor"/>
+      <a:fontRef idx="minor">
+        <a:schemeClr val="dk1"/>
+      </a:fontRef>
     </dgm:style>
   </dgm:styleLbl>
-  <dgm:styleLbl name="bgImgPlace1">
+  <dgm:styleLbl name="asst3">
     <dgm:scene3d>
-      <a:camera prst="orthographicFront">
-        <a:rot lat="0" lon="0" rev="0"/>
-      </a:camera>
-      <a:lightRig rig="contrasting" dir="t">
-        <a:rot lat="0" lon="0" rev="1200000"/>
-      </a:lightRig>
+      <a:camera prst="orthographicFront"/>
+      <a:lightRig rig="flat" dir="t"/>
     </dgm:scene3d>
-    <dgm:sp3d z="-300000" contourW="19050" prstMaterial="metal">
-      <a:bevelT w="88900" h="203200"/>
-      <a:bevelB w="165100" h="254000"/>
+    <dgm:sp3d prstMaterial="dkEdge">
+      <a:bevelT w="8200" h="38100"/>
     </dgm:sp3d>
     <dgm:txPr/>
     <dgm:style>
       <a:lnRef idx="0">
         <a:scrgbClr r="0" g="0" b="0"/>
       </a:lnRef>
-      <a:fillRef idx="1">
+      <a:fillRef idx="2">
         <a:scrgbClr r="0" g="0" b="0"/>
       </a:fillRef>
       <a:effectRef idx="1">
         <a:scrgbClr r="0" g="0" b="0"/>
       </a:effectRef>
-      <a:fontRef idx="minor"/>
+      <a:fontRef idx="minor">
+        <a:schemeClr val="dk1"/>
+      </a:fontRef>
     </dgm:style>
   </dgm:styleLbl>
-  <dgm:styleLbl name="sibTrans2D1">
+  <dgm:styleLbl name="asst4">
     <dgm:scene3d>
-      <a:camera prst="orthographicFront">
-        <a:rot lat="0" lon="0" rev="0"/>
-      </a:camera>
-      <a:lightRig rig="contrasting" dir="t">
-        <a:rot lat="0" lon="0" rev="1200000"/>
-      </a:lightRig>
+      <a:camera prst="orthographicFront"/>
+      <a:lightRig rig="flat" dir="t"/>
     </dgm:scene3d>
-    <dgm:sp3d z="-182000" contourW="19050" prstMaterial="metal">
-      <a:bevelT w="88900" h="203200"/>
-      <a:bevelB w="165100" h="254000"/>
+    <dgm:sp3d prstMaterial="dkEdge">
+      <a:bevelT w="8200" h="38100"/>
     </dgm:sp3d>
     <dgm:txPr/>
     <dgm:style>
       <a:lnRef idx="0">
         <a:scrgbClr r="0" g="0" b="0"/>
       </a:lnRef>
-      <a:fillRef idx="1">
+      <a:fillRef idx="2">
         <a:scrgbClr r="0" g="0" b="0"/>
       </a:fillRef>
-      <a:effectRef idx="0">
+      <a:effectRef idx="1">
         <a:scrgbClr r="0" g="0" b="0"/>
       </a:effectRef>
       <a:fontRef idx="minor">
-        <a:schemeClr val="lt1"/>
+        <a:schemeClr val="dk1"/>
       </a:fontRef>
     </dgm:style>
   </dgm:styleLbl>
-  <dgm:styleLbl name="fgSibTrans2D1">
-    <dgm:scene3d>
-      <a:camera prst="orthographicFront">
-        <a:rot lat="0" lon="0" rev="0"/>
-      </a:camera>
-      <a:lightRig rig="contrasting" dir="t">
-        <a:rot lat="0" lon="0" rev="1200000"/>
-      </a:lightRig>
-    </dgm:scene3d>
-    <dgm:sp3d z="300000" contourW="19050" prstMaterial="metal">
-      <a:bevelT w="88900" h="203200"/>
-      <a:bevelB w="165100" h="254000"/>
-    </dgm:sp3d>
-    <dgm:txPr/>
-    <dgm:style>
-      <a:lnRef idx="0">
-        <a:scrgbClr r="0" g="0" b="0"/>
-      </a:lnRef>
-      <a:fillRef idx="1">
-        <a:scrgbClr r="0" g="0" b="0"/>
-      </a:fillRef>
-      <a:effectRef idx="0">
-        <a:scrgbClr r="0" g="0" b="0"/>
-      </a:effectRef>
-      <a:fontRef idx="minor"/>
-    </dgm:style>
-  </dgm:styleLbl>
-  <dgm:styleLbl name="bgSibTrans2D1">
-    <dgm:scene3d>
-      <a:camera prst="orthographicFront">
-        <a:rot lat="0" lon="0" rev="0"/>
-      </a:camera>
-      <a:lightRig rig="contrasting" dir="t">
-        <a:rot lat="0" lon="0" rev="1200000"/>
-      </a:lightRig>
-    </dgm:scene3d>
-    <dgm:sp3d z="-300000" contourW="19050" prstMaterial="metal">
-      <a:bevelT w="88900" h="203200"/>
-      <a:bevelB w="165100" h="254000"/>
-    </dgm:sp3d>
-    <dgm:txPr/>
-    <dgm:style>
-      <a:lnRef idx="0">
-        <a:scrgbClr r="0" g="0" b="0"/>
-      </a:lnRef>
-      <a:fillRef idx="1">
-        <a:scrgbClr r="0" g="0" b="0"/>
-      </a:fillRef>
-      <a:effectRef idx="0">
-        <a:scrgbClr r="0" g="0" b="0"/>
-      </a:effectRef>
-      <a:fontRef idx="minor"/>
-    </dgm:style>
-  </dgm:styleLbl>
-  <dgm:styleLbl name="sibTrans1D1">
-    <dgm:scene3d>
-      <a:camera prst="orthographicFront">
-        <a:rot lat="0" lon="0" rev="0"/>
-      </a:camera>
-      <a:lightRig rig="contrasting" dir="t">
-        <a:rot lat="0" lon="0" rev="1200000"/>
-      </a:lightRig>
-    </dgm:scene3d>
-    <dgm:sp3d z="-110000"/>
-    <dgm:txPr/>
-    <dgm:style>
-      <a:lnRef idx="1">
-        <a:scrgbClr r="0" g="0" b="0"/>
-      </a:lnRef>
-      <a:fillRef idx="0">
-        <a:scrgbClr r="0" g="0" b="0"/>
-      </a:fillRef>
-      <a:effectRef idx="0">
-        <a:scrgbClr r="0" g="0" b="0"/>
-      </a:effectRef>
-      <a:fontRef idx="minor"/>
-    </dgm:style>
-  </dgm:styleLbl>
-  <dgm:styleLbl name="callout">
-    <dgm:scene3d>
-      <a:camera prst="orthographicFront">
-        <a:rot lat="0" lon="0" rev="0"/>
-      </a:camera>
-      <a:lightRig rig="contrasting" dir="t">
-        <a:rot lat="0" lon="0" rev="1200000"/>
-      </a:lightRig>
-    </dgm:scene3d>
-    <dgm:sp3d z="10000"/>
-    <dgm:txPr/>
-    <dgm:style>
-      <a:lnRef idx="2">
-        <a:scrgbClr r="0" g="0" b="0"/>
-      </a:lnRef>
-      <a:fillRef idx="1">
-        <a:scrgbClr r="0" g="0" b="0"/>
-      </a:fillRef>
-      <a:effectRef idx="0">
-        <a:scrgbClr r="0" g="0" b="0"/>
-      </a:effectRef>
-      <a:fontRef idx="minor"/>
-    </dgm:style>
-  </dgm:styleLbl>
-  <dgm:styleLbl name="asst0">
-    <dgm:scene3d>
-      <a:camera prst="orthographicFront">
-        <a:rot lat="0" lon="0" rev="0"/>
-      </a:camera>
-      <a:lightRig rig="contrasting" dir="t">
-        <a:rot lat="0" lon="0" rev="1200000"/>
-      </a:lightRig>
-    </dgm:scene3d>
-    <dgm:sp3d contourW="19050" prstMaterial="metal">
-      <a:bevelT w="88900" h="203200"/>
-      <a:bevelB w="165100" h="254000"/>
-    </dgm:sp3d>
-    <dgm:txPr/>
-    <dgm:style>
-      <a:lnRef idx="0">
-        <a:scrgbClr r="0" g="0" b="0"/>
-      </a:lnRef>
-      <a:fillRef idx="1">
-        <a:scrgbClr r="0" g="0" b="0"/>
-      </a:fillRef>
-      <a:effectRef idx="1">
-        <a:scrgbClr r="0" g="0" b="0"/>
-      </a:effectRef>
-      <a:fontRef idx="minor">
-        <a:schemeClr val="lt1"/>
-      </a:fontRef>
-    </dgm:style>
-  </dgm:styleLbl>
-  <dgm:styleLbl name="asst1">
-    <dgm:scene3d>
-      <a:camera prst="orthographicFront">
-        <a:rot lat="0" lon="0" rev="0"/>
-      </a:camera>
-      <a:lightRig rig="contrasting" dir="t">
-        <a:rot lat="0" lon="0" rev="1200000"/>
-      </a:lightRig>
-    </dgm:scene3d>
-    <dgm:sp3d contourW="19050" prstMaterial="metal">
-      <a:bevelT w="88900" h="203200"/>
-      <a:bevelB w="165100" h="254000"/>
-    </dgm:sp3d>
-    <dgm:txPr/>
-    <dgm:style>
-      <a:lnRef idx="0">
-        <a:scrgbClr r="0" g="0" b="0"/>
-      </a:lnRef>
-      <a:fillRef idx="1">
-        <a:scrgbClr r="0" g="0" b="0"/>
-      </a:fillRef>
-      <a:effectRef idx="1">
-        <a:scrgbClr r="0" g="0" b="0"/>
-      </a:effectRef>
-      <a:fontRef idx="minor">
-        <a:schemeClr val="lt1"/>
-      </a:fontRef>
-    </dgm:style>
-  </dgm:styleLbl>
-  <dgm:styleLbl name="asst2">
-    <dgm:scene3d>
-      <a:camera prst="orthographicFront">
-        <a:rot lat="0" lon="0" rev="0"/>
-      </a:camera>
-      <a:lightRig rig="contrasting" dir="t">
-        <a:rot lat="0" lon="0" rev="1200000"/>
-      </a:lightRig>
-    </dgm:scene3d>
-    <dgm:sp3d contourW="19050" prstMaterial="metal">
-      <a:bevelT w="88900" h="203200"/>
-      <a:bevelB w="165100" h="254000"/>
-    </dgm:sp3d>
-    <dgm:txPr/>
-    <dgm:style>
-      <a:lnRef idx="0">
-        <a:scrgbClr r="0" g="0" b="0"/>
-      </a:lnRef>
-      <a:fillRef idx="1">
-        <a:scrgbClr r="0" g="0" b="0"/>
-      </a:fillRef>
-      <a:effectRef idx="1">
-        <a:scrgbClr r="0" g="0" b="0"/>
-      </a:effectRef>
-      <a:fontRef idx="minor">
-        <a:schemeClr val="lt1"/>
-      </a:fontRef>
-    </dgm:style>
-  </dgm:styleLbl>
-  <dgm:styleLbl name="asst3">
-    <dgm:scene3d>
-      <a:camera prst="orthographicFront">
-        <a:rot lat="0" lon="0" rev="0"/>
-      </a:camera>
-      <a:lightRig rig="contrasting" dir="t">
-        <a:rot lat="0" lon="0" rev="1200000"/>
-      </a:lightRig>
-    </dgm:scene3d>
-    <dgm:sp3d contourW="19050" prstMaterial="metal">
-      <a:bevelT w="88900" h="203200"/>
-      <a:bevelB w="165100" h="254000"/>
-    </dgm:sp3d>
-    <dgm:txPr/>
-    <dgm:style>
-      <a:lnRef idx="0">
-        <a:scrgbClr r="0" g="0" b="0"/>
-      </a:lnRef>
-      <a:fillRef idx="1">
-        <a:scrgbClr r="0" g="0" b="0"/>
-      </a:fillRef>
-      <a:effectRef idx="1">
-        <a:scrgbClr r="0" g="0" b="0"/>
-      </a:effectRef>
-      <a:fontRef idx="minor">
-        <a:schemeClr val="lt1"/>
-      </a:fontRef>
-    </dgm:style>
-  </dgm:styleLbl>
-  <dgm:styleLbl name="asst4">
+  <dgm:styleLbl name="parChTrans2D1">
     <dgm:scene3d>
       <a:camera prst="orthographicFront"/>
       <a:lightRig rig="threePt" dir="t"/>
     </dgm:scene3d>
-    <dgm:sp3d contourW="19050" prstMaterial="metal">
-      <a:bevelT w="88900" h="203200"/>
-      <a:bevelB w="165100" h="254000"/>
+    <dgm:sp3d/>
+    <dgm:txPr/>
+    <dgm:style>
+      <a:lnRef idx="1">
+        <a:scrgbClr r="0" g="0" b="0"/>
+      </a:lnRef>
+      <a:fillRef idx="2">
+        <a:scrgbClr r="0" g="0" b="0"/>
+      </a:fillRef>
+      <a:effectRef idx="1">
+        <a:scrgbClr r="0" g="0" b="0"/>
+      </a:effectRef>
+      <a:fontRef idx="minor">
+        <a:schemeClr val="dk1"/>
+      </a:fontRef>
+    </dgm:style>
+  </dgm:styleLbl>
+  <dgm:styleLbl name="parChTrans2D2">
+    <dgm:scene3d>
+      <a:camera prst="orthographicFront"/>
+      <a:lightRig rig="threePt" dir="t"/>
+    </dgm:scene3d>
+    <dgm:sp3d/>
+    <dgm:txPr/>
+    <dgm:style>
+      <a:lnRef idx="1">
+        <a:scrgbClr r="0" g="0" b="0"/>
+      </a:lnRef>
+      <a:fillRef idx="2">
+        <a:scrgbClr r="0" g="0" b="0"/>
+      </a:fillRef>
+      <a:effectRef idx="1">
+        <a:scrgbClr r="0" g="0" b="0"/>
+      </a:effectRef>
+      <a:fontRef idx="minor">
+        <a:schemeClr val="dk1"/>
+      </a:fontRef>
+    </dgm:style>
+  </dgm:styleLbl>
+  <dgm:styleLbl name="parChTrans2D3">
+    <dgm:scene3d>
+      <a:camera prst="orthographicFront"/>
+      <a:lightRig rig="threePt" dir="t"/>
+    </dgm:scene3d>
+    <dgm:sp3d/>
+    <dgm:txPr/>
+    <dgm:style>
+      <a:lnRef idx="1">
+        <a:scrgbClr r="0" g="0" b="0"/>
+      </a:lnRef>
+      <a:fillRef idx="2">
+        <a:scrgbClr r="0" g="0" b="0"/>
+      </a:fillRef>
+      <a:effectRef idx="1">
+        <a:scrgbClr r="0" g="0" b="0"/>
+      </a:effectRef>
+      <a:fontRef idx="minor">
+        <a:schemeClr val="dk1"/>
+      </a:fontRef>
+    </dgm:style>
+  </dgm:styleLbl>
+  <dgm:styleLbl name="parChTrans2D4">
+    <dgm:scene3d>
+      <a:camera prst="orthographicFront"/>
+      <a:lightRig rig="threePt" dir="t"/>
+    </dgm:scene3d>
+    <dgm:sp3d/>
+    <dgm:txPr/>
+    <dgm:style>
+      <a:lnRef idx="1">
+        <a:scrgbClr r="0" g="0" b="0"/>
+      </a:lnRef>
+      <a:fillRef idx="2">
+        <a:scrgbClr r="0" g="0" b="0"/>
+      </a:fillRef>
+      <a:effectRef idx="1">
+        <a:scrgbClr r="0" g="0" b="0"/>
+      </a:effectRef>
+      <a:fontRef idx="minor">
+        <a:schemeClr val="dk1"/>
+      </a:fontRef>
+    </dgm:style>
+  </dgm:styleLbl>
+  <dgm:styleLbl name="parChTrans1D1">
+    <dgm:scene3d>
+      <a:camera prst="orthographicFront"/>
+      <a:lightRig rig="threePt" dir="t"/>
+    </dgm:scene3d>
+    <dgm:sp3d/>
+    <dgm:txPr/>
+    <dgm:style>
+      <a:lnRef idx="2">
+        <a:scrgbClr r="0" g="0" b="0"/>
+      </a:lnRef>
+      <a:fillRef idx="0">
+        <a:scrgbClr r="0" g="0" b="0"/>
+      </a:fillRef>
+      <a:effectRef idx="0">
+        <a:scrgbClr r="0" g="0" b="0"/>
+      </a:effectRef>
+      <a:fontRef idx="minor"/>
+    </dgm:style>
+  </dgm:styleLbl>
+  <dgm:styleLbl name="parChTrans1D2">
+    <dgm:scene3d>
+      <a:camera prst="orthographicFront"/>
+      <a:lightRig rig="threePt" dir="t"/>
+    </dgm:scene3d>
+    <dgm:sp3d/>
+    <dgm:txPr/>
+    <dgm:style>
+      <a:lnRef idx="2">
+        <a:scrgbClr r="0" g="0" b="0"/>
+      </a:lnRef>
+      <a:fillRef idx="0">
+        <a:scrgbClr r="0" g="0" b="0"/>
+      </a:fillRef>
+      <a:effectRef idx="0">
+        <a:scrgbClr r="0" g="0" b="0"/>
+      </a:effectRef>
+      <a:fontRef idx="minor"/>
+    </dgm:style>
+  </dgm:styleLbl>
+  <dgm:styleLbl name="parChTrans1D3">
+    <dgm:scene3d>
+      <a:camera prst="orthographicFront"/>
+      <a:lightRig rig="threePt" dir="t"/>
+    </dgm:scene3d>
+    <dgm:sp3d/>
+    <dgm:txPr/>
+    <dgm:style>
+      <a:lnRef idx="2">
+        <a:scrgbClr r="0" g="0" b="0"/>
+      </a:lnRef>
+      <a:fillRef idx="0">
+        <a:scrgbClr r="0" g="0" b="0"/>
+      </a:fillRef>
+      <a:effectRef idx="0">
+        <a:scrgbClr r="0" g="0" b="0"/>
+      </a:effectRef>
+      <a:fontRef idx="minor"/>
+    </dgm:style>
+  </dgm:styleLbl>
+  <dgm:styleLbl name="parChTrans1D4">
+    <dgm:scene3d>
+      <a:camera prst="orthographicFront"/>
+      <a:lightRig rig="threePt" dir="t"/>
+    </dgm:scene3d>
+    <dgm:sp3d/>
+    <dgm:txPr/>
+    <dgm:style>
+      <a:lnRef idx="2">
+        <a:scrgbClr r="0" g="0" b="0"/>
+      </a:lnRef>
+      <a:fillRef idx="0">
+        <a:scrgbClr r="0" g="0" b="0"/>
+      </a:fillRef>
+      <a:effectRef idx="0">
+        <a:scrgbClr r="0" g="0" b="0"/>
+      </a:effectRef>
+      <a:fontRef idx="minor"/>
+    </dgm:style>
+  </dgm:styleLbl>
+  <dgm:styleLbl name="fgAcc1">
+    <dgm:scene3d>
+      <a:camera prst="orthographicFront"/>
+      <a:lightRig rig="threePt" dir="t"/>
+    </dgm:scene3d>
+    <dgm:sp3d/>
+    <dgm:txPr/>
+    <dgm:style>
+      <a:lnRef idx="1">
+        <a:scrgbClr r="0" g="0" b="0"/>
+      </a:lnRef>
+      <a:fillRef idx="1">
+        <a:scrgbClr r="0" g="0" b="0"/>
+      </a:fillRef>
+      <a:effectRef idx="0">
+        <a:scrgbClr r="0" g="0" b="0"/>
+      </a:effectRef>
+      <a:fontRef idx="minor"/>
+    </dgm:style>
+  </dgm:styleLbl>
+  <dgm:styleLbl name="conFgAcc1">
+    <dgm:scene3d>
+      <a:camera prst="orthographicFront"/>
+      <a:lightRig rig="threePt" dir="t"/>
+    </dgm:scene3d>
+    <dgm:sp3d/>
+    <dgm:txPr/>
+    <dgm:style>
+      <a:lnRef idx="1">
+        <a:scrgbClr r="0" g="0" b="0"/>
+      </a:lnRef>
+      <a:fillRef idx="1">
+        <a:scrgbClr r="0" g="0" b="0"/>
+      </a:fillRef>
+      <a:effectRef idx="0">
+        <a:scrgbClr r="0" g="0" b="0"/>
+      </a:effectRef>
+      <a:fontRef idx="minor"/>
+    </dgm:style>
+  </dgm:styleLbl>
+  <dgm:styleLbl name="alignAcc1">
+    <dgm:scene3d>
+      <a:camera prst="orthographicFront"/>
+      <a:lightRig rig="threePt" dir="t"/>
+    </dgm:scene3d>
+    <dgm:sp3d/>
+    <dgm:txPr/>
+    <dgm:style>
+      <a:lnRef idx="1">
+        <a:scrgbClr r="0" g="0" b="0"/>
+      </a:lnRef>
+      <a:fillRef idx="1">
+        <a:scrgbClr r="0" g="0" b="0"/>
+      </a:fillRef>
+      <a:effectRef idx="0">
+        <a:scrgbClr r="0" g="0" b="0"/>
+      </a:effectRef>
+      <a:fontRef idx="minor"/>
+    </dgm:style>
+  </dgm:styleLbl>
+  <dgm:styleLbl name="trAlignAcc1">
+    <dgm:scene3d>
+      <a:camera prst="orthographicFront"/>
+      <a:lightRig rig="threePt" dir="t"/>
+    </dgm:scene3d>
+    <dgm:sp3d/>
+    <dgm:txPr/>
+    <dgm:style>
+      <a:lnRef idx="1">
+        <a:scrgbClr r="0" g="0" b="0"/>
+      </a:lnRef>
+      <a:fillRef idx="1">
+        <a:scrgbClr r="0" g="0" b="0"/>
+      </a:fillRef>
+      <a:effectRef idx="0">
+        <a:scrgbClr r="0" g="0" b="0"/>
+      </a:effectRef>
+      <a:fontRef idx="minor"/>
+    </dgm:style>
+  </dgm:styleLbl>
+  <dgm:styleLbl name="bgAcc1">
+    <dgm:scene3d>
+      <a:camera prst="orthographicFront"/>
+      <a:lightRig rig="threePt" dir="t"/>
+    </dgm:scene3d>
+    <dgm:sp3d/>
+    <dgm:txPr/>
+    <dgm:style>
+      <a:lnRef idx="1">
+        <a:scrgbClr r="0" g="0" b="0"/>
+      </a:lnRef>
+      <a:fillRef idx="1">
+        <a:scrgbClr r="0" g="0" b="0"/>
+      </a:fillRef>
+      <a:effectRef idx="0">
+        <a:scrgbClr r="0" g="0" b="0"/>
+      </a:effectRef>
+      <a:fontRef idx="minor"/>
+    </dgm:style>
+  </dgm:styleLbl>
+  <dgm:styleLbl name="solidFgAcc1">
+    <dgm:scene3d>
+      <a:camera prst="orthographicFront"/>
+      <a:lightRig rig="threePt" dir="t"/>
+    </dgm:scene3d>
+    <dgm:sp3d/>
+    <dgm:txPr/>
+    <dgm:style>
+      <a:lnRef idx="1">
+        <a:scrgbClr r="0" g="0" b="0"/>
+      </a:lnRef>
+      <a:fillRef idx="2">
+        <a:scrgbClr r="0" g="0" b="0"/>
+      </a:fillRef>
+      <a:effectRef idx="0">
+        <a:scrgbClr r="0" g="0" b="0"/>
+      </a:effectRef>
+      <a:fontRef idx="minor"/>
+    </dgm:style>
+  </dgm:styleLbl>
+  <dgm:styleLbl name="solidAlignAcc1">
+    <dgm:scene3d>
+      <a:camera prst="orthographicFront"/>
+      <a:lightRig rig="threePt" dir="t"/>
+    </dgm:scene3d>
+    <dgm:sp3d/>
+    <dgm:txPr/>
+    <dgm:style>
+      <a:lnRef idx="1">
+        <a:scrgbClr r="0" g="0" b="0"/>
+      </a:lnRef>
+      <a:fillRef idx="1">
+        <a:scrgbClr r="0" g="0" b="0"/>
+      </a:fillRef>
+      <a:effectRef idx="0">
+        <a:scrgbClr r="0" g="0" b="0"/>
+      </a:effectRef>
+      <a:fontRef idx="minor"/>
+    </dgm:style>
+  </dgm:styleLbl>
+  <dgm:styleLbl name="solidBgAcc1">
+    <dgm:scene3d>
+      <a:camera prst="orthographicFront"/>
+      <a:lightRig rig="threePt" dir="t"/>
+    </dgm:scene3d>
+    <dgm:sp3d/>
+    <dgm:txPr/>
+    <dgm:style>
+      <a:lnRef idx="1">
+        <a:scrgbClr r="0" g="0" b="0"/>
+      </a:lnRef>
+      <a:fillRef idx="1">
+        <a:scrgbClr r="0" g="0" b="0"/>
+      </a:fillRef>
+      <a:effectRef idx="0">
+        <a:scrgbClr r="0" g="0" b="0"/>
+      </a:effectRef>
+      <a:fontRef idx="minor"/>
+    </dgm:style>
+  </dgm:styleLbl>
+  <dgm:styleLbl name="fgAccFollowNode1">
+    <dgm:scene3d>
+      <a:camera prst="orthographicFront"/>
+      <a:lightRig rig="threePt" dir="t"/>
+    </dgm:scene3d>
+    <dgm:sp3d/>
+    <dgm:txPr/>
+    <dgm:style>
+      <a:lnRef idx="1">
+        <a:scrgbClr r="0" g="0" b="0"/>
+      </a:lnRef>
+      <a:fillRef idx="1">
+        <a:scrgbClr r="0" g="0" b="0"/>
+      </a:fillRef>
+      <a:effectRef idx="0">
+        <a:scrgbClr r="0" g="0" b="0"/>
+      </a:effectRef>
+      <a:fontRef idx="minor"/>
+    </dgm:style>
+  </dgm:styleLbl>
+  <dgm:styleLbl name="alignAccFollowNode1">
+    <dgm:scene3d>
+      <a:camera prst="orthographicFront"/>
+      <a:lightRig rig="threePt" dir="t"/>
+    </dgm:scene3d>
+    <dgm:sp3d/>
+    <dgm:txPr/>
+    <dgm:style>
+      <a:lnRef idx="1">
+        <a:scrgbClr r="0" g="0" b="0"/>
+      </a:lnRef>
+      <a:fillRef idx="1">
+        <a:scrgbClr r="0" g="0" b="0"/>
+      </a:fillRef>
+      <a:effectRef idx="0">
+        <a:scrgbClr r="0" g="0" b="0"/>
+      </a:effectRef>
+      <a:fontRef idx="minor"/>
+    </dgm:style>
+  </dgm:styleLbl>
+  <dgm:styleLbl name="bgAccFollowNode1">
+    <dgm:scene3d>
+      <a:camera prst="orthographicFront"/>
+      <a:lightRig rig="threePt" dir="t"/>
+    </dgm:scene3d>
+    <dgm:sp3d/>
+    <dgm:txPr/>
+    <dgm:style>
+      <a:lnRef idx="1">
+        <a:scrgbClr r="0" g="0" b="0"/>
+      </a:lnRef>
+      <a:fillRef idx="1">
+        <a:scrgbClr r="0" g="0" b="0"/>
+      </a:fillRef>
+      <a:effectRef idx="0">
+        <a:scrgbClr r="0" g="0" b="0"/>
+      </a:effectRef>
+      <a:fontRef idx="minor"/>
+    </dgm:style>
+  </dgm:styleLbl>
+  <dgm:styleLbl name="fgAcc0">
+    <dgm:scene3d>
+      <a:camera prst="orthographicFront"/>
+      <a:lightRig rig="threePt" dir="t"/>
+    </dgm:scene3d>
+    <dgm:sp3d/>
+    <dgm:txPr/>
+    <dgm:style>
+      <a:lnRef idx="1">
+        <a:scrgbClr r="0" g="0" b="0"/>
+      </a:lnRef>
+      <a:fillRef idx="1">
+        <a:scrgbClr r="0" g="0" b="0"/>
+      </a:fillRef>
+      <a:effectRef idx="0">
+        <a:scrgbClr r="0" g="0" b="0"/>
+      </a:effectRef>
+      <a:fontRef idx="minor"/>
+    </dgm:style>
+  </dgm:styleLbl>
+  <dgm:styleLbl name="fgAcc2">
+    <dgm:scene3d>
+      <a:camera prst="orthographicFront"/>
+      <a:lightRig rig="threePt" dir="t"/>
+    </dgm:scene3d>
+    <dgm:sp3d/>
+    <dgm:txPr/>
+    <dgm:style>
+      <a:lnRef idx="1">
+        <a:scrgbClr r="0" g="0" b="0"/>
+      </a:lnRef>
+      <a:fillRef idx="1">
+        <a:scrgbClr r="0" g="0" b="0"/>
+      </a:fillRef>
+      <a:effectRef idx="0">
+        <a:scrgbClr r="0" g="0" b="0"/>
+      </a:effectRef>
+      <a:fontRef idx="minor"/>
+    </dgm:style>
+  </dgm:styleLbl>
+  <dgm:styleLbl name="fgAcc3">
+    <dgm:scene3d>
+      <a:camera prst="orthographicFront"/>
+      <a:lightRig rig="threePt" dir="t"/>
+    </dgm:scene3d>
+    <dgm:sp3d/>
+    <dgm:txPr/>
+    <dgm:style>
+      <a:lnRef idx="1">
+        <a:scrgbClr r="0" g="0" b="0"/>
+      </a:lnRef>
+      <a:fillRef idx="1">
+        <a:scrgbClr r="0" g="0" b="0"/>
+      </a:fillRef>
+      <a:effectRef idx="0">
+        <a:scrgbClr r="0" g="0" b="0"/>
+      </a:effectRef>
+      <a:fontRef idx="minor"/>
+    </dgm:style>
+  </dgm:styleLbl>
+  <dgm:styleLbl name="fgAcc4">
+    <dgm:scene3d>
+      <a:camera prst="orthographicFront"/>
+      <a:lightRig rig="threePt" dir="t"/>
+    </dgm:scene3d>
+    <dgm:sp3d/>
+    <dgm:txPr/>
+    <dgm:style>
+      <a:lnRef idx="1">
+        <a:scrgbClr r="0" g="0" b="0"/>
+      </a:lnRef>
+      <a:fillRef idx="1">
+        <a:scrgbClr r="0" g="0" b="0"/>
+      </a:fillRef>
+      <a:effectRef idx="0">
+        <a:scrgbClr r="0" g="0" b="0"/>
+      </a:effectRef>
+      <a:fontRef idx="minor"/>
+    </dgm:style>
+  </dgm:styleLbl>
+  <dgm:styleLbl name="bgShp">
+    <dgm:scene3d>
+      <a:camera prst="orthographicFront"/>
+      <a:lightRig rig="threePt" dir="t"/>
+    </dgm:scene3d>
+    <dgm:sp3d/>
+    <dgm:txPr/>
+    <dgm:style>
+      <a:lnRef idx="0">
+        <a:scrgbClr r="0" g="0" b="0"/>
+      </a:lnRef>
+      <a:fillRef idx="1">
+        <a:scrgbClr r="0" g="0" b="0"/>
+      </a:fillRef>
+      <a:effectRef idx="1">
+        <a:scrgbClr r="0" g="0" b="0"/>
+      </a:effectRef>
+      <a:fontRef idx="minor"/>
+    </dgm:style>
+  </dgm:styleLbl>
+  <dgm:styleLbl name="dkBgShp">
+    <dgm:scene3d>
+      <a:camera prst="orthographicFront"/>
+      <a:lightRig rig="threePt" dir="t"/>
+    </dgm:scene3d>
+    <dgm:sp3d/>
+    <dgm:txPr/>
+    <dgm:style>
+      <a:lnRef idx="0">
+        <a:scrgbClr r="0" g="0" b="0"/>
+      </a:lnRef>
+      <a:fillRef idx="1">
+        <a:scrgbClr r="0" g="0" b="0"/>
+      </a:fillRef>
+      <a:effectRef idx="1">
+        <a:scrgbClr r="0" g="0" b="0"/>
+      </a:effectRef>
+      <a:fontRef idx="minor"/>
+    </dgm:style>
+  </dgm:styleLbl>
+  <dgm:styleLbl name="trBgShp">
+    <dgm:scene3d>
+      <a:camera prst="orthographicFront"/>
+      <a:lightRig rig="threePt" dir="t"/>
+    </dgm:scene3d>
+    <dgm:sp3d/>
+    <dgm:txPr/>
+    <dgm:style>
+      <a:lnRef idx="0">
+        <a:scrgbClr r="0" g="0" b="0"/>
+      </a:lnRef>
+      <a:fillRef idx="1">
+        <a:scrgbClr r="0" g="0" b="0"/>
+      </a:fillRef>
+      <a:effectRef idx="0">
+        <a:scrgbClr r="0" g="0" b="0"/>
+      </a:effectRef>
+      <a:fontRef idx="minor"/>
+    </dgm:style>
+  </dgm:styleLbl>
+  <dgm:styleLbl name="fgShp">
+    <dgm:scene3d>
+      <a:camera prst="orthographicFront"/>
+      <a:lightRig rig="flat" dir="t"/>
+    </dgm:scene3d>
+    <dgm:sp3d prstMaterial="dkEdge">
+      <a:bevelT w="8200" h="38100"/>
     </dgm:sp3d>
     <dgm:txPr/>
     <dgm:style>
-      <a:lnRef idx="0">
+      <a:lnRef idx="1">
         <a:scrgbClr r="0" g="0" b="0"/>
       </a:lnRef>
-      <a:fillRef idx="1">
+      <a:fillRef idx="2">
         <a:scrgbClr r="0" g="0" b="0"/>
       </a:fillRef>
       <a:effectRef idx="1">
-        <a:scrgbClr r="0" g="0" b="0"/>
-      </a:effectRef>
-      <a:fontRef idx="minor">
-        <a:schemeClr val="lt1"/>
-      </a:fontRef>
-    </dgm:style>
-  </dgm:styleLbl>
-  <dgm:styleLbl name="parChTrans2D1">
-    <dgm:scene3d>
-      <a:camera prst="orthographicFront">
-        <a:rot lat="0" lon="0" rev="0"/>
-      </a:camera>
-      <a:lightRig rig="contrasting" dir="t">
-        <a:rot lat="0" lon="0" rev="1200000"/>
-      </a:lightRig>
-    </dgm:scene3d>
-    <dgm:sp3d contourW="19050" prstMaterial="metal">
-      <a:bevelT w="88900" h="203200"/>
-      <a:bevelB w="165100" h="254000"/>
-    </dgm:sp3d>
-    <dgm:txPr/>
-    <dgm:style>
-      <a:lnRef idx="0">
-        <a:scrgbClr r="0" g="0" b="0"/>
-      </a:lnRef>
-      <a:fillRef idx="1">
-        <a:scrgbClr r="0" g="0" b="0"/>
-      </a:fillRef>
-      <a:effectRef idx="0">
-        <a:scrgbClr r="0" g="0" b="0"/>
-      </a:effectRef>
-      <a:fontRef idx="minor"/>
-    </dgm:style>
-  </dgm:styleLbl>
-  <dgm:styleLbl name="parChTrans2D2">
-    <dgm:scene3d>
-      <a:camera prst="orthographicFront">
-        <a:rot lat="0" lon="0" rev="0"/>
-      </a:camera>
-      <a:lightRig rig="contrasting" dir="t">
-        <a:rot lat="0" lon="0" rev="1200000"/>
-      </a:lightRig>
-    </dgm:scene3d>
-    <dgm:sp3d contourW="19050" prstMaterial="metal">
-      <a:bevelT w="88900" h="203200"/>
-      <a:bevelB w="165100" h="254000"/>
-    </dgm:sp3d>
-    <dgm:txPr/>
-    <dgm:style>
-      <a:lnRef idx="0">
-        <a:scrgbClr r="0" g="0" b="0"/>
-      </a:lnRef>
-      <a:fillRef idx="1">
-        <a:scrgbClr r="0" g="0" b="0"/>
-      </a:fillRef>
-      <a:effectRef idx="0">
-        <a:scrgbClr r="0" g="0" b="0"/>
-      </a:effectRef>
-      <a:fontRef idx="minor"/>
-    </dgm:style>
-  </dgm:styleLbl>
-  <dgm:styleLbl name="parChTrans2D3">
-    <dgm:scene3d>
-      <a:camera prst="orthographicFront">
-        <a:rot lat="0" lon="0" rev="0"/>
-      </a:camera>
-      <a:lightRig rig="contrasting" dir="t">
-        <a:rot lat="0" lon="0" rev="1200000"/>
-      </a:lightRig>
-    </dgm:scene3d>
-    <dgm:sp3d contourW="19050" prstMaterial="metal">
-      <a:bevelT w="88900" h="203200"/>
-      <a:bevelB w="165100" h="254000"/>
-    </dgm:sp3d>
-    <dgm:txPr/>
-    <dgm:style>
-      <a:lnRef idx="0">
-        <a:scrgbClr r="0" g="0" b="0"/>
-      </a:lnRef>
-      <a:fillRef idx="1">
-        <a:scrgbClr r="0" g="0" b="0"/>
-      </a:fillRef>
-      <a:effectRef idx="0">
-        <a:scrgbClr r="0" g="0" b="0"/>
-      </a:effectRef>
-      <a:fontRef idx="minor"/>
-    </dgm:style>
-  </dgm:styleLbl>
-  <dgm:styleLbl name="parChTrans2D4">
-    <dgm:scene3d>
-      <a:camera prst="orthographicFront">
-        <a:rot lat="0" lon="0" rev="0"/>
-      </a:camera>
-      <a:lightRig rig="contrasting" dir="t">
-        <a:rot lat="0" lon="0" rev="1200000"/>
-      </a:lightRig>
-    </dgm:scene3d>
-    <dgm:sp3d contourW="19050" prstMaterial="metal">
-      <a:bevelT w="88900" h="203200"/>
-      <a:bevelB w="165100" h="254000"/>
-    </dgm:sp3d>
-    <dgm:txPr/>
-    <dgm:style>
-      <a:lnRef idx="0">
-        <a:scrgbClr r="0" g="0" b="0"/>
-      </a:lnRef>
-      <a:fillRef idx="1">
-        <a:scrgbClr r="0" g="0" b="0"/>
-      </a:fillRef>
-      <a:effectRef idx="0">
-        <a:scrgbClr r="0" g="0" b="0"/>
-      </a:effectRef>
-      <a:fontRef idx="minor"/>
-    </dgm:style>
-  </dgm:styleLbl>
-  <dgm:styleLbl name="parChTrans1D1">
-    <dgm:scene3d>
-      <a:camera prst="orthographicFront">
-        <a:rot lat="0" lon="0" rev="0"/>
-      </a:camera>
-      <a:lightRig rig="contrasting" dir="t">
-        <a:rot lat="0" lon="0" rev="1200000"/>
-      </a:lightRig>
-    </dgm:scene3d>
-    <dgm:sp3d z="-110000"/>
-    <dgm:txPr/>
-    <dgm:style>
-      <a:lnRef idx="2">
-        <a:scrgbClr r="0" g="0" b="0"/>
-      </a:lnRef>
-      <a:fillRef idx="0">
-        <a:scrgbClr r="0" g="0" b="0"/>
-      </a:fillRef>
-      <a:effectRef idx="0">
-        <a:scrgbClr r="0" g="0" b="0"/>
-      </a:effectRef>
-      <a:fontRef idx="minor"/>
-    </dgm:style>
-  </dgm:styleLbl>
-  <dgm:styleLbl name="parChTrans1D2">
-    <dgm:scene3d>
-      <a:camera prst="orthographicFront">
-        <a:rot lat="0" lon="0" rev="0"/>
-      </a:camera>
-      <a:lightRig rig="contrasting" dir="t">
-        <a:rot lat="0" lon="0" rev="1200000"/>
-      </a:lightRig>
-    </dgm:scene3d>
-    <dgm:sp3d z="-110000"/>
-    <dgm:txPr/>
-    <dgm:style>
-      <a:lnRef idx="2">
-        <a:scrgbClr r="0" g="0" b="0"/>
-      </a:lnRef>
-      <a:fillRef idx="0">
-        <a:scrgbClr r="0" g="0" b="0"/>
-      </a:fillRef>
-      <a:effectRef idx="0">
-        <a:scrgbClr r="0" g="0" b="0"/>
-      </a:effectRef>
-      <a:fontRef idx="minor"/>
-    </dgm:style>
-  </dgm:styleLbl>
-  <dgm:styleLbl name="parChTrans1D3">
-    <dgm:scene3d>
-      <a:camera prst="orthographicFront">
-        <a:rot lat="0" lon="0" rev="0"/>
-      </a:camera>
-      <a:lightRig rig="contrasting" dir="t">
-        <a:rot lat="0" lon="0" rev="1200000"/>
-      </a:lightRig>
-    </dgm:scene3d>
-    <dgm:sp3d z="-110000"/>
-    <dgm:txPr/>
-    <dgm:style>
-      <a:lnRef idx="2">
-        <a:scrgbClr r="0" g="0" b="0"/>
-      </a:lnRef>
-      <a:fillRef idx="0">
-        <a:scrgbClr r="0" g="0" b="0"/>
-      </a:fillRef>
-      <a:effectRef idx="0">
-        <a:scrgbClr r="0" g="0" b="0"/>
-      </a:effectRef>
-      <a:fontRef idx="minor"/>
-    </dgm:style>
-  </dgm:styleLbl>
-  <dgm:styleLbl name="parChTrans1D4">
-    <dgm:scene3d>
-      <a:camera prst="orthographicFront">
-        <a:rot lat="0" lon="0" rev="0"/>
-      </a:camera>
-      <a:lightRig rig="contrasting" dir="t">
-        <a:rot lat="0" lon="0" rev="1200000"/>
-      </a:lightRig>
-    </dgm:scene3d>
-    <dgm:sp3d z="-110000"/>
-    <dgm:txPr/>
-    <dgm:style>
-      <a:lnRef idx="2">
-        <a:scrgbClr r="0" g="0" b="0"/>
-      </a:lnRef>
-      <a:fillRef idx="0">
-        <a:scrgbClr r="0" g="0" b="0"/>
-      </a:fillRef>
-      <a:effectRef idx="0">
-        <a:scrgbClr r="0" g="0" b="0"/>
-      </a:effectRef>
-      <a:fontRef idx="minor"/>
-    </dgm:style>
-  </dgm:styleLbl>
-  <dgm:styleLbl name="fgAcc1">
-    <dgm:scene3d>
-      <a:camera prst="orthographicFront">
-        <a:rot lat="0" lon="0" rev="0"/>
-      </a:camera>
-      <a:lightRig rig="contrasting" dir="t">
-        <a:rot lat="0" lon="0" rev="1200000"/>
-      </a:lightRig>
-    </dgm:scene3d>
-    <dgm:sp3d z="300000" contourW="19050" prstMaterial="metal">
-      <a:bevelT w="88900" h="203200"/>
-      <a:bevelB w="165100" h="254000"/>
-    </dgm:sp3d>
-    <dgm:txPr/>
-    <dgm:style>
-      <a:lnRef idx="0">
-        <a:scrgbClr r="0" g="0" b="0"/>
-      </a:lnRef>
-      <a:fillRef idx="1">
-        <a:scrgbClr r="0" g="0" b="0"/>
-      </a:fillRef>
-      <a:effectRef idx="0">
-        <a:scrgbClr r="0" g="0" b="0"/>
-      </a:effectRef>
-      <a:fontRef idx="minor"/>
-    </dgm:style>
-  </dgm:styleLbl>
-  <dgm:styleLbl name="conFgAcc1">
-    <dgm:scene3d>
-      <a:camera prst="orthographicFront">
-        <a:rot lat="0" lon="0" rev="0"/>
-      </a:camera>
-      <a:lightRig rig="contrasting" dir="t">
-        <a:rot lat="0" lon="0" rev="1200000"/>
-      </a:lightRig>
-    </dgm:scene3d>
-    <dgm:sp3d z="300000" contourW="19050" prstMaterial="metal">
-      <a:bevelT w="88900" h="203200"/>
-      <a:bevelB w="165100" h="254000"/>
-    </dgm:sp3d>
-    <dgm:txPr/>
-    <dgm:style>
-      <a:lnRef idx="0">
-        <a:scrgbClr r="0" g="0" b="0"/>
-      </a:lnRef>
-      <a:fillRef idx="1">
-        <a:scrgbClr r="0" g="0" b="0"/>
-      </a:fillRef>
-      <a:effectRef idx="0">
-        <a:scrgbClr r="0" g="0" b="0"/>
-      </a:effectRef>
-      <a:fontRef idx="minor"/>
-    </dgm:style>
-  </dgm:styleLbl>
-  <dgm:styleLbl name="alignAcc1">
-    <dgm:scene3d>
-      <a:camera prst="orthographicFront">
-        <a:rot lat="0" lon="0" rev="0"/>
-      </a:camera>
-      <a:lightRig rig="contrasting" dir="t">
-        <a:rot lat="0" lon="0" rev="1200000"/>
-      </a:lightRig>
-    </dgm:scene3d>
-    <dgm:sp3d contourW="19050" prstMaterial="metal">
-      <a:bevelT w="88900" h="203200"/>
-      <a:bevelB w="165100" h="254000"/>
-    </dgm:sp3d>
-    <dgm:txPr/>
-    <dgm:style>
-      <a:lnRef idx="0">
-        <a:scrgbClr r="0" g="0" b="0"/>
-      </a:lnRef>
-      <a:fillRef idx="1">
-        <a:scrgbClr r="0" g="0" b="0"/>
-      </a:fillRef>
-      <a:effectRef idx="0">
-        <a:scrgbClr r="0" g="0" b="0"/>
-      </a:effectRef>
-      <a:fontRef idx="minor"/>
-    </dgm:style>
-  </dgm:styleLbl>
-  <dgm:styleLbl name="trAlignAcc1">
-    <dgm:scene3d>
-      <a:camera prst="orthographicFront">
-        <a:rot lat="0" lon="0" rev="0"/>
-      </a:camera>
-      <a:lightRig rig="contrasting" dir="t">
-        <a:rot lat="0" lon="0" rev="1200000"/>
-      </a:lightRig>
-    </dgm:scene3d>
-    <dgm:sp3d contourW="19050" prstMaterial="metal">
-      <a:bevelT w="88900" h="203200"/>
-      <a:bevelB w="165100" h="254000"/>
-    </dgm:sp3d>
-    <dgm:txPr/>
-    <dgm:style>
-      <a:lnRef idx="0">
-        <a:scrgbClr r="0" g="0" b="0"/>
-      </a:lnRef>
-      <a:fillRef idx="1">
-        <a:scrgbClr r="0" g="0" b="0"/>
-      </a:fillRef>
-      <a:effectRef idx="1">
-        <a:scrgbClr r="0" g="0" b="0"/>
-      </a:effectRef>
-      <a:fontRef idx="minor"/>
-    </dgm:style>
-  </dgm:styleLbl>
-  <dgm:styleLbl name="bgAcc1">
-    <dgm:scene3d>
-      <a:camera prst="orthographicFront">
-        <a:rot lat="0" lon="0" rev="0"/>
-      </a:camera>
-      <a:lightRig rig="contrasting" dir="t">
-        <a:rot lat="0" lon="0" rev="1200000"/>
-      </a:lightRig>
-    </dgm:scene3d>
-    <dgm:sp3d z="-300000" contourW="19050" prstMaterial="metal">
-      <a:bevelT w="88900" h="203200"/>
-      <a:bevelB w="165100" h="254000"/>
-    </dgm:sp3d>
-    <dgm:txPr/>
-    <dgm:style>
-      <a:lnRef idx="0">
-        <a:scrgbClr r="0" g="0" b="0"/>
-      </a:lnRef>
-      <a:fillRef idx="1">
-        <a:scrgbClr r="0" g="0" b="0"/>
-      </a:fillRef>
-      <a:effectRef idx="0">
-        <a:scrgbClr r="0" g="0" b="0"/>
-      </a:effectRef>
-      <a:fontRef idx="minor"/>
-    </dgm:style>
-  </dgm:styleLbl>
-  <dgm:styleLbl name="solidFgAcc1">
-    <dgm:scene3d>
-      <a:camera prst="orthographicFront">
-        <a:rot lat="0" lon="0" rev="0"/>
-      </a:camera>
-      <a:lightRig rig="contrasting" dir="t">
-        <a:rot lat="0" lon="0" rev="1200000"/>
-      </a:lightRig>
-    </dgm:scene3d>
-    <dgm:sp3d z="300000" contourW="12700" prstMaterial="flat">
-      <a:bevelT w="177800" h="254000"/>
-      <a:bevelB w="152400"/>
-    </dgm:sp3d>
-    <dgm:txPr/>
-    <dgm:style>
-      <a:lnRef idx="0">
-        <a:scrgbClr r="0" g="0" b="0"/>
-      </a:lnRef>
-      <a:fillRef idx="1">
-        <a:scrgbClr r="0" g="0" b="0"/>
-      </a:fillRef>
-      <a:effectRef idx="0">
-        <a:scrgbClr r="0" g="0" b="0"/>
-      </a:effectRef>
-      <a:fontRef idx="minor"/>
-    </dgm:style>
-  </dgm:styleLbl>
-  <dgm:styleLbl name="solidAlignAcc1">
-    <dgm:scene3d>
-      <a:camera prst="orthographicFront">
-        <a:rot lat="0" lon="0" rev="0"/>
-      </a:camera>
-      <a:lightRig rig="contrasting" dir="t">
-        <a:rot lat="0" lon="0" rev="1200000"/>
-      </a:lightRig>
-    </dgm:scene3d>
-    <dgm:sp3d contourW="19050" prstMaterial="metal">
-      <a:bevelT w="88900" h="203200"/>
-      <a:bevelB w="165100" h="254000"/>
-    </dgm:sp3d>
-    <dgm:txPr/>
-    <dgm:style>
-      <a:lnRef idx="0">
-        <a:scrgbClr r="0" g="0" b="0"/>
-      </a:lnRef>
-      <a:fillRef idx="1">
-        <a:scrgbClr r="0" g="0" b="0"/>
-      </a:fillRef>
-      <a:effectRef idx="0">
-        <a:scrgbClr r="0" g="0" b="0"/>
-      </a:effectRef>
-      <a:fontRef idx="minor"/>
-    </dgm:style>
-  </dgm:styleLbl>
-  <dgm:styleLbl name="solidBgAcc1">
-    <dgm:scene3d>
-      <a:camera prst="orthographicFront">
-        <a:rot lat="0" lon="0" rev="0"/>
-      </a:camera>
-      <a:lightRig rig="contrasting" dir="t">
-        <a:rot lat="0" lon="0" rev="1200000"/>
-      </a:lightRig>
-    </dgm:scene3d>
-    <dgm:sp3d z="-300000" contourW="19050" prstMaterial="metal">
-      <a:bevelT w="88900" h="203200"/>
-      <a:bevelB w="165100" h="254000"/>
-    </dgm:sp3d>
-    <dgm:txPr/>
-    <dgm:style>
-      <a:lnRef idx="0">
-        <a:scrgbClr r="0" g="0" b="0"/>
-      </a:lnRef>
-      <a:fillRef idx="1">
-        <a:scrgbClr r="0" g="0" b="0"/>
-      </a:fillRef>
-      <a:effectRef idx="0">
-        <a:scrgbClr r="0" g="0" b="0"/>
-      </a:effectRef>
-      <a:fontRef idx="minor"/>
-    </dgm:style>
-  </dgm:styleLbl>
-  <dgm:styleLbl name="fgAccFollowNode1">
-    <dgm:scene3d>
-      <a:camera prst="orthographicFront">
-        <a:rot lat="0" lon="0" rev="0"/>
-      </a:camera>
-      <a:lightRig rig="contrasting" dir="t">
-        <a:rot lat="0" lon="0" rev="1200000"/>
-      </a:lightRig>
-    </dgm:scene3d>
-    <dgm:sp3d z="300000" contourW="19050" prstMaterial="metal">
-      <a:bevelT w="88900" h="203200"/>
-      <a:bevelB w="165100" h="254000"/>
-    </dgm:sp3d>
-    <dgm:txPr/>
-    <dgm:style>
-      <a:lnRef idx="0">
-        <a:scrgbClr r="0" g="0" b="0"/>
-      </a:lnRef>
-      <a:fillRef idx="1">
-        <a:scrgbClr r="0" g="0" b="0"/>
-      </a:fillRef>
-      <a:effectRef idx="0">
-        <a:scrgbClr r="0" g="0" b="0"/>
-      </a:effectRef>
-      <a:fontRef idx="minor"/>
-    </dgm:style>
-  </dgm:styleLbl>
-  <dgm:styleLbl name="alignAccFollowNode1">
-    <dgm:scene3d>
-      <a:camera prst="orthographicFront">
-        <a:rot lat="0" lon="0" rev="0"/>
-      </a:camera>
-      <a:lightRig rig="contrasting" dir="t">
-        <a:rot lat="0" lon="0" rev="1200000"/>
-      </a:lightRig>
-    </dgm:scene3d>
-    <dgm:sp3d contourW="19050" prstMaterial="metal">
-      <a:bevelT w="88900" h="203200"/>
-      <a:bevelB w="165100" h="254000"/>
-    </dgm:sp3d>
-    <dgm:txPr/>
-    <dgm:style>
-      <a:lnRef idx="0">
-        <a:scrgbClr r="0" g="0" b="0"/>
-      </a:lnRef>
-      <a:fillRef idx="1">
-        <a:scrgbClr r="0" g="0" b="0"/>
-      </a:fillRef>
-      <a:effectRef idx="0">
-        <a:scrgbClr r="0" g="0" b="0"/>
-      </a:effectRef>
-      <a:fontRef idx="minor"/>
-    </dgm:style>
-  </dgm:styleLbl>
-  <dgm:styleLbl name="bgAccFollowNode1">
-    <dgm:scene3d>
-      <a:camera prst="orthographicFront">
-        <a:rot lat="0" lon="0" rev="0"/>
-      </a:camera>
-      <a:lightRig rig="contrasting" dir="t">
-        <a:rot lat="0" lon="0" rev="1200000"/>
-      </a:lightRig>
-    </dgm:scene3d>
-    <dgm:sp3d z="-300000" contourW="19050" prstMaterial="metal">
-      <a:bevelT w="88900" h="203200"/>
-      <a:bevelB w="165100" h="254000"/>
-    </dgm:sp3d>
-    <dgm:txPr/>
-    <dgm:style>
-      <a:lnRef idx="0">
-        <a:scrgbClr r="0" g="0" b="0"/>
-      </a:lnRef>
-      <a:fillRef idx="1">
-        <a:scrgbClr r="0" g="0" b="0"/>
-      </a:fillRef>
-      <a:effectRef idx="0">
-        <a:scrgbClr r="0" g="0" b="0"/>
-      </a:effectRef>
-      <a:fontRef idx="minor"/>
-    </dgm:style>
-  </dgm:styleLbl>
-  <dgm:styleLbl name="fgAcc0">
-    <dgm:scene3d>
-      <a:camera prst="orthographicFront">
-        <a:rot lat="0" lon="0" rev="0"/>
-      </a:camera>
-      <a:lightRig rig="contrasting" dir="t">
-        <a:rot lat="0" lon="0" rev="1200000"/>
-      </a:lightRig>
-    </dgm:scene3d>
-    <dgm:sp3d z="300000" contourW="19050" prstMaterial="metal">
-      <a:bevelT w="88900" h="203200"/>
-      <a:bevelB w="165100" h="254000"/>
-    </dgm:sp3d>
-    <dgm:txPr/>
-    <dgm:style>
-      <a:lnRef idx="0">
-        <a:scrgbClr r="0" g="0" b="0"/>
-      </a:lnRef>
-      <a:fillRef idx="1">
-        <a:scrgbClr r="0" g="0" b="0"/>
-      </a:fillRef>
-      <a:effectRef idx="0">
-        <a:scrgbClr r="0" g="0" b="0"/>
-      </a:effectRef>
-      <a:fontRef idx="minor"/>
-    </dgm:style>
-  </dgm:styleLbl>
-  <dgm:styleLbl name="fgAcc2">
-    <dgm:scene3d>
-      <a:camera prst="orthographicFront">
-        <a:rot lat="0" lon="0" rev="0"/>
-      </a:camera>
-      <a:lightRig rig="contrasting" dir="t">
-        <a:rot lat="0" lon="0" rev="1200000"/>
-      </a:lightRig>
-    </dgm:scene3d>
-    <dgm:sp3d z="300000" contourW="19050" prstMaterial="metal">
-      <a:bevelT w="88900" h="203200"/>
-      <a:bevelB w="165100" h="254000"/>
-    </dgm:sp3d>
-    <dgm:txPr/>
-    <dgm:style>
-      <a:lnRef idx="0">
-        <a:scrgbClr r="0" g="0" b="0"/>
-      </a:lnRef>
-      <a:fillRef idx="1">
-        <a:scrgbClr r="0" g="0" b="0"/>
-      </a:fillRef>
-      <a:effectRef idx="0">
-        <a:scrgbClr r="0" g="0" b="0"/>
-      </a:effectRef>
-      <a:fontRef idx="minor"/>
-    </dgm:style>
-  </dgm:styleLbl>
-  <dgm:styleLbl name="fgAcc3">
-    <dgm:scene3d>
-      <a:camera prst="orthographicFront">
-        <a:rot lat="0" lon="0" rev="0"/>
-      </a:camera>
-      <a:lightRig rig="contrasting" dir="t">
-        <a:rot lat="0" lon="0" rev="1200000"/>
-      </a:lightRig>
-    </dgm:scene3d>
-    <dgm:sp3d z="300000" contourW="19050" prstMaterial="metal">
-      <a:bevelT w="88900" h="203200"/>
-      <a:bevelB w="165100" h="254000"/>
-    </dgm:sp3d>
-    <dgm:txPr/>
-    <dgm:style>
-      <a:lnRef idx="0">
-        <a:scrgbClr r="0" g="0" b="0"/>
-      </a:lnRef>
-      <a:fillRef idx="1">
-        <a:scrgbClr r="0" g="0" b="0"/>
-      </a:fillRef>
-      <a:effectRef idx="0">
-        <a:scrgbClr r="0" g="0" b="0"/>
-      </a:effectRef>
-      <a:fontRef idx="minor"/>
-    </dgm:style>
-  </dgm:styleLbl>
-  <dgm:styleLbl name="fgAcc4">
-    <dgm:scene3d>
-      <a:camera prst="orthographicFront">
-        <a:rot lat="0" lon="0" rev="0"/>
-      </a:camera>
-      <a:lightRig rig="contrasting" dir="t">
-        <a:rot lat="0" lon="0" rev="1200000"/>
-      </a:lightRig>
-    </dgm:scene3d>
-    <dgm:sp3d z="300000" contourW="19050" prstMaterial="metal">
-      <a:bevelT w="88900" h="203200"/>
-      <a:bevelB w="165100" h="254000"/>
-    </dgm:sp3d>
-    <dgm:txPr/>
-    <dgm:style>
-      <a:lnRef idx="0">
-        <a:scrgbClr r="0" g="0" b="0"/>
-      </a:lnRef>
-      <a:fillRef idx="1">
-        <a:scrgbClr r="0" g="0" b="0"/>
-      </a:fillRef>
-      <a:effectRef idx="0">
-        <a:scrgbClr r="0" g="0" b="0"/>
-      </a:effectRef>
-      <a:fontRef idx="minor"/>
-    </dgm:style>
-  </dgm:styleLbl>
-  <dgm:styleLbl name="bgShp">
-    <dgm:scene3d>
-      <a:camera prst="orthographicFront">
-        <a:rot lat="0" lon="0" rev="0"/>
-      </a:camera>
-      <a:lightRig rig="contrasting" dir="t">
-        <a:rot lat="0" lon="0" rev="1200000"/>
-      </a:lightRig>
-    </dgm:scene3d>
-    <dgm:sp3d z="-300000" prstMaterial="plastic"/>
-    <dgm:txPr/>
-    <dgm:style>
-      <a:lnRef idx="1">
-        <a:scrgbClr r="0" g="0" b="0"/>
-      </a:lnRef>
-      <a:fillRef idx="1">
-        <a:scrgbClr r="0" g="0" b="0"/>
-      </a:fillRef>
-      <a:effectRef idx="0">
-        <a:scrgbClr r="0" g="0" b="0"/>
-      </a:effectRef>
-      <a:fontRef idx="minor"/>
-    </dgm:style>
-  </dgm:styleLbl>
-  <dgm:styleLbl name="dkBgShp">
-    <dgm:scene3d>
-      <a:camera prst="orthographicFront">
-        <a:rot lat="0" lon="0" rev="0"/>
-      </a:camera>
-      <a:lightRig rig="contrasting" dir="t">
-        <a:rot lat="0" lon="0" rev="1200000"/>
-      </a:lightRig>
-    </dgm:scene3d>
-    <dgm:sp3d contourW="12700" prstMaterial="flat">
-      <a:bevelT w="100800" h="154000"/>
-      <a:bevelB w="152400"/>
-    </dgm:sp3d>
-    <dgm:txPr/>
-    <dgm:style>
-      <a:lnRef idx="0">
-        <a:scrgbClr r="0" g="0" b="0"/>
-      </a:lnRef>
-      <a:fillRef idx="1">
-        <a:scrgbClr r="0" g="0" b="0"/>
-      </a:fillRef>
-      <a:effectRef idx="0">
-        <a:scrgbClr r="0" g="0" b="0"/>
-      </a:effectRef>
-      <a:fontRef idx="minor"/>
-    </dgm:style>
-  </dgm:styleLbl>
-  <dgm:styleLbl name="trBgShp">
-    <dgm:scene3d>
-      <a:camera prst="orthographicFront">
-        <a:rot lat="0" lon="0" rev="0"/>
-      </a:camera>
-      <a:lightRig rig="contrasting" dir="t">
-        <a:rot lat="0" lon="0" rev="1200000"/>
-      </a:lightRig>
-    </dgm:scene3d>
-    <dgm:sp3d z="-152400" prstMaterial="matte"/>
-    <dgm:txPr/>
-    <dgm:style>
-      <a:lnRef idx="1">
-        <a:scrgbClr r="0" g="0" b="0"/>
-      </a:lnRef>
-      <a:fillRef idx="1">
-        <a:scrgbClr r="0" g="0" b="0"/>
-      </a:fillRef>
-      <a:effectRef idx="0">
-        <a:scrgbClr r="0" g="0" b="0"/>
-      </a:effectRef>
-      <a:fontRef idx="minor"/>
-    </dgm:style>
-  </dgm:styleLbl>
-  <dgm:styleLbl name="fgShp">
-    <dgm:scene3d>
-      <a:camera prst="orthographicFront">
-        <a:rot lat="0" lon="0" rev="0"/>
-      </a:camera>
-      <a:lightRig rig="contrasting" dir="t">
-        <a:rot lat="0" lon="0" rev="1200000"/>
-      </a:lightRig>
-    </dgm:scene3d>
-    <dgm:sp3d z="300000" contourW="19050" prstMaterial="metal">
-      <a:bevelT w="88900" h="203200"/>
-      <a:bevelB w="165100" h="254000"/>
-    </dgm:sp3d>
-    <dgm:txPr/>
-    <dgm:style>
-      <a:lnRef idx="0">
-        <a:scrgbClr r="0" g="0" b="0"/>
-      </a:lnRef>
-      <a:fillRef idx="1">
-        <a:scrgbClr r="0" g="0" b="0"/>
-      </a:fillRef>
-      <a:effectRef idx="0">
         <a:scrgbClr r="0" g="0" b="0"/>
       </a:effectRef>
       <a:fontRef idx="minor"/>
@@ -3591,7 +3622,7 @@
     <dgm:sp3d/>
     <dgm:txPr/>
     <dgm:style>
-      <a:lnRef idx="1">
+      <a:lnRef idx="0">
         <a:scrgbClr r="0" g="0" b="0"/>
       </a:lnRef>
       <a:fillRef idx="0">
@@ -3787,7 +3818,7 @@
           <a:p>
             <a:fld id="{D9584FA3-DD4A-8140-8138-CCC42C1529B3}" type="datetimeFigureOut">
               <a:rPr lang="en-US" smtClean="0"/>
-              <a:t>9/20/2018</a:t>
+              <a:t>10/3/2018</a:t>
             </a:fld>
             <a:endParaRPr lang="en-US"/>
           </a:p>
@@ -3957,7 +3988,7 @@
           <a:p>
             <a:fld id="{D9584FA3-DD4A-8140-8138-CCC42C1529B3}" type="datetimeFigureOut">
               <a:rPr lang="en-US" smtClean="0"/>
-              <a:t>9/20/2018</a:t>
+              <a:t>10/3/2018</a:t>
             </a:fld>
             <a:endParaRPr lang="en-US"/>
           </a:p>
@@ -4137,7 +4168,7 @@
           <a:p>
             <a:fld id="{D9584FA3-DD4A-8140-8138-CCC42C1529B3}" type="datetimeFigureOut">
               <a:rPr lang="en-US" smtClean="0"/>
-              <a:t>9/20/2018</a:t>
+              <a:t>10/3/2018</a:t>
             </a:fld>
             <a:endParaRPr lang="en-US"/>
           </a:p>
@@ -4307,7 +4338,7 @@
           <a:p>
             <a:fld id="{D9584FA3-DD4A-8140-8138-CCC42C1529B3}" type="datetimeFigureOut">
               <a:rPr lang="en-US" smtClean="0"/>
-              <a:t>9/20/2018</a:t>
+              <a:t>10/3/2018</a:t>
             </a:fld>
             <a:endParaRPr lang="en-US"/>
           </a:p>
@@ -4553,7 +4584,7 @@
           <a:p>
             <a:fld id="{D9584FA3-DD4A-8140-8138-CCC42C1529B3}" type="datetimeFigureOut">
               <a:rPr lang="en-US" smtClean="0"/>
-              <a:t>9/20/2018</a:t>
+              <a:t>10/3/2018</a:t>
             </a:fld>
             <a:endParaRPr lang="en-US"/>
           </a:p>
@@ -4841,7 +4872,7 @@
           <a:p>
             <a:fld id="{D9584FA3-DD4A-8140-8138-CCC42C1529B3}" type="datetimeFigureOut">
               <a:rPr lang="en-US" smtClean="0"/>
-              <a:t>9/20/2018</a:t>
+              <a:t>10/3/2018</a:t>
             </a:fld>
             <a:endParaRPr lang="en-US"/>
           </a:p>
@@ -5263,7 +5294,7 @@
           <a:p>
             <a:fld id="{D9584FA3-DD4A-8140-8138-CCC42C1529B3}" type="datetimeFigureOut">
               <a:rPr lang="en-US" smtClean="0"/>
-              <a:t>9/20/2018</a:t>
+              <a:t>10/3/2018</a:t>
             </a:fld>
             <a:endParaRPr lang="en-US"/>
           </a:p>
@@ -5381,7 +5412,7 @@
           <a:p>
             <a:fld id="{D9584FA3-DD4A-8140-8138-CCC42C1529B3}" type="datetimeFigureOut">
               <a:rPr lang="en-US" smtClean="0"/>
-              <a:t>9/20/2018</a:t>
+              <a:t>10/3/2018</a:t>
             </a:fld>
             <a:endParaRPr lang="en-US"/>
           </a:p>
@@ -5476,7 +5507,7 @@
           <a:p>
             <a:fld id="{D9584FA3-DD4A-8140-8138-CCC42C1529B3}" type="datetimeFigureOut">
               <a:rPr lang="en-US" smtClean="0"/>
-              <a:t>9/20/2018</a:t>
+              <a:t>10/3/2018</a:t>
             </a:fld>
             <a:endParaRPr lang="en-US"/>
           </a:p>
@@ -5753,7 +5784,7 @@
           <a:p>
             <a:fld id="{D9584FA3-DD4A-8140-8138-CCC42C1529B3}" type="datetimeFigureOut">
               <a:rPr lang="en-US" smtClean="0"/>
-              <a:t>9/20/2018</a:t>
+              <a:t>10/3/2018</a:t>
             </a:fld>
             <a:endParaRPr lang="en-US"/>
           </a:p>
@@ -6006,7 +6037,7 @@
           <a:p>
             <a:fld id="{D9584FA3-DD4A-8140-8138-CCC42C1529B3}" type="datetimeFigureOut">
               <a:rPr lang="en-US" smtClean="0"/>
-              <a:t>9/20/2018</a:t>
+              <a:t>10/3/2018</a:t>
             </a:fld>
             <a:endParaRPr lang="en-US"/>
           </a:p>
@@ -6219,7 +6250,7 @@
           <a:p>
             <a:fld id="{D9584FA3-DD4A-8140-8138-CCC42C1529B3}" type="datetimeFigureOut">
               <a:rPr lang="en-US" smtClean="0"/>
-              <a:t>9/20/2018</a:t>
+              <a:t>10/3/2018</a:t>
             </a:fld>
             <a:endParaRPr lang="en-US"/>
           </a:p>
@@ -6743,23 +6774,15 @@
           <a:p>
             <a:r>
               <a:rPr lang="en-US" sz="2400" dirty="0" smtClean="0"/>
-              <a:t>Split mixed </a:t>
+              <a:t>Split mixed single cell RNA samples by identifying the </a:t>
+            </a:r>
+            <a:r>
+              <a:rPr lang="en-US" dirty="0" smtClean="0"/>
+              <a:t>allele frequency/</a:t>
             </a:r>
             <a:r>
               <a:rPr lang="en-US" sz="2400" dirty="0" smtClean="0"/>
-              <a:t>single cell RNA samples by identifying the </a:t>
-            </a:r>
-            <a:r>
-              <a:rPr lang="en-US" dirty="0" smtClean="0"/>
-              <a:t>allele frequency/</a:t>
-            </a:r>
-            <a:r>
-              <a:rPr lang="en-US" sz="2400" dirty="0" smtClean="0"/>
-              <a:t>genotype </a:t>
-            </a:r>
-            <a:r>
-              <a:rPr lang="en-US" sz="2400" dirty="0" smtClean="0"/>
-              <a:t>similarity between each cell and sample </a:t>
+              <a:t>genotype similarity between each cell and sample </a:t>
             </a:r>
             <a:r>
               <a:rPr lang="en-US" dirty="0"/>
@@ -6850,7 +6873,7 @@
             <p:ph idx="1"/>
             <p:extLst>
               <p:ext uri="{D42A27DB-BD31-4B8C-83A1-F6EECF244321}">
-                <p14:modId xmlns:p14="http://schemas.microsoft.com/office/powerpoint/2010/main" val="569074252"/>
+                <p14:modId xmlns:p14="http://schemas.microsoft.com/office/powerpoint/2010/main" val="2066154268"/>
               </p:ext>
             </p:extLst>
           </p:nvPr>
@@ -7232,31 +7255,7 @@
           <a:p>
             <a:r>
               <a:rPr lang="en-AU" dirty="0" smtClean="0"/>
-              <a:t>Only keep those heterozygous SNVs </a:t>
-            </a:r>
-            <a:r>
-              <a:rPr lang="en-AU" dirty="0" smtClean="0"/>
-              <a:t>which have </a:t>
-            </a:r>
-            <a:r>
-              <a:rPr lang="en-AU" dirty="0" smtClean="0"/>
-              <a:t>L(RA) larger than </a:t>
-            </a:r>
-            <a:r>
-              <a:rPr lang="en-AU" dirty="0" smtClean="0"/>
-              <a:t>log10(1-epsilon), where epsilon=0.01, which are regarded as </a:t>
-            </a:r>
-            <a:r>
-              <a:rPr lang="en-AU" dirty="0" smtClean="0"/>
-              <a:t>containing key </a:t>
-            </a:r>
-            <a:r>
-              <a:rPr lang="en-AU" dirty="0" smtClean="0"/>
-              <a:t>information </a:t>
-            </a:r>
-            <a:r>
-              <a:rPr lang="en-AU" dirty="0" smtClean="0"/>
-              <a:t>of sample difference</a:t>
+              <a:t>Only keep those heterozygous SNVs which have L(RA) larger than log10(1-epsilon), where epsilon=0.01, which are regarded as containing key information of sample difference</a:t>
             </a:r>
           </a:p>
           <a:p>
@@ -7328,15 +7327,7 @@
             </a:r>
             <a:r>
               <a:rPr lang="en-US" sz="2400" b="1" dirty="0" smtClean="0"/>
-              <a:t>till convergence (MAF model, </a:t>
-            </a:r>
-            <a:r>
-              <a:rPr lang="en-US" sz="2400" b="1" dirty="0" smtClean="0"/>
-              <a:t>using </a:t>
-            </a:r>
-            <a:r>
-              <a:rPr lang="en-US" sz="2400" b="1" dirty="0" smtClean="0"/>
-              <a:t>2 mixed samples for illustration)</a:t>
+              <a:t>till convergence (MAF model, using 2 mixed samples for illustration)</a:t>
             </a:r>
             <a:endParaRPr lang="en-US" sz="2400" b="1" dirty="0"/>
           </a:p>
@@ -7981,11 +7972,7 @@
             </a:r>
             <a:r>
               <a:rPr lang="en-US" sz="2400" b="1" dirty="0" smtClean="0"/>
-              <a:t> (genotype model, </a:t>
-            </a:r>
-            <a:r>
-              <a:rPr lang="en-US" sz="2400" b="1" dirty="0" smtClean="0"/>
-              <a:t>using </a:t>
+              <a:t> (genotype model, using </a:t>
             </a:r>
             <a:r>
               <a:rPr lang="en-US" sz="2400" b="1" dirty="0"/>

--- a/introduction.pptx
+++ b/introduction.pptx
@@ -131,25 +131,25 @@
 </file>
 
 <file path=ppt/diagrams/colors1.xml><?xml version="1.0" encoding="utf-8"?>
-<dgm:colorsDef xmlns:dgm="http://schemas.openxmlformats.org/drawingml/2006/diagram" xmlns:a="http://schemas.openxmlformats.org/drawingml/2006/main" uniqueId="urn:microsoft.com/office/officeart/2005/8/colors/accent0_2">
+<dgm:colorsDef xmlns:dgm="http://schemas.openxmlformats.org/drawingml/2006/diagram" xmlns:a="http://schemas.openxmlformats.org/drawingml/2006/main" uniqueId="urn:microsoft.com/office/officeart/2005/8/colors/accent0_1">
   <dgm:title val=""/>
   <dgm:desc val=""/>
   <dgm:catLst>
-    <dgm:cat type="mainScheme" pri="10200"/>
+    <dgm:cat type="mainScheme" pri="10100"/>
   </dgm:catLst>
   <dgm:styleLbl name="node0">
     <dgm:fillClrLst meth="repeat">
       <a:schemeClr val="lt1"/>
     </dgm:fillClrLst>
     <dgm:linClrLst meth="repeat">
-      <a:schemeClr val="dk2">
+      <a:schemeClr val="dk1">
         <a:shade val="80000"/>
       </a:schemeClr>
     </dgm:linClrLst>
     <dgm:effectClrLst/>
     <dgm:txLinClrLst/>
     <dgm:txFillClrLst meth="repeat">
-      <a:schemeClr val="dk2"/>
+      <a:schemeClr val="dk1"/>
     </dgm:txFillClrLst>
     <dgm:txEffectClrLst/>
   </dgm:styleLbl>
@@ -158,14 +158,14 @@
       <a:schemeClr val="lt1"/>
     </dgm:fillClrLst>
     <dgm:linClrLst meth="repeat">
-      <a:schemeClr val="dk2">
+      <a:schemeClr val="dk1">
         <a:shade val="80000"/>
       </a:schemeClr>
     </dgm:linClrLst>
     <dgm:effectClrLst/>
     <dgm:txLinClrLst/>
     <dgm:txFillClrLst meth="repeat">
-      <a:schemeClr val="dk2"/>
+      <a:schemeClr val="dk1"/>
     </dgm:txFillClrLst>
     <dgm:txEffectClrLst/>
   </dgm:styleLbl>
@@ -174,14 +174,14 @@
       <a:schemeClr val="lt1"/>
     </dgm:fillClrLst>
     <dgm:linClrLst meth="repeat">
-      <a:schemeClr val="dk2">
+      <a:schemeClr val="dk1">
         <a:shade val="80000"/>
       </a:schemeClr>
     </dgm:linClrLst>
     <dgm:effectClrLst/>
     <dgm:txLinClrLst/>
     <dgm:txFillClrLst meth="repeat">
-      <a:schemeClr val="dk2"/>
+      <a:schemeClr val="dk1"/>
     </dgm:txFillClrLst>
     <dgm:txEffectClrLst/>
   </dgm:styleLbl>
@@ -190,14 +190,14 @@
       <a:schemeClr val="lt1"/>
     </dgm:fillClrLst>
     <dgm:linClrLst meth="repeat">
-      <a:schemeClr val="dk2">
+      <a:schemeClr val="dk1">
         <a:shade val="80000"/>
       </a:schemeClr>
     </dgm:linClrLst>
     <dgm:effectClrLst/>
     <dgm:txLinClrLst/>
     <dgm:txFillClrLst meth="repeat">
-      <a:schemeClr val="dk2"/>
+      <a:schemeClr val="dk1"/>
     </dgm:txFillClrLst>
     <dgm:txEffectClrLst/>
   </dgm:styleLbl>
@@ -208,7 +208,7 @@
       </a:schemeClr>
     </dgm:fillClrLst>
     <dgm:linClrLst meth="repeat">
-      <a:schemeClr val="dk2">
+      <a:schemeClr val="dk1">
         <a:shade val="80000"/>
       </a:schemeClr>
     </dgm:linClrLst>
@@ -222,14 +222,14 @@
       <a:schemeClr val="lt1"/>
     </dgm:fillClrLst>
     <dgm:linClrLst meth="repeat">
-      <a:schemeClr val="dk2">
+      <a:schemeClr val="dk1">
         <a:shade val="80000"/>
       </a:schemeClr>
     </dgm:linClrLst>
     <dgm:effectClrLst/>
     <dgm:txLinClrLst/>
     <dgm:txFillClrLst meth="repeat">
-      <a:schemeClr val="dk2"/>
+      <a:schemeClr val="dk1"/>
     </dgm:txFillClrLst>
     <dgm:txEffectClrLst/>
   </dgm:styleLbl>
@@ -238,14 +238,14 @@
       <a:schemeClr val="lt1"/>
     </dgm:fillClrLst>
     <dgm:linClrLst meth="repeat">
-      <a:schemeClr val="dk2">
+      <a:schemeClr val="dk1">
         <a:shade val="80000"/>
       </a:schemeClr>
     </dgm:linClrLst>
     <dgm:effectClrLst/>
     <dgm:txLinClrLst/>
     <dgm:txFillClrLst meth="repeat">
-      <a:schemeClr val="dk2"/>
+      <a:schemeClr val="dk1"/>
     </dgm:txFillClrLst>
     <dgm:txEffectClrLst/>
   </dgm:styleLbl>
@@ -254,25 +254,25 @@
       <a:schemeClr val="lt1"/>
     </dgm:fillClrLst>
     <dgm:linClrLst meth="repeat">
-      <a:schemeClr val="dk2">
+      <a:schemeClr val="dk1">
         <a:shade val="80000"/>
       </a:schemeClr>
     </dgm:linClrLst>
     <dgm:effectClrLst/>
     <dgm:txLinClrLst/>
     <dgm:txFillClrLst meth="repeat">
-      <a:schemeClr val="dk2"/>
+      <a:schemeClr val="dk1"/>
     </dgm:txFillClrLst>
     <dgm:txEffectClrLst/>
   </dgm:styleLbl>
   <dgm:styleLbl name="fgImgPlace1">
     <dgm:fillClrLst meth="repeat">
-      <a:schemeClr val="dk2">
+      <a:schemeClr val="dk1">
         <a:tint val="40000"/>
       </a:schemeClr>
     </dgm:fillClrLst>
     <dgm:linClrLst meth="repeat">
-      <a:schemeClr val="dk2">
+      <a:schemeClr val="dk1">
         <a:shade val="80000"/>
       </a:schemeClr>
     </dgm:linClrLst>
@@ -285,12 +285,12 @@
   </dgm:styleLbl>
   <dgm:styleLbl name="alignImgPlace1">
     <dgm:fillClrLst meth="repeat">
-      <a:schemeClr val="dk2">
+      <a:schemeClr val="dk1">
         <a:tint val="40000"/>
       </a:schemeClr>
     </dgm:fillClrLst>
     <dgm:linClrLst meth="repeat">
-      <a:schemeClr val="dk2">
+      <a:schemeClr val="dk1">
         <a:shade val="80000"/>
       </a:schemeClr>
     </dgm:linClrLst>
@@ -303,12 +303,12 @@
   </dgm:styleLbl>
   <dgm:styleLbl name="bgImgPlace1">
     <dgm:fillClrLst meth="repeat">
-      <a:schemeClr val="dk2">
+      <a:schemeClr val="dk1">
         <a:tint val="40000"/>
       </a:schemeClr>
     </dgm:fillClrLst>
     <dgm:linClrLst meth="repeat">
-      <a:schemeClr val="dk2">
+      <a:schemeClr val="dk1">
         <a:shade val="80000"/>
       </a:schemeClr>
     </dgm:linClrLst>
@@ -321,64 +321,64 @@
   </dgm:styleLbl>
   <dgm:styleLbl name="sibTrans2D1">
     <dgm:fillClrLst meth="repeat">
-      <a:schemeClr val="dk2">
+      <a:schemeClr val="dk1">
         <a:tint val="60000"/>
       </a:schemeClr>
     </dgm:fillClrLst>
     <dgm:linClrLst meth="repeat">
-      <a:schemeClr val="dk2">
+      <a:schemeClr val="dk1">
         <a:tint val="60000"/>
       </a:schemeClr>
     </dgm:linClrLst>
     <dgm:effectClrLst/>
     <dgm:txLinClrLst/>
     <dgm:txFillClrLst meth="repeat">
-      <a:schemeClr val="dk2"/>
+      <a:schemeClr val="dk1"/>
     </dgm:txFillClrLst>
     <dgm:txEffectClrLst/>
   </dgm:styleLbl>
   <dgm:styleLbl name="fgSibTrans2D1">
     <dgm:fillClrLst meth="repeat">
-      <a:schemeClr val="dk2">
+      <a:schemeClr val="dk1">
         <a:tint val="60000"/>
       </a:schemeClr>
     </dgm:fillClrLst>
     <dgm:linClrLst meth="repeat">
-      <a:schemeClr val="dk2">
+      <a:schemeClr val="dk1">
         <a:tint val="60000"/>
       </a:schemeClr>
     </dgm:linClrLst>
     <dgm:effectClrLst/>
     <dgm:txLinClrLst/>
     <dgm:txFillClrLst meth="repeat">
-      <a:schemeClr val="dk2"/>
+      <a:schemeClr val="dk1"/>
     </dgm:txFillClrLst>
     <dgm:txEffectClrLst/>
   </dgm:styleLbl>
   <dgm:styleLbl name="bgSibTrans2D1">
     <dgm:fillClrLst meth="repeat">
-      <a:schemeClr val="dk2">
+      <a:schemeClr val="dk1">
         <a:tint val="60000"/>
       </a:schemeClr>
     </dgm:fillClrLst>
     <dgm:linClrLst meth="repeat">
-      <a:schemeClr val="dk2">
+      <a:schemeClr val="dk1">
         <a:tint val="60000"/>
       </a:schemeClr>
     </dgm:linClrLst>
     <dgm:effectClrLst/>
     <dgm:txLinClrLst/>
     <dgm:txFillClrLst meth="repeat">
-      <a:schemeClr val="dk2"/>
+      <a:schemeClr val="dk1"/>
     </dgm:txFillClrLst>
     <dgm:txEffectClrLst/>
   </dgm:styleLbl>
   <dgm:styleLbl name="sibTrans1D1">
     <dgm:fillClrLst meth="repeat">
-      <a:schemeClr val="dk2"/>
+      <a:schemeClr val="dk1"/>
     </dgm:fillClrLst>
     <dgm:linClrLst meth="repeat">
-      <a:schemeClr val="dk2"/>
+      <a:schemeClr val="dk1"/>
     </dgm:linClrLst>
     <dgm:effectClrLst/>
     <dgm:txLinClrLst/>
@@ -389,10 +389,10 @@
   </dgm:styleLbl>
   <dgm:styleLbl name="callout">
     <dgm:fillClrLst meth="repeat">
-      <a:schemeClr val="dk2"/>
+      <a:schemeClr val="dk1"/>
     </dgm:fillClrLst>
     <dgm:linClrLst meth="repeat">
-      <a:schemeClr val="dk2"/>
+      <a:schemeClr val="dk1"/>
     </dgm:linClrLst>
     <dgm:effectClrLst/>
     <dgm:txLinClrLst/>
@@ -406,14 +406,14 @@
       <a:schemeClr val="lt1"/>
     </dgm:fillClrLst>
     <dgm:linClrLst meth="repeat">
-      <a:schemeClr val="dk2">
+      <a:schemeClr val="dk1">
         <a:shade val="80000"/>
       </a:schemeClr>
     </dgm:linClrLst>
     <dgm:effectClrLst/>
     <dgm:txLinClrLst/>
     <dgm:txFillClrLst meth="repeat">
-      <a:schemeClr val="dk2"/>
+      <a:schemeClr val="dk1"/>
     </dgm:txFillClrLst>
     <dgm:txEffectClrLst/>
   </dgm:styleLbl>
@@ -422,14 +422,14 @@
       <a:schemeClr val="lt1"/>
     </dgm:fillClrLst>
     <dgm:linClrLst meth="repeat">
-      <a:schemeClr val="dk2">
+      <a:schemeClr val="dk1">
         <a:shade val="80000"/>
       </a:schemeClr>
     </dgm:linClrLst>
     <dgm:effectClrLst/>
     <dgm:txLinClrLst/>
     <dgm:txFillClrLst meth="repeat">
-      <a:schemeClr val="dk2"/>
+      <a:schemeClr val="dk1"/>
     </dgm:txFillClrLst>
     <dgm:txEffectClrLst/>
   </dgm:styleLbl>
@@ -438,14 +438,14 @@
       <a:schemeClr val="lt1"/>
     </dgm:fillClrLst>
     <dgm:linClrLst meth="repeat">
-      <a:schemeClr val="dk2">
+      <a:schemeClr val="dk1">
         <a:shade val="80000"/>
       </a:schemeClr>
     </dgm:linClrLst>
     <dgm:effectClrLst/>
     <dgm:txLinClrLst/>
     <dgm:txFillClrLst meth="repeat">
-      <a:schemeClr val="dk2"/>
+      <a:schemeClr val="dk1"/>
     </dgm:txFillClrLst>
     <dgm:txEffectClrLst/>
   </dgm:styleLbl>
@@ -454,14 +454,14 @@
       <a:schemeClr val="lt1"/>
     </dgm:fillClrLst>
     <dgm:linClrLst meth="repeat">
-      <a:schemeClr val="dk2">
+      <a:schemeClr val="dk1">
         <a:shade val="80000"/>
       </a:schemeClr>
     </dgm:linClrLst>
     <dgm:effectClrLst/>
     <dgm:txLinClrLst/>
     <dgm:txFillClrLst meth="repeat">
-      <a:schemeClr val="dk2"/>
+      <a:schemeClr val="dk1"/>
     </dgm:txFillClrLst>
     <dgm:txEffectClrLst/>
   </dgm:styleLbl>
@@ -470,25 +470,25 @@
       <a:schemeClr val="lt1"/>
     </dgm:fillClrLst>
     <dgm:linClrLst meth="repeat">
-      <a:schemeClr val="dk2">
+      <a:schemeClr val="dk1">
         <a:shade val="80000"/>
       </a:schemeClr>
     </dgm:linClrLst>
     <dgm:effectClrLst/>
     <dgm:txLinClrLst/>
     <dgm:txFillClrLst meth="repeat">
-      <a:schemeClr val="dk2"/>
+      <a:schemeClr val="dk1"/>
     </dgm:txFillClrLst>
     <dgm:txEffectClrLst/>
   </dgm:styleLbl>
   <dgm:styleLbl name="parChTrans2D1">
     <dgm:fillClrLst meth="repeat">
-      <a:schemeClr val="dk2">
+      <a:schemeClr val="dk1">
         <a:tint val="60000"/>
       </a:schemeClr>
     </dgm:fillClrLst>
     <dgm:linClrLst meth="repeat">
-      <a:schemeClr val="dk2">
+      <a:schemeClr val="dk1">
         <a:tint val="60000"/>
       </a:schemeClr>
     </dgm:linClrLst>
@@ -499,10 +499,10 @@
   </dgm:styleLbl>
   <dgm:styleLbl name="parChTrans2D2">
     <dgm:fillClrLst meth="repeat">
-      <a:schemeClr val="dk2"/>
+      <a:schemeClr val="dk1"/>
     </dgm:fillClrLst>
     <dgm:linClrLst meth="repeat">
-      <a:schemeClr val="dk2"/>
+      <a:schemeClr val="dk1"/>
     </dgm:linClrLst>
     <dgm:effectClrLst/>
     <dgm:txLinClrLst/>
@@ -511,10 +511,10 @@
   </dgm:styleLbl>
   <dgm:styleLbl name="parChTrans2D3">
     <dgm:fillClrLst meth="repeat">
-      <a:schemeClr val="dk2"/>
+      <a:schemeClr val="dk1"/>
     </dgm:fillClrLst>
     <dgm:linClrLst meth="repeat">
-      <a:schemeClr val="dk2"/>
+      <a:schemeClr val="dk1"/>
     </dgm:linClrLst>
     <dgm:effectClrLst/>
     <dgm:txLinClrLst/>
@@ -523,10 +523,10 @@
   </dgm:styleLbl>
   <dgm:styleLbl name="parChTrans2D4">
     <dgm:fillClrLst meth="repeat">
-      <a:schemeClr val="dk2"/>
+      <a:schemeClr val="dk1"/>
     </dgm:fillClrLst>
     <dgm:linClrLst meth="repeat">
-      <a:schemeClr val="dk2"/>
+      <a:schemeClr val="dk1"/>
     </dgm:linClrLst>
     <dgm:effectClrLst/>
     <dgm:txLinClrLst/>
@@ -537,10 +537,10 @@
   </dgm:styleLbl>
   <dgm:styleLbl name="parChTrans1D1">
     <dgm:fillClrLst meth="repeat">
-      <a:schemeClr val="dk2"/>
+      <a:schemeClr val="dk1"/>
     </dgm:fillClrLst>
     <dgm:linClrLst meth="repeat">
-      <a:schemeClr val="dk2">
+      <a:schemeClr val="dk1">
         <a:shade val="60000"/>
       </a:schemeClr>
     </dgm:linClrLst>
@@ -553,10 +553,10 @@
   </dgm:styleLbl>
   <dgm:styleLbl name="parChTrans1D2">
     <dgm:fillClrLst meth="repeat">
-      <a:schemeClr val="dk2"/>
+      <a:schemeClr val="dk1"/>
     </dgm:fillClrLst>
     <dgm:linClrLst meth="repeat">
-      <a:schemeClr val="dk2">
+      <a:schemeClr val="dk1">
         <a:shade val="60000"/>
       </a:schemeClr>
     </dgm:linClrLst>
@@ -569,10 +569,10 @@
   </dgm:styleLbl>
   <dgm:styleLbl name="parChTrans1D3">
     <dgm:fillClrLst meth="repeat">
-      <a:schemeClr val="dk2"/>
+      <a:schemeClr val="dk1"/>
     </dgm:fillClrLst>
     <dgm:linClrLst meth="repeat">
-      <a:schemeClr val="dk2">
+      <a:schemeClr val="dk1">
         <a:shade val="80000"/>
       </a:schemeClr>
     </dgm:linClrLst>
@@ -585,10 +585,10 @@
   </dgm:styleLbl>
   <dgm:styleLbl name="parChTrans1D4">
     <dgm:fillClrLst meth="repeat">
-      <a:schemeClr val="dk2"/>
+      <a:schemeClr val="dk1"/>
     </dgm:fillClrLst>
     <dgm:linClrLst meth="repeat">
-      <a:schemeClr val="dk2">
+      <a:schemeClr val="dk1">
         <a:shade val="80000"/>
       </a:schemeClr>
     </dgm:linClrLst>
@@ -601,86 +601,86 @@
   </dgm:styleLbl>
   <dgm:styleLbl name="fgAcc1">
     <dgm:fillClrLst meth="repeat">
-      <a:schemeClr val="dk2">
+      <a:schemeClr val="dk1">
         <a:alpha val="90000"/>
         <a:tint val="40000"/>
       </a:schemeClr>
     </dgm:fillClrLst>
     <dgm:linClrLst meth="repeat">
-      <a:schemeClr val="dk2"/>
+      <a:schemeClr val="dk1"/>
     </dgm:linClrLst>
     <dgm:effectClrLst/>
     <dgm:txLinClrLst/>
     <dgm:txFillClrLst meth="repeat">
-      <a:schemeClr val="dk2"/>
+      <a:schemeClr val="dk1"/>
     </dgm:txFillClrLst>
     <dgm:txEffectClrLst/>
   </dgm:styleLbl>
   <dgm:styleLbl name="conFgAcc1">
     <dgm:fillClrLst meth="repeat">
-      <a:schemeClr val="dk2">
+      <a:schemeClr val="dk1">
         <a:alpha val="90000"/>
         <a:tint val="40000"/>
       </a:schemeClr>
     </dgm:fillClrLst>
     <dgm:linClrLst meth="repeat">
-      <a:schemeClr val="dk2"/>
+      <a:schemeClr val="dk1"/>
     </dgm:linClrLst>
     <dgm:effectClrLst/>
     <dgm:txLinClrLst/>
     <dgm:txFillClrLst meth="repeat">
-      <a:schemeClr val="dk2"/>
+      <a:schemeClr val="dk1"/>
     </dgm:txFillClrLst>
     <dgm:txEffectClrLst/>
   </dgm:styleLbl>
   <dgm:styleLbl name="alignAcc1">
     <dgm:fillClrLst meth="repeat">
-      <a:schemeClr val="dk2">
+      <a:schemeClr val="dk1">
         <a:alpha val="90000"/>
         <a:tint val="40000"/>
       </a:schemeClr>
     </dgm:fillClrLst>
     <dgm:linClrLst meth="repeat">
-      <a:schemeClr val="dk2"/>
+      <a:schemeClr val="dk1"/>
     </dgm:linClrLst>
     <dgm:effectClrLst/>
     <dgm:txLinClrLst/>
     <dgm:txFillClrLst meth="repeat">
-      <a:schemeClr val="dk2"/>
+      <a:schemeClr val="dk1"/>
     </dgm:txFillClrLst>
     <dgm:txEffectClrLst/>
   </dgm:styleLbl>
   <dgm:styleLbl name="trAlignAcc1">
     <dgm:fillClrLst meth="repeat">
-      <a:schemeClr val="dk2">
+      <a:schemeClr val="dk1">
         <a:alpha val="40000"/>
         <a:tint val="40000"/>
       </a:schemeClr>
     </dgm:fillClrLst>
     <dgm:linClrLst meth="repeat">
-      <a:schemeClr val="dk2"/>
+      <a:schemeClr val="dk1"/>
     </dgm:linClrLst>
     <dgm:effectClrLst/>
     <dgm:txLinClrLst/>
     <dgm:txFillClrLst meth="repeat">
-      <a:schemeClr val="dk2"/>
+      <a:schemeClr val="dk1"/>
     </dgm:txFillClrLst>
     <dgm:txEffectClrLst/>
   </dgm:styleLbl>
   <dgm:styleLbl name="bgAcc1">
     <dgm:fillClrLst meth="repeat">
-      <a:schemeClr val="dk2">
+      <a:schemeClr val="dk1">
         <a:alpha val="90000"/>
         <a:tint val="40000"/>
       </a:schemeClr>
     </dgm:fillClrLst>
     <dgm:linClrLst meth="repeat">
-      <a:schemeClr val="dk2"/>
+      <a:schemeClr val="dk1"/>
     </dgm:linClrLst>
     <dgm:effectClrLst/>
     <dgm:txLinClrLst/>
     <dgm:txFillClrLst meth="repeat">
-      <a:schemeClr val="dk2"/>
+      <a:schemeClr val="dk1"/>
     </dgm:txFillClrLst>
     <dgm:txEffectClrLst/>
   </dgm:styleLbl>
@@ -689,12 +689,12 @@
       <a:schemeClr val="lt1"/>
     </dgm:fillClrLst>
     <dgm:linClrLst meth="repeat">
-      <a:schemeClr val="dk2"/>
+      <a:schemeClr val="dk1"/>
     </dgm:linClrLst>
     <dgm:effectClrLst/>
     <dgm:txLinClrLst/>
     <dgm:txFillClrLst meth="repeat">
-      <a:schemeClr val="dk2"/>
+      <a:schemeClr val="dk1"/>
     </dgm:txFillClrLst>
     <dgm:txEffectClrLst/>
   </dgm:styleLbl>
@@ -703,12 +703,12 @@
       <a:schemeClr val="lt1"/>
     </dgm:fillClrLst>
     <dgm:linClrLst meth="repeat">
-      <a:schemeClr val="dk2"/>
+      <a:schemeClr val="dk1"/>
     </dgm:linClrLst>
     <dgm:effectClrLst/>
     <dgm:txLinClrLst/>
     <dgm:txFillClrLst meth="repeat">
-      <a:schemeClr val="dk2"/>
+      <a:schemeClr val="dk1"/>
     </dgm:txFillClrLst>
     <dgm:txEffectClrLst/>
   </dgm:styleLbl>
@@ -717,12 +717,12 @@
       <a:schemeClr val="lt1"/>
     </dgm:fillClrLst>
     <dgm:linClrLst meth="repeat">
-      <a:schemeClr val="dk2"/>
+      <a:schemeClr val="dk1"/>
     </dgm:linClrLst>
     <dgm:effectClrLst/>
     <dgm:txLinClrLst/>
     <dgm:txFillClrLst meth="repeat">
-      <a:schemeClr val="dk2"/>
+      <a:schemeClr val="dk1"/>
     </dgm:txFillClrLst>
     <dgm:txEffectClrLst/>
   </dgm:styleLbl>
@@ -734,14 +734,14 @@
       </a:schemeClr>
     </dgm:fillClrLst>
     <dgm:linClrLst meth="repeat">
-      <a:schemeClr val="dk2">
+      <a:schemeClr val="dk1">
         <a:alpha val="90000"/>
       </a:schemeClr>
     </dgm:linClrLst>
     <dgm:effectClrLst/>
     <dgm:txLinClrLst/>
     <dgm:txFillClrLst meth="repeat">
-      <a:schemeClr val="dk2"/>
+      <a:schemeClr val="dk1"/>
     </dgm:txFillClrLst>
     <dgm:txEffectClrLst/>
   </dgm:styleLbl>
@@ -753,14 +753,14 @@
       </a:schemeClr>
     </dgm:fillClrLst>
     <dgm:linClrLst meth="repeat">
-      <a:schemeClr val="dk2">
+      <a:schemeClr val="dk1">
         <a:alpha val="90000"/>
       </a:schemeClr>
     </dgm:linClrLst>
     <dgm:effectClrLst/>
     <dgm:txLinClrLst/>
     <dgm:txFillClrLst meth="repeat">
-      <a:schemeClr val="dk2"/>
+      <a:schemeClr val="dk1"/>
     </dgm:txFillClrLst>
     <dgm:txEffectClrLst/>
   </dgm:styleLbl>
@@ -772,93 +772,9 @@
       </a:schemeClr>
     </dgm:fillClrLst>
     <dgm:linClrLst meth="repeat">
-      <a:schemeClr val="dk2">
+      <a:schemeClr val="dk1">
         <a:alpha val="90000"/>
       </a:schemeClr>
-    </dgm:linClrLst>
-    <dgm:effectClrLst/>
-    <dgm:txLinClrLst/>
-    <dgm:txFillClrLst meth="repeat">
-      <a:schemeClr val="dk2"/>
-    </dgm:txFillClrLst>
-    <dgm:txEffectClrLst/>
-  </dgm:styleLbl>
-  <dgm:styleLbl name="fgAcc0">
-    <dgm:fillClrLst meth="repeat">
-      <a:schemeClr val="dk2">
-        <a:alpha val="90000"/>
-        <a:tint val="40000"/>
-      </a:schemeClr>
-    </dgm:fillClrLst>
-    <dgm:linClrLst meth="repeat">
-      <a:schemeClr val="dk2"/>
-    </dgm:linClrLst>
-    <dgm:effectClrLst/>
-    <dgm:txLinClrLst/>
-    <dgm:txFillClrLst meth="repeat">
-      <a:schemeClr val="dk2"/>
-    </dgm:txFillClrLst>
-    <dgm:txEffectClrLst/>
-  </dgm:styleLbl>
-  <dgm:styleLbl name="fgAcc2">
-    <dgm:fillClrLst meth="repeat">
-      <a:schemeClr val="dk2">
-        <a:alpha val="90000"/>
-        <a:tint val="40000"/>
-      </a:schemeClr>
-    </dgm:fillClrLst>
-    <dgm:linClrLst meth="repeat">
-      <a:schemeClr val="dk2"/>
-    </dgm:linClrLst>
-    <dgm:effectClrLst/>
-    <dgm:txLinClrLst/>
-    <dgm:txFillClrLst meth="repeat">
-      <a:schemeClr val="dk2"/>
-    </dgm:txFillClrLst>
-    <dgm:txEffectClrLst/>
-  </dgm:styleLbl>
-  <dgm:styleLbl name="fgAcc3">
-    <dgm:fillClrLst meth="repeat">
-      <a:schemeClr val="dk2">
-        <a:alpha val="90000"/>
-        <a:tint val="40000"/>
-      </a:schemeClr>
-    </dgm:fillClrLst>
-    <dgm:linClrLst meth="repeat">
-      <a:schemeClr val="dk2"/>
-    </dgm:linClrLst>
-    <dgm:effectClrLst/>
-    <dgm:txLinClrLst/>
-    <dgm:txFillClrLst meth="repeat">
-      <a:schemeClr val="dk2"/>
-    </dgm:txFillClrLst>
-    <dgm:txEffectClrLst/>
-  </dgm:styleLbl>
-  <dgm:styleLbl name="fgAcc4">
-    <dgm:fillClrLst meth="repeat">
-      <a:schemeClr val="dk2">
-        <a:alpha val="90000"/>
-        <a:tint val="40000"/>
-      </a:schemeClr>
-    </dgm:fillClrLst>
-    <dgm:linClrLst meth="repeat">
-      <a:schemeClr val="dk2"/>
-    </dgm:linClrLst>
-    <dgm:effectClrLst/>
-    <dgm:txLinClrLst/>
-    <dgm:txFillClrLst meth="repeat">
-      <a:schemeClr val="dk2"/>
-    </dgm:txFillClrLst>
-    <dgm:txEffectClrLst/>
-  </dgm:styleLbl>
-  <dgm:styleLbl name="bgShp">
-    <dgm:fillClrLst meth="repeat">
-      <a:schemeClr val="dk2">
-        <a:tint val="40000"/>
-      </a:schemeClr>
-    </dgm:fillClrLst>
-    <dgm:linClrLst meth="repeat">
-      <a:schemeClr val="dk2"/>
     </dgm:linClrLst>
     <dgm:effectClrLst/>
     <dgm:txLinClrLst/>
@@ -867,42 +783,126 @@
     </dgm:txFillClrLst>
     <dgm:txEffectClrLst/>
   </dgm:styleLbl>
+  <dgm:styleLbl name="fgAcc0">
+    <dgm:fillClrLst meth="repeat">
+      <a:schemeClr val="dk1">
+        <a:alpha val="90000"/>
+        <a:tint val="40000"/>
+      </a:schemeClr>
+    </dgm:fillClrLst>
+    <dgm:linClrLst meth="repeat">
+      <a:schemeClr val="dk1"/>
+    </dgm:linClrLst>
+    <dgm:effectClrLst/>
+    <dgm:txLinClrLst/>
+    <dgm:txFillClrLst meth="repeat">
+      <a:schemeClr val="dk1"/>
+    </dgm:txFillClrLst>
+    <dgm:txEffectClrLst/>
+  </dgm:styleLbl>
+  <dgm:styleLbl name="fgAcc2">
+    <dgm:fillClrLst meth="repeat">
+      <a:schemeClr val="dk1">
+        <a:alpha val="90000"/>
+        <a:tint val="40000"/>
+      </a:schemeClr>
+    </dgm:fillClrLst>
+    <dgm:linClrLst meth="repeat">
+      <a:schemeClr val="dk1"/>
+    </dgm:linClrLst>
+    <dgm:effectClrLst/>
+    <dgm:txLinClrLst/>
+    <dgm:txFillClrLst meth="repeat">
+      <a:schemeClr val="dk1"/>
+    </dgm:txFillClrLst>
+    <dgm:txEffectClrLst/>
+  </dgm:styleLbl>
+  <dgm:styleLbl name="fgAcc3">
+    <dgm:fillClrLst meth="repeat">
+      <a:schemeClr val="dk1">
+        <a:alpha val="90000"/>
+        <a:tint val="40000"/>
+      </a:schemeClr>
+    </dgm:fillClrLst>
+    <dgm:linClrLst meth="repeat">
+      <a:schemeClr val="dk1"/>
+    </dgm:linClrLst>
+    <dgm:effectClrLst/>
+    <dgm:txLinClrLst/>
+    <dgm:txFillClrLst meth="repeat">
+      <a:schemeClr val="dk1"/>
+    </dgm:txFillClrLst>
+    <dgm:txEffectClrLst/>
+  </dgm:styleLbl>
+  <dgm:styleLbl name="fgAcc4">
+    <dgm:fillClrLst meth="repeat">
+      <a:schemeClr val="dk1">
+        <a:alpha val="90000"/>
+        <a:tint val="40000"/>
+      </a:schemeClr>
+    </dgm:fillClrLst>
+    <dgm:linClrLst meth="repeat">
+      <a:schemeClr val="dk1"/>
+    </dgm:linClrLst>
+    <dgm:effectClrLst/>
+    <dgm:txLinClrLst/>
+    <dgm:txFillClrLst meth="repeat">
+      <a:schemeClr val="dk1"/>
+    </dgm:txFillClrLst>
+    <dgm:txEffectClrLst/>
+  </dgm:styleLbl>
+  <dgm:styleLbl name="bgShp">
+    <dgm:fillClrLst meth="repeat">
+      <a:schemeClr val="dk1">
+        <a:tint val="40000"/>
+      </a:schemeClr>
+    </dgm:fillClrLst>
+    <dgm:linClrLst meth="repeat">
+      <a:schemeClr val="dk1"/>
+    </dgm:linClrLst>
+    <dgm:effectClrLst/>
+    <dgm:txLinClrLst/>
+    <dgm:txFillClrLst meth="repeat">
+      <a:schemeClr val="dk1"/>
+    </dgm:txFillClrLst>
+    <dgm:txEffectClrLst/>
+  </dgm:styleLbl>
   <dgm:styleLbl name="dkBgShp">
     <dgm:fillClrLst meth="repeat">
-      <a:schemeClr val="dk2">
+      <a:schemeClr val="dk1">
         <a:shade val="80000"/>
       </a:schemeClr>
     </dgm:fillClrLst>
     <dgm:linClrLst meth="repeat">
-      <a:schemeClr val="dk2"/>
+      <a:schemeClr val="dk1"/>
     </dgm:linClrLst>
     <dgm:effectClrLst/>
     <dgm:txLinClrLst/>
     <dgm:txFillClrLst meth="repeat">
-      <a:schemeClr val="lt2"/>
+      <a:schemeClr val="lt1"/>
     </dgm:txFillClrLst>
     <dgm:txEffectClrLst/>
   </dgm:styleLbl>
   <dgm:styleLbl name="trBgShp">
     <dgm:fillClrLst meth="repeat">
-      <a:schemeClr val="dk2">
+      <a:schemeClr val="dk1">
         <a:tint val="50000"/>
         <a:alpha val="40000"/>
       </a:schemeClr>
     </dgm:fillClrLst>
     <dgm:linClrLst meth="repeat">
-      <a:schemeClr val="dk2"/>
+      <a:schemeClr val="dk1"/>
     </dgm:linClrLst>
     <dgm:effectClrLst/>
     <dgm:txLinClrLst/>
     <dgm:txFillClrLst meth="repeat">
-      <a:schemeClr val="lt2"/>
+      <a:schemeClr val="lt1"/>
     </dgm:txFillClrLst>
     <dgm:txEffectClrLst/>
   </dgm:styleLbl>
   <dgm:styleLbl name="fgShp">
     <dgm:fillClrLst meth="repeat">
-      <a:schemeClr val="dk2">
+      <a:schemeClr val="dk1">
         <a:tint val="60000"/>
       </a:schemeClr>
     </dgm:fillClrLst>
@@ -912,7 +912,7 @@
     <dgm:effectClrLst/>
     <dgm:txLinClrLst/>
     <dgm:txFillClrLst meth="repeat">
-      <a:schemeClr val="dk2"/>
+      <a:schemeClr val="dk1"/>
     </dgm:txFillClrLst>
     <dgm:txEffectClrLst/>
   </dgm:styleLbl>
@@ -923,7 +923,7 @@
       </a:schemeClr>
     </dgm:fillClrLst>
     <dgm:linClrLst meth="repeat">
-      <a:schemeClr val="dk2">
+      <a:schemeClr val="dk1">
         <a:alpha val="0"/>
       </a:schemeClr>
     </dgm:linClrLst>
@@ -941,7 +941,7 @@
 <dgm:dataModel xmlns:dgm="http://schemas.openxmlformats.org/drawingml/2006/diagram" xmlns:a="http://schemas.openxmlformats.org/drawingml/2006/main">
   <dgm:ptLst>
     <dgm:pt modelId="{DD0D43FA-3193-1740-B4B1-F9FC64924282}" type="doc">
-      <dgm:prSet loTypeId="urn:microsoft.com/office/officeart/2005/8/layout/process5" loCatId="" qsTypeId="urn:microsoft.com/office/officeart/2005/8/quickstyle/simple3" qsCatId="simple" csTypeId="urn:microsoft.com/office/officeart/2005/8/colors/accent0_2" csCatId="mainScheme" phldr="1"/>
+      <dgm:prSet loTypeId="urn:microsoft.com/office/officeart/2005/8/layout/process2" loCatId="process" qsTypeId="urn:microsoft.com/office/officeart/2005/8/quickstyle/simple3" qsCatId="simple" csTypeId="urn:microsoft.com/office/officeart/2005/8/colors/accent0_1" csCatId="mainScheme" phldr="1"/>
       <dgm:spPr/>
       <dgm:t>
         <a:bodyPr/>
@@ -960,11 +960,7 @@
         <a:p>
           <a:r>
             <a:rPr lang="en-US" dirty="0" smtClean="0"/>
-            <a:t>1. </a:t>
-          </a:r>
-          <a:r>
-            <a:rPr lang="en-US" dirty="0" smtClean="0"/>
-            <a:t>Data Quality control and filtering</a:t>
+            <a:t>1. Data Quality control and filtering</a:t>
           </a:r>
           <a:endParaRPr lang="en-US" dirty="0"/>
         </a:p>
@@ -1001,11 +997,7 @@
         <a:p>
           <a:r>
             <a:rPr lang="en-US" dirty="0" smtClean="0"/>
-            <a:t>2. </a:t>
-          </a:r>
-          <a:r>
-            <a:rPr lang="en-US" dirty="0" smtClean="0"/>
-            <a:t>Call SNVs from the mixed sample using </a:t>
+            <a:t>2. Call SNVs from the mixed sample using </a:t>
           </a:r>
           <a:r>
             <a:rPr lang="en-US" dirty="0" err="1" smtClean="0"/>
@@ -1046,11 +1038,7 @@
         <a:p>
           <a:r>
             <a:rPr lang="en-US" dirty="0" smtClean="0"/>
-            <a:t>3. </a:t>
-          </a:r>
-          <a:r>
-            <a:rPr lang="en-US" dirty="0" smtClean="0"/>
-            <a:t>Build allele count matrices</a:t>
+            <a:t>3. Build allele count matrices</a:t>
           </a:r>
         </a:p>
         <a:p>
@@ -1093,7 +1081,15 @@
         <a:p>
           <a:r>
             <a:rPr lang="en-US" dirty="0" smtClean="0"/>
-            <a:t>4. Model initialization and   E-M iterations till convergence</a:t>
+            <a:t>4. Model initialization </a:t>
+          </a:r>
+          <a:r>
+            <a:rPr lang="en-US" dirty="0" smtClean="0"/>
+            <a:t>and     E-M </a:t>
+          </a:r>
+          <a:r>
+            <a:rPr lang="en-US" dirty="0" smtClean="0"/>
+            <a:t>iterations till convergence</a:t>
           </a:r>
           <a:endParaRPr lang="en-US" dirty="0"/>
         </a:p>
@@ -1130,11 +1126,7 @@
         <a:p>
           <a:r>
             <a:rPr lang="en-US" dirty="0" smtClean="0"/>
-            <a:t>5. </a:t>
-          </a:r>
-          <a:r>
-            <a:rPr lang="en-US" dirty="0" smtClean="0"/>
-            <a:t>Generate genotype likelihoods for models</a:t>
+            <a:t>5. Generate genotype likelihoods for models</a:t>
           </a:r>
           <a:endParaRPr lang="en-US" dirty="0"/>
         </a:p>
@@ -1162,10 +1154,9 @@
         </a:p>
       </dgm:t>
     </dgm:pt>
-    <dgm:pt modelId="{0C08C2A2-1A80-3844-B417-8FA247BAB1A3}" type="pres">
-      <dgm:prSet presAssocID="{DD0D43FA-3193-1740-B4B1-F9FC64924282}" presName="diagram" presStyleCnt="0">
+    <dgm:pt modelId="{A0FFC8F9-3A51-459E-80CB-F919958CE457}" type="pres">
+      <dgm:prSet presAssocID="{DD0D43FA-3193-1740-B4B1-F9FC64924282}" presName="linearFlow" presStyleCnt="0">
         <dgm:presLayoutVars>
-          <dgm:dir/>
           <dgm:resizeHandles val="exact"/>
         </dgm:presLayoutVars>
       </dgm:prSet>
@@ -1178,7 +1169,7 @@
         </a:p>
       </dgm:t>
     </dgm:pt>
-    <dgm:pt modelId="{323030E2-A3E2-BC4F-8552-E1F97BF0317D}" type="pres">
+    <dgm:pt modelId="{3192A0C1-7B19-4629-8476-EAE43144FE35}" type="pres">
       <dgm:prSet presAssocID="{6C6B9870-BF4D-0D40-B8EB-27D32ACE3D86}" presName="node" presStyleLbl="node1" presStyleIdx="0" presStyleCnt="5">
         <dgm:presLayoutVars>
           <dgm:bulletEnabled val="1"/>
@@ -1193,7 +1184,7 @@
         </a:p>
       </dgm:t>
     </dgm:pt>
-    <dgm:pt modelId="{873BCD71-7966-6C40-8734-EFEA73036D1A}" type="pres">
+    <dgm:pt modelId="{C01BD5C8-F8DE-4A4D-9D04-B6C303307718}" type="pres">
       <dgm:prSet presAssocID="{A2A1EDA4-9CB7-DC4A-B8F3-C82B49F8B26D}" presName="sibTrans" presStyleLbl="sibTrans2D1" presStyleIdx="0" presStyleCnt="4"/>
       <dgm:spPr/>
       <dgm:t>
@@ -1204,7 +1195,7 @@
         </a:p>
       </dgm:t>
     </dgm:pt>
-    <dgm:pt modelId="{AB985E59-F23E-8A42-AD71-6B9C8C764F7E}" type="pres">
+    <dgm:pt modelId="{72308CA6-08FE-4F28-975D-5FCCF28A5238}" type="pres">
       <dgm:prSet presAssocID="{A2A1EDA4-9CB7-DC4A-B8F3-C82B49F8B26D}" presName="connectorText" presStyleLbl="sibTrans2D1" presStyleIdx="0" presStyleCnt="4"/>
       <dgm:spPr/>
       <dgm:t>
@@ -1215,7 +1206,7 @@
         </a:p>
       </dgm:t>
     </dgm:pt>
-    <dgm:pt modelId="{FC9DE67B-FA41-1141-83BA-9FE984E39D78}" type="pres">
+    <dgm:pt modelId="{B415D361-FF3E-41D9-90EE-1F3A41B43E01}" type="pres">
       <dgm:prSet presAssocID="{49154769-A0B7-7E42-8933-0DD5B06D4B96}" presName="node" presStyleLbl="node1" presStyleIdx="1" presStyleCnt="5">
         <dgm:presLayoutVars>
           <dgm:bulletEnabled val="1"/>
@@ -1230,7 +1221,7 @@
         </a:p>
       </dgm:t>
     </dgm:pt>
-    <dgm:pt modelId="{1798B096-05E3-234B-9FD7-3C17B42250A7}" type="pres">
+    <dgm:pt modelId="{B9329B3A-41C9-4796-A0D6-284D5717B1AE}" type="pres">
       <dgm:prSet presAssocID="{0CE21C87-7AAB-F04C-B907-5862D67A85BA}" presName="sibTrans" presStyleLbl="sibTrans2D1" presStyleIdx="1" presStyleCnt="4"/>
       <dgm:spPr/>
       <dgm:t>
@@ -1241,7 +1232,7 @@
         </a:p>
       </dgm:t>
     </dgm:pt>
-    <dgm:pt modelId="{A7BA9421-D452-1343-BAF5-518D5A056313}" type="pres">
+    <dgm:pt modelId="{749930A7-B25C-4C1A-A863-0CBA75966FDD}" type="pres">
       <dgm:prSet presAssocID="{0CE21C87-7AAB-F04C-B907-5862D67A85BA}" presName="connectorText" presStyleLbl="sibTrans2D1" presStyleIdx="1" presStyleCnt="4"/>
       <dgm:spPr/>
       <dgm:t>
@@ -1252,7 +1243,7 @@
         </a:p>
       </dgm:t>
     </dgm:pt>
-    <dgm:pt modelId="{BC629633-68C3-954B-84BD-C978A3A5494E}" type="pres">
+    <dgm:pt modelId="{F6C6FE23-9D62-4B98-AED9-BE7CC6644C63}" type="pres">
       <dgm:prSet presAssocID="{7999F86E-C42E-614F-A0F9-1F5D63B811A1}" presName="node" presStyleLbl="node1" presStyleIdx="2" presStyleCnt="5">
         <dgm:presLayoutVars>
           <dgm:bulletEnabled val="1"/>
@@ -1267,7 +1258,7 @@
         </a:p>
       </dgm:t>
     </dgm:pt>
-    <dgm:pt modelId="{FFB36F92-EF1D-0742-9E6F-99EBA0D142DD}" type="pres">
+    <dgm:pt modelId="{2929C5ED-1CAC-44E7-BE14-EA59F21E91AE}" type="pres">
       <dgm:prSet presAssocID="{D3771C2A-254D-F546-83B4-5C9ED32E1041}" presName="sibTrans" presStyleLbl="sibTrans2D1" presStyleIdx="2" presStyleCnt="4"/>
       <dgm:spPr/>
       <dgm:t>
@@ -1278,7 +1269,7 @@
         </a:p>
       </dgm:t>
     </dgm:pt>
-    <dgm:pt modelId="{49268235-FF17-CA47-B855-EEC244E26317}" type="pres">
+    <dgm:pt modelId="{EB671056-F8FC-4C7A-9D74-5EADDA4B8879}" type="pres">
       <dgm:prSet presAssocID="{D3771C2A-254D-F546-83B4-5C9ED32E1041}" presName="connectorText" presStyleLbl="sibTrans2D1" presStyleIdx="2" presStyleCnt="4"/>
       <dgm:spPr/>
       <dgm:t>
@@ -1289,7 +1280,7 @@
         </a:p>
       </dgm:t>
     </dgm:pt>
-    <dgm:pt modelId="{8D3C7128-E635-F445-9CE5-130161F22619}" type="pres">
+    <dgm:pt modelId="{5ADF5D73-A226-416F-9FE8-CC74E72A2993}" type="pres">
       <dgm:prSet presAssocID="{A6F6CEF7-EB11-5247-9C9B-389C82351869}" presName="node" presStyleLbl="node1" presStyleIdx="3" presStyleCnt="5">
         <dgm:presLayoutVars>
           <dgm:bulletEnabled val="1"/>
@@ -1304,7 +1295,7 @@
         </a:p>
       </dgm:t>
     </dgm:pt>
-    <dgm:pt modelId="{87AA2404-0B81-C841-BDD7-1F13D01282D4}" type="pres">
+    <dgm:pt modelId="{8D4025F6-3F61-419C-B275-3546EE56EE5A}" type="pres">
       <dgm:prSet presAssocID="{850BAA6E-879E-8840-A7DE-0671B06034FF}" presName="sibTrans" presStyleLbl="sibTrans2D1" presStyleIdx="3" presStyleCnt="4"/>
       <dgm:spPr/>
       <dgm:t>
@@ -1315,7 +1306,7 @@
         </a:p>
       </dgm:t>
     </dgm:pt>
-    <dgm:pt modelId="{868B80FB-FE1D-9F4F-9F4F-346A1DDDE750}" type="pres">
+    <dgm:pt modelId="{43671B6A-1EE2-42FA-8C18-0ABBB9D72BA0}" type="pres">
       <dgm:prSet presAssocID="{850BAA6E-879E-8840-A7DE-0671B06034FF}" presName="connectorText" presStyleLbl="sibTrans2D1" presStyleIdx="3" presStyleCnt="4"/>
       <dgm:spPr/>
       <dgm:t>
@@ -1326,7 +1317,7 @@
         </a:p>
       </dgm:t>
     </dgm:pt>
-    <dgm:pt modelId="{99C26EF1-53AD-8F49-AEB1-E8E36538C10E}" type="pres">
+    <dgm:pt modelId="{C01DC4BA-B1A2-44DA-99D6-D982889F3399}" type="pres">
       <dgm:prSet presAssocID="{A154E504-45C9-A545-BC54-77CC0243389E}" presName="node" presStyleLbl="node1" presStyleIdx="4" presStyleCnt="5">
         <dgm:presLayoutVars>
           <dgm:bulletEnabled val="1"/>
@@ -1343,38 +1334,38 @@
     </dgm:pt>
   </dgm:ptLst>
   <dgm:cxnLst>
-    <dgm:cxn modelId="{412F76E7-EE51-9646-913B-84AA5CE2B3BE}" type="presOf" srcId="{850BAA6E-879E-8840-A7DE-0671B06034FF}" destId="{868B80FB-FE1D-9F4F-9F4F-346A1DDDE750}" srcOrd="1" destOrd="0" presId="urn:microsoft.com/office/officeart/2005/8/layout/process5"/>
+    <dgm:cxn modelId="{DED458CA-8646-4F13-9F35-CF8F34BB6805}" type="presOf" srcId="{49154769-A0B7-7E42-8933-0DD5B06D4B96}" destId="{B415D361-FF3E-41D9-90EE-1F3A41B43E01}" srcOrd="0" destOrd="0" presId="urn:microsoft.com/office/officeart/2005/8/layout/process2"/>
+    <dgm:cxn modelId="{FF912A56-9824-492A-869F-2AF5895CE426}" type="presOf" srcId="{A2A1EDA4-9CB7-DC4A-B8F3-C82B49F8B26D}" destId="{C01BD5C8-F8DE-4A4D-9D04-B6C303307718}" srcOrd="0" destOrd="0" presId="urn:microsoft.com/office/officeart/2005/8/layout/process2"/>
+    <dgm:cxn modelId="{131B190F-5CD5-40BC-9B33-6DE5AE905B4B}" type="presOf" srcId="{D3771C2A-254D-F546-83B4-5C9ED32E1041}" destId="{EB671056-F8FC-4C7A-9D74-5EADDA4B8879}" srcOrd="1" destOrd="0" presId="urn:microsoft.com/office/officeart/2005/8/layout/process2"/>
+    <dgm:cxn modelId="{A183E6A1-2930-44F1-B63E-6C723482C80F}" type="presOf" srcId="{A2A1EDA4-9CB7-DC4A-B8F3-C82B49F8B26D}" destId="{72308CA6-08FE-4F28-975D-5FCCF28A5238}" srcOrd="1" destOrd="0" presId="urn:microsoft.com/office/officeart/2005/8/layout/process2"/>
+    <dgm:cxn modelId="{C4527F83-72A1-4BE0-9869-2B6B6FE36624}" type="presOf" srcId="{0CE21C87-7AAB-F04C-B907-5862D67A85BA}" destId="{749930A7-B25C-4C1A-A863-0CBA75966FDD}" srcOrd="1" destOrd="0" presId="urn:microsoft.com/office/officeart/2005/8/layout/process2"/>
+    <dgm:cxn modelId="{590795E1-D344-4CF2-ACFA-609F1B3CC6F7}" type="presOf" srcId="{DD0D43FA-3193-1740-B4B1-F9FC64924282}" destId="{A0FFC8F9-3A51-459E-80CB-F919958CE457}" srcOrd="0" destOrd="0" presId="urn:microsoft.com/office/officeart/2005/8/layout/process2"/>
+    <dgm:cxn modelId="{4732C632-2646-4C49-9CC8-CBCFA972847E}" srcId="{DD0D43FA-3193-1740-B4B1-F9FC64924282}" destId="{A154E504-45C9-A545-BC54-77CC0243389E}" srcOrd="4" destOrd="0" parTransId="{EC984F86-0945-7640-A817-E33D7099B6F0}" sibTransId="{18861E06-28EB-5B40-A1BF-F31EF9F167B1}"/>
+    <dgm:cxn modelId="{22A8D0F9-4C74-4DCD-8128-5460175BEC14}" type="presOf" srcId="{D3771C2A-254D-F546-83B4-5C9ED32E1041}" destId="{2929C5ED-1CAC-44E7-BE14-EA59F21E91AE}" srcOrd="0" destOrd="0" presId="urn:microsoft.com/office/officeart/2005/8/layout/process2"/>
+    <dgm:cxn modelId="{468A3CBF-97BF-4E57-AE36-BE8A4D330E08}" type="presOf" srcId="{7999F86E-C42E-614F-A0F9-1F5D63B811A1}" destId="{F6C6FE23-9D62-4B98-AED9-BE7CC6644C63}" srcOrd="0" destOrd="0" presId="urn:microsoft.com/office/officeart/2005/8/layout/process2"/>
+    <dgm:cxn modelId="{0B952D4E-3059-6D40-A2AB-1BC202D1CE12}" srcId="{DD0D43FA-3193-1740-B4B1-F9FC64924282}" destId="{6C6B9870-BF4D-0D40-B8EB-27D32ACE3D86}" srcOrd="0" destOrd="0" parTransId="{0E42D5AF-12A5-4447-85E6-7C4AAA171816}" sibTransId="{A2A1EDA4-9CB7-DC4A-B8F3-C82B49F8B26D}"/>
+    <dgm:cxn modelId="{64A7D59A-9CB5-4450-A3B9-3A082FD27C94}" type="presOf" srcId="{A154E504-45C9-A545-BC54-77CC0243389E}" destId="{C01DC4BA-B1A2-44DA-99D6-D982889F3399}" srcOrd="0" destOrd="0" presId="urn:microsoft.com/office/officeart/2005/8/layout/process2"/>
+    <dgm:cxn modelId="{FDA9C9BB-7EB0-4549-B177-16674652AC7B}" srcId="{DD0D43FA-3193-1740-B4B1-F9FC64924282}" destId="{7999F86E-C42E-614F-A0F9-1F5D63B811A1}" srcOrd="2" destOrd="0" parTransId="{D8538A27-EB13-B94B-952E-19DFE04C9A7A}" sibTransId="{D3771C2A-254D-F546-83B4-5C9ED32E1041}"/>
+    <dgm:cxn modelId="{D348C669-9D27-4CE7-9B64-226086033698}" type="presOf" srcId="{850BAA6E-879E-8840-A7DE-0671B06034FF}" destId="{43671B6A-1EE2-42FA-8C18-0ABBB9D72BA0}" srcOrd="1" destOrd="0" presId="urn:microsoft.com/office/officeart/2005/8/layout/process2"/>
+    <dgm:cxn modelId="{01982496-D49F-481A-9E12-B0C68E199967}" type="presOf" srcId="{850BAA6E-879E-8840-A7DE-0671B06034FF}" destId="{8D4025F6-3F61-419C-B275-3546EE56EE5A}" srcOrd="0" destOrd="0" presId="urn:microsoft.com/office/officeart/2005/8/layout/process2"/>
+    <dgm:cxn modelId="{924660D3-4153-4002-9A88-E783A29080CD}" type="presOf" srcId="{A6F6CEF7-EB11-5247-9C9B-389C82351869}" destId="{5ADF5D73-A226-416F-9FE8-CC74E72A2993}" srcOrd="0" destOrd="0" presId="urn:microsoft.com/office/officeart/2005/8/layout/process2"/>
     <dgm:cxn modelId="{3CC94CA5-D526-6240-A0CA-2CA2C70577BB}" srcId="{DD0D43FA-3193-1740-B4B1-F9FC64924282}" destId="{A6F6CEF7-EB11-5247-9C9B-389C82351869}" srcOrd="3" destOrd="0" parTransId="{90B4E85D-106B-D241-890A-49E51AB2C9B6}" sibTransId="{850BAA6E-879E-8840-A7DE-0671B06034FF}"/>
-    <dgm:cxn modelId="{4732C632-2646-4C49-9CC8-CBCFA972847E}" srcId="{DD0D43FA-3193-1740-B4B1-F9FC64924282}" destId="{A154E504-45C9-A545-BC54-77CC0243389E}" srcOrd="4" destOrd="0" parTransId="{EC984F86-0945-7640-A817-E33D7099B6F0}" sibTransId="{18861E06-28EB-5B40-A1BF-F31EF9F167B1}"/>
-    <dgm:cxn modelId="{0B952D4E-3059-6D40-A2AB-1BC202D1CE12}" srcId="{DD0D43FA-3193-1740-B4B1-F9FC64924282}" destId="{6C6B9870-BF4D-0D40-B8EB-27D32ACE3D86}" srcOrd="0" destOrd="0" parTransId="{0E42D5AF-12A5-4447-85E6-7C4AAA171816}" sibTransId="{A2A1EDA4-9CB7-DC4A-B8F3-C82B49F8B26D}"/>
-    <dgm:cxn modelId="{3DCA11EE-A3F4-7E4A-9B14-EDBA959A862B}" type="presOf" srcId="{6C6B9870-BF4D-0D40-B8EB-27D32ACE3D86}" destId="{323030E2-A3E2-BC4F-8552-E1F97BF0317D}" srcOrd="0" destOrd="0" presId="urn:microsoft.com/office/officeart/2005/8/layout/process5"/>
-    <dgm:cxn modelId="{A912817A-AD4D-DE46-AEAD-271193097CBD}" type="presOf" srcId="{DD0D43FA-3193-1740-B4B1-F9FC64924282}" destId="{0C08C2A2-1A80-3844-B417-8FA247BAB1A3}" srcOrd="0" destOrd="0" presId="urn:microsoft.com/office/officeart/2005/8/layout/process5"/>
-    <dgm:cxn modelId="{467BED51-1FFD-1B4B-A345-DD49890EEE41}" type="presOf" srcId="{D3771C2A-254D-F546-83B4-5C9ED32E1041}" destId="{49268235-FF17-CA47-B855-EEC244E26317}" srcOrd="1" destOrd="0" presId="urn:microsoft.com/office/officeart/2005/8/layout/process5"/>
-    <dgm:cxn modelId="{FF6165FF-E9B2-6D4F-9BDB-54660290BA7C}" type="presOf" srcId="{0CE21C87-7AAB-F04C-B907-5862D67A85BA}" destId="{A7BA9421-D452-1343-BAF5-518D5A056313}" srcOrd="1" destOrd="0" presId="urn:microsoft.com/office/officeart/2005/8/layout/process5"/>
-    <dgm:cxn modelId="{F0B0DD3D-C97D-3B43-B104-69CD8C2EE77F}" type="presOf" srcId="{A6F6CEF7-EB11-5247-9C9B-389C82351869}" destId="{8D3C7128-E635-F445-9CE5-130161F22619}" srcOrd="0" destOrd="0" presId="urn:microsoft.com/office/officeart/2005/8/layout/process5"/>
-    <dgm:cxn modelId="{EC5D3D2F-9736-8E46-A0D8-00308CCA45DB}" type="presOf" srcId="{0CE21C87-7AAB-F04C-B907-5862D67A85BA}" destId="{1798B096-05E3-234B-9FD7-3C17B42250A7}" srcOrd="0" destOrd="0" presId="urn:microsoft.com/office/officeart/2005/8/layout/process5"/>
-    <dgm:cxn modelId="{C0C5612D-D806-8D4D-9020-E415147A9533}" type="presOf" srcId="{A154E504-45C9-A545-BC54-77CC0243389E}" destId="{99C26EF1-53AD-8F49-AEB1-E8E36538C10E}" srcOrd="0" destOrd="0" presId="urn:microsoft.com/office/officeart/2005/8/layout/process5"/>
-    <dgm:cxn modelId="{1E190281-8FBB-2241-A5ED-1E30E39B93FF}" type="presOf" srcId="{A2A1EDA4-9CB7-DC4A-B8F3-C82B49F8B26D}" destId="{AB985E59-F23E-8A42-AD71-6B9C8C764F7E}" srcOrd="1" destOrd="0" presId="urn:microsoft.com/office/officeart/2005/8/layout/process5"/>
-    <dgm:cxn modelId="{5421E763-DD85-C04F-B31E-6702E733D14B}" type="presOf" srcId="{850BAA6E-879E-8840-A7DE-0671B06034FF}" destId="{87AA2404-0B81-C841-BDD7-1F13D01282D4}" srcOrd="0" destOrd="0" presId="urn:microsoft.com/office/officeart/2005/8/layout/process5"/>
-    <dgm:cxn modelId="{FDA9C9BB-7EB0-4549-B177-16674652AC7B}" srcId="{DD0D43FA-3193-1740-B4B1-F9FC64924282}" destId="{7999F86E-C42E-614F-A0F9-1F5D63B811A1}" srcOrd="2" destOrd="0" parTransId="{D8538A27-EB13-B94B-952E-19DFE04C9A7A}" sibTransId="{D3771C2A-254D-F546-83B4-5C9ED32E1041}"/>
-    <dgm:cxn modelId="{64C1EB0A-FAE6-CF4F-81D2-B5A6B68911F4}" type="presOf" srcId="{A2A1EDA4-9CB7-DC4A-B8F3-C82B49F8B26D}" destId="{873BCD71-7966-6C40-8734-EFEA73036D1A}" srcOrd="0" destOrd="0" presId="urn:microsoft.com/office/officeart/2005/8/layout/process5"/>
-    <dgm:cxn modelId="{057A819F-594D-AF47-AED2-B8BAF2A53E26}" type="presOf" srcId="{7999F86E-C42E-614F-A0F9-1F5D63B811A1}" destId="{BC629633-68C3-954B-84BD-C978A3A5494E}" srcOrd="0" destOrd="0" presId="urn:microsoft.com/office/officeart/2005/8/layout/process5"/>
+    <dgm:cxn modelId="{7041F27C-F21B-4A22-98B6-79B0F4B86F42}" type="presOf" srcId="{6C6B9870-BF4D-0D40-B8EB-27D32ACE3D86}" destId="{3192A0C1-7B19-4629-8476-EAE43144FE35}" srcOrd="0" destOrd="0" presId="urn:microsoft.com/office/officeart/2005/8/layout/process2"/>
     <dgm:cxn modelId="{063358E5-CBF4-404B-8624-51B1ADD160FB}" srcId="{DD0D43FA-3193-1740-B4B1-F9FC64924282}" destId="{49154769-A0B7-7E42-8933-0DD5B06D4B96}" srcOrd="1" destOrd="0" parTransId="{532E9232-1018-7C47-B39B-A783CE303C6B}" sibTransId="{0CE21C87-7AAB-F04C-B907-5862D67A85BA}"/>
-    <dgm:cxn modelId="{81044C33-4C8A-E041-AA92-B425608A2C54}" type="presOf" srcId="{D3771C2A-254D-F546-83B4-5C9ED32E1041}" destId="{FFB36F92-EF1D-0742-9E6F-99EBA0D142DD}" srcOrd="0" destOrd="0" presId="urn:microsoft.com/office/officeart/2005/8/layout/process5"/>
-    <dgm:cxn modelId="{9A389EAE-2E03-4B42-B634-19C4851F09B4}" type="presOf" srcId="{49154769-A0B7-7E42-8933-0DD5B06D4B96}" destId="{FC9DE67B-FA41-1141-83BA-9FE984E39D78}" srcOrd="0" destOrd="0" presId="urn:microsoft.com/office/officeart/2005/8/layout/process5"/>
-    <dgm:cxn modelId="{1157EA0B-7A08-D841-AF8F-9ECF6BF94E50}" type="presParOf" srcId="{0C08C2A2-1A80-3844-B417-8FA247BAB1A3}" destId="{323030E2-A3E2-BC4F-8552-E1F97BF0317D}" srcOrd="0" destOrd="0" presId="urn:microsoft.com/office/officeart/2005/8/layout/process5"/>
-    <dgm:cxn modelId="{25EDDD26-2201-2F4D-9787-4E823F5C1025}" type="presParOf" srcId="{0C08C2A2-1A80-3844-B417-8FA247BAB1A3}" destId="{873BCD71-7966-6C40-8734-EFEA73036D1A}" srcOrd="1" destOrd="0" presId="urn:microsoft.com/office/officeart/2005/8/layout/process5"/>
-    <dgm:cxn modelId="{39DEE2A5-5B32-D94F-8663-BB52505D002A}" type="presParOf" srcId="{873BCD71-7966-6C40-8734-EFEA73036D1A}" destId="{AB985E59-F23E-8A42-AD71-6B9C8C764F7E}" srcOrd="0" destOrd="0" presId="urn:microsoft.com/office/officeart/2005/8/layout/process5"/>
-    <dgm:cxn modelId="{257A89EB-707A-F049-A45D-0F7742C5FDDE}" type="presParOf" srcId="{0C08C2A2-1A80-3844-B417-8FA247BAB1A3}" destId="{FC9DE67B-FA41-1141-83BA-9FE984E39D78}" srcOrd="2" destOrd="0" presId="urn:microsoft.com/office/officeart/2005/8/layout/process5"/>
-    <dgm:cxn modelId="{5EBE2DEC-A20A-B34C-B65D-8FF2BEFF2366}" type="presParOf" srcId="{0C08C2A2-1A80-3844-B417-8FA247BAB1A3}" destId="{1798B096-05E3-234B-9FD7-3C17B42250A7}" srcOrd="3" destOrd="0" presId="urn:microsoft.com/office/officeart/2005/8/layout/process5"/>
-    <dgm:cxn modelId="{A6271F3D-B464-924F-8B5D-0AFE11D6F2A5}" type="presParOf" srcId="{1798B096-05E3-234B-9FD7-3C17B42250A7}" destId="{A7BA9421-D452-1343-BAF5-518D5A056313}" srcOrd="0" destOrd="0" presId="urn:microsoft.com/office/officeart/2005/8/layout/process5"/>
-    <dgm:cxn modelId="{49EF75E6-AD6A-9E40-9874-8AB89F300EE7}" type="presParOf" srcId="{0C08C2A2-1A80-3844-B417-8FA247BAB1A3}" destId="{BC629633-68C3-954B-84BD-C978A3A5494E}" srcOrd="4" destOrd="0" presId="urn:microsoft.com/office/officeart/2005/8/layout/process5"/>
-    <dgm:cxn modelId="{FA49B3CA-82C8-7549-B8E3-63A7CCF38AF5}" type="presParOf" srcId="{0C08C2A2-1A80-3844-B417-8FA247BAB1A3}" destId="{FFB36F92-EF1D-0742-9E6F-99EBA0D142DD}" srcOrd="5" destOrd="0" presId="urn:microsoft.com/office/officeart/2005/8/layout/process5"/>
-    <dgm:cxn modelId="{A200BE00-3F50-964C-AF5F-E2D8FE5E68B8}" type="presParOf" srcId="{FFB36F92-EF1D-0742-9E6F-99EBA0D142DD}" destId="{49268235-FF17-CA47-B855-EEC244E26317}" srcOrd="0" destOrd="0" presId="urn:microsoft.com/office/officeart/2005/8/layout/process5"/>
-    <dgm:cxn modelId="{4C376143-C9E6-FE49-955B-898420D08C1F}" type="presParOf" srcId="{0C08C2A2-1A80-3844-B417-8FA247BAB1A3}" destId="{8D3C7128-E635-F445-9CE5-130161F22619}" srcOrd="6" destOrd="0" presId="urn:microsoft.com/office/officeart/2005/8/layout/process5"/>
-    <dgm:cxn modelId="{9091B990-1811-4744-9ADB-0E69572C6144}" type="presParOf" srcId="{0C08C2A2-1A80-3844-B417-8FA247BAB1A3}" destId="{87AA2404-0B81-C841-BDD7-1F13D01282D4}" srcOrd="7" destOrd="0" presId="urn:microsoft.com/office/officeart/2005/8/layout/process5"/>
-    <dgm:cxn modelId="{D35F934F-EDC1-B94C-A2E4-FDFE85720274}" type="presParOf" srcId="{87AA2404-0B81-C841-BDD7-1F13D01282D4}" destId="{868B80FB-FE1D-9F4F-9F4F-346A1DDDE750}" srcOrd="0" destOrd="0" presId="urn:microsoft.com/office/officeart/2005/8/layout/process5"/>
-    <dgm:cxn modelId="{6B73AB57-E792-3E47-BC35-302268E4BA1E}" type="presParOf" srcId="{0C08C2A2-1A80-3844-B417-8FA247BAB1A3}" destId="{99C26EF1-53AD-8F49-AEB1-E8E36538C10E}" srcOrd="8" destOrd="0" presId="urn:microsoft.com/office/officeart/2005/8/layout/process5"/>
+    <dgm:cxn modelId="{64EAFD6C-2042-4C0C-A1A5-6D788CB41EC9}" type="presOf" srcId="{0CE21C87-7AAB-F04C-B907-5862D67A85BA}" destId="{B9329B3A-41C9-4796-A0D6-284D5717B1AE}" srcOrd="0" destOrd="0" presId="urn:microsoft.com/office/officeart/2005/8/layout/process2"/>
+    <dgm:cxn modelId="{75FB60C5-237E-4836-9530-9776246888B4}" type="presParOf" srcId="{A0FFC8F9-3A51-459E-80CB-F919958CE457}" destId="{3192A0C1-7B19-4629-8476-EAE43144FE35}" srcOrd="0" destOrd="0" presId="urn:microsoft.com/office/officeart/2005/8/layout/process2"/>
+    <dgm:cxn modelId="{50F5DB8A-0796-4A8C-8707-863F3D97A022}" type="presParOf" srcId="{A0FFC8F9-3A51-459E-80CB-F919958CE457}" destId="{C01BD5C8-F8DE-4A4D-9D04-B6C303307718}" srcOrd="1" destOrd="0" presId="urn:microsoft.com/office/officeart/2005/8/layout/process2"/>
+    <dgm:cxn modelId="{EA4E6AD6-3C35-43DB-A5C0-F826039C5D11}" type="presParOf" srcId="{C01BD5C8-F8DE-4A4D-9D04-B6C303307718}" destId="{72308CA6-08FE-4F28-975D-5FCCF28A5238}" srcOrd="0" destOrd="0" presId="urn:microsoft.com/office/officeart/2005/8/layout/process2"/>
+    <dgm:cxn modelId="{2680E661-7251-41B0-BCAD-538867D16D0F}" type="presParOf" srcId="{A0FFC8F9-3A51-459E-80CB-F919958CE457}" destId="{B415D361-FF3E-41D9-90EE-1F3A41B43E01}" srcOrd="2" destOrd="0" presId="urn:microsoft.com/office/officeart/2005/8/layout/process2"/>
+    <dgm:cxn modelId="{A5A44877-5828-4C76-ACE1-DCC1827B8AE0}" type="presParOf" srcId="{A0FFC8F9-3A51-459E-80CB-F919958CE457}" destId="{B9329B3A-41C9-4796-A0D6-284D5717B1AE}" srcOrd="3" destOrd="0" presId="urn:microsoft.com/office/officeart/2005/8/layout/process2"/>
+    <dgm:cxn modelId="{0CF82012-EB64-4454-BE54-E2CCB6906C14}" type="presParOf" srcId="{B9329B3A-41C9-4796-A0D6-284D5717B1AE}" destId="{749930A7-B25C-4C1A-A863-0CBA75966FDD}" srcOrd="0" destOrd="0" presId="urn:microsoft.com/office/officeart/2005/8/layout/process2"/>
+    <dgm:cxn modelId="{5E61CDBE-CEC1-4D44-AD7D-CE400FFE5E00}" type="presParOf" srcId="{A0FFC8F9-3A51-459E-80CB-F919958CE457}" destId="{F6C6FE23-9D62-4B98-AED9-BE7CC6644C63}" srcOrd="4" destOrd="0" presId="urn:microsoft.com/office/officeart/2005/8/layout/process2"/>
+    <dgm:cxn modelId="{2D4BA0B0-CCEF-477A-B298-AAD0DF3621B8}" type="presParOf" srcId="{A0FFC8F9-3A51-459E-80CB-F919958CE457}" destId="{2929C5ED-1CAC-44E7-BE14-EA59F21E91AE}" srcOrd="5" destOrd="0" presId="urn:microsoft.com/office/officeart/2005/8/layout/process2"/>
+    <dgm:cxn modelId="{CBEC09A7-F737-45BE-960A-54466DA0672E}" type="presParOf" srcId="{2929C5ED-1CAC-44E7-BE14-EA59F21E91AE}" destId="{EB671056-F8FC-4C7A-9D74-5EADDA4B8879}" srcOrd="0" destOrd="0" presId="urn:microsoft.com/office/officeart/2005/8/layout/process2"/>
+    <dgm:cxn modelId="{333A24B9-2782-4168-811F-72D5C38C2AD1}" type="presParOf" srcId="{A0FFC8F9-3A51-459E-80CB-F919958CE457}" destId="{5ADF5D73-A226-416F-9FE8-CC74E72A2993}" srcOrd="6" destOrd="0" presId="urn:microsoft.com/office/officeart/2005/8/layout/process2"/>
+    <dgm:cxn modelId="{41036E95-F097-45F1-A122-0A44D78A3500}" type="presParOf" srcId="{A0FFC8F9-3A51-459E-80CB-F919958CE457}" destId="{8D4025F6-3F61-419C-B275-3546EE56EE5A}" srcOrd="7" destOrd="0" presId="urn:microsoft.com/office/officeart/2005/8/layout/process2"/>
+    <dgm:cxn modelId="{AB0B7319-4D14-4760-A630-0BFAEB6673B0}" type="presParOf" srcId="{8D4025F6-3F61-419C-B275-3546EE56EE5A}" destId="{43671B6A-1EE2-42FA-8C18-0ABBB9D72BA0}" srcOrd="0" destOrd="0" presId="urn:microsoft.com/office/officeart/2005/8/layout/process2"/>
+    <dgm:cxn modelId="{708CF691-A5C0-4C18-9A83-6C16C8C8D121}" type="presParOf" srcId="{A0FFC8F9-3A51-459E-80CB-F919958CE457}" destId="{C01DC4BA-B1A2-44DA-99D6-D982889F3399}" srcOrd="8" destOrd="0" presId="urn:microsoft.com/office/officeart/2005/8/layout/process2"/>
   </dgm:cxnLst>
   <dgm:bg/>
   <dgm:whole/>
@@ -1394,15 +1385,15 @@
       <dsp:cNvGrpSpPr/>
     </dsp:nvGrpSpPr>
     <dsp:grpSpPr/>
-    <dsp:sp modelId="{323030E2-A3E2-BC4F-8552-E1F97BF0317D}">
+    <dsp:sp modelId="{3192A0C1-7B19-4629-8476-EAE43144FE35}">
       <dsp:nvSpPr>
         <dsp:cNvPr id="0" name=""/>
         <dsp:cNvSpPr/>
       </dsp:nvSpPr>
       <dsp:spPr>
         <a:xfrm>
-          <a:off x="7233" y="722265"/>
-          <a:ext cx="2161877" cy="1297126"/>
+          <a:off x="2779019" y="598"/>
+          <a:ext cx="2671561" cy="700333"/>
         </a:xfrm>
         <a:prstGeom prst="roundRect">
           <a:avLst>
@@ -1477,12 +1468,12 @@
         </a:fontRef>
       </dsp:style>
       <dsp:txBody>
-        <a:bodyPr spcFirstLastPara="0" vert="horz" wrap="square" lIns="72390" tIns="72390" rIns="72390" bIns="72390" numCol="1" spcCol="1270" anchor="ctr" anchorCtr="0">
+        <a:bodyPr spcFirstLastPara="0" vert="horz" wrap="square" lIns="60960" tIns="60960" rIns="60960" bIns="60960" numCol="1" spcCol="1270" anchor="ctr" anchorCtr="0">
           <a:noAutofit/>
         </a:bodyPr>
         <a:lstStyle/>
         <a:p>
-          <a:pPr lvl="0" algn="ctr" defTabSz="844550">
+          <a:pPr lvl="0" algn="ctr" defTabSz="711200">
             <a:lnSpc>
               <a:spcPct val="90000"/>
             </a:lnSpc>
@@ -1494,30 +1485,26 @@
             </a:spcAft>
           </a:pPr>
           <a:r>
-            <a:rPr lang="en-US" sz="1900" kern="1200" dirty="0" smtClean="0"/>
-            <a:t>1. </a:t>
+            <a:rPr lang="en-US" sz="1600" kern="1200" dirty="0" smtClean="0"/>
+            <a:t>1. Data Quality control and filtering</a:t>
           </a:r>
-          <a:r>
-            <a:rPr lang="en-US" sz="1900" kern="1200" dirty="0" smtClean="0"/>
-            <a:t>Data Quality control and filtering</a:t>
-          </a:r>
-          <a:endParaRPr lang="en-US" sz="1900" kern="1200" dirty="0"/>
+          <a:endParaRPr lang="en-US" sz="1600" kern="1200" dirty="0"/>
         </a:p>
       </dsp:txBody>
       <dsp:txXfrm>
-        <a:off x="45225" y="760257"/>
-        <a:ext cx="2085893" cy="1221142"/>
+        <a:off x="2799531" y="21110"/>
+        <a:ext cx="2630537" cy="659309"/>
       </dsp:txXfrm>
     </dsp:sp>
-    <dsp:sp modelId="{873BCD71-7966-6C40-8734-EFEA73036D1A}">
+    <dsp:sp modelId="{C01BD5C8-F8DE-4A4D-9D04-B6C303307718}">
       <dsp:nvSpPr>
         <dsp:cNvPr id="0" name=""/>
         <dsp:cNvSpPr/>
       </dsp:nvSpPr>
       <dsp:spPr>
-        <a:xfrm>
-          <a:off x="2359355" y="1102755"/>
-          <a:ext cx="458317" cy="536145"/>
+        <a:xfrm rot="5400000">
+          <a:off x="3983487" y="718440"/>
+          <a:ext cx="262625" cy="315150"/>
         </a:xfrm>
         <a:prstGeom prst="rightArrow">
           <a:avLst>
@@ -1528,7 +1515,7 @@
         <a:gradFill rotWithShape="0">
           <a:gsLst>
             <a:gs pos="0">
-              <a:schemeClr val="dk2">
+              <a:schemeClr val="dk1">
                 <a:tint val="60000"/>
                 <a:hueOff val="0"/>
                 <a:satOff val="0"/>
@@ -1539,7 +1526,7 @@
               </a:schemeClr>
             </a:gs>
             <a:gs pos="35000">
-              <a:schemeClr val="dk2">
+              <a:schemeClr val="dk1">
                 <a:tint val="60000"/>
                 <a:hueOff val="0"/>
                 <a:satOff val="0"/>
@@ -1550,7 +1537,7 @@
               </a:schemeClr>
             </a:gs>
             <a:gs pos="100000">
-              <a:schemeClr val="dk2">
+              <a:schemeClr val="dk1">
                 <a:tint val="60000"/>
                 <a:hueOff val="0"/>
                 <a:satOff val="0"/>
@@ -1594,7 +1581,7 @@
         </a:bodyPr>
         <a:lstStyle/>
         <a:p>
-          <a:pPr lvl="0" algn="ctr" defTabSz="666750">
+          <a:pPr lvl="0" algn="ctr" defTabSz="577850">
             <a:lnSpc>
               <a:spcPct val="90000"/>
             </a:lnSpc>
@@ -1605,23 +1592,23 @@
               <a:spcPct val="35000"/>
             </a:spcAft>
           </a:pPr>
-          <a:endParaRPr lang="en-US" sz="1500" kern="1200"/>
+          <a:endParaRPr lang="en-US" sz="1300" kern="1200"/>
         </a:p>
       </dsp:txBody>
-      <dsp:txXfrm>
-        <a:off x="2359355" y="1209984"/>
-        <a:ext cx="320822" cy="321687"/>
+      <dsp:txXfrm rot="-5400000">
+        <a:off x="4020255" y="744703"/>
+        <a:ext cx="189090" cy="183838"/>
       </dsp:txXfrm>
     </dsp:sp>
-    <dsp:sp modelId="{FC9DE67B-FA41-1141-83BA-9FE984E39D78}">
+    <dsp:sp modelId="{B415D361-FF3E-41D9-90EE-1F3A41B43E01}">
       <dsp:nvSpPr>
         <dsp:cNvPr id="0" name=""/>
         <dsp:cNvSpPr/>
       </dsp:nvSpPr>
       <dsp:spPr>
         <a:xfrm>
-          <a:off x="3033861" y="722265"/>
-          <a:ext cx="2161877" cy="1297126"/>
+          <a:off x="2779019" y="1051099"/>
+          <a:ext cx="2671561" cy="700333"/>
         </a:xfrm>
         <a:prstGeom prst="roundRect">
           <a:avLst>
@@ -1696,12 +1683,12 @@
         </a:fontRef>
       </dsp:style>
       <dsp:txBody>
-        <a:bodyPr spcFirstLastPara="0" vert="horz" wrap="square" lIns="72390" tIns="72390" rIns="72390" bIns="72390" numCol="1" spcCol="1270" anchor="ctr" anchorCtr="0">
+        <a:bodyPr spcFirstLastPara="0" vert="horz" wrap="square" lIns="60960" tIns="60960" rIns="60960" bIns="60960" numCol="1" spcCol="1270" anchor="ctr" anchorCtr="0">
           <a:noAutofit/>
         </a:bodyPr>
         <a:lstStyle/>
         <a:p>
-          <a:pPr lvl="0" algn="ctr" defTabSz="844550">
+          <a:pPr lvl="0" algn="ctr" defTabSz="711200">
             <a:lnSpc>
               <a:spcPct val="90000"/>
             </a:lnSpc>
@@ -1713,34 +1700,30 @@
             </a:spcAft>
           </a:pPr>
           <a:r>
-            <a:rPr lang="en-US" sz="1900" kern="1200" dirty="0" smtClean="0"/>
-            <a:t>2. </a:t>
+            <a:rPr lang="en-US" sz="1600" kern="1200" dirty="0" smtClean="0"/>
+            <a:t>2. Call SNVs from the mixed sample using </a:t>
           </a:r>
           <a:r>
-            <a:rPr lang="en-US" sz="1900" kern="1200" dirty="0" smtClean="0"/>
-            <a:t>Call SNVs from the mixed sample using </a:t>
-          </a:r>
-          <a:r>
-            <a:rPr lang="en-US" sz="1900" kern="1200" dirty="0" err="1" smtClean="0"/>
+            <a:rPr lang="en-US" sz="1600" kern="1200" dirty="0" err="1" smtClean="0"/>
             <a:t>freebayes</a:t>
           </a:r>
-          <a:endParaRPr lang="en-US" sz="1900" kern="1200" dirty="0"/>
+          <a:endParaRPr lang="en-US" sz="1600" kern="1200" dirty="0"/>
         </a:p>
       </dsp:txBody>
       <dsp:txXfrm>
-        <a:off x="3071853" y="760257"/>
-        <a:ext cx="2085893" cy="1221142"/>
+        <a:off x="2799531" y="1071611"/>
+        <a:ext cx="2630537" cy="659309"/>
       </dsp:txXfrm>
     </dsp:sp>
-    <dsp:sp modelId="{1798B096-05E3-234B-9FD7-3C17B42250A7}">
+    <dsp:sp modelId="{B9329B3A-41C9-4796-A0D6-284D5717B1AE}">
       <dsp:nvSpPr>
         <dsp:cNvPr id="0" name=""/>
         <dsp:cNvSpPr/>
       </dsp:nvSpPr>
       <dsp:spPr>
-        <a:xfrm>
-          <a:off x="5385983" y="1102755"/>
-          <a:ext cx="458317" cy="536145"/>
+        <a:xfrm rot="5400000">
+          <a:off x="3983487" y="1768941"/>
+          <a:ext cx="262625" cy="315150"/>
         </a:xfrm>
         <a:prstGeom prst="rightArrow">
           <a:avLst>
@@ -1751,7 +1734,7 @@
         <a:gradFill rotWithShape="0">
           <a:gsLst>
             <a:gs pos="0">
-              <a:schemeClr val="dk2">
+              <a:schemeClr val="dk1">
                 <a:tint val="60000"/>
                 <a:hueOff val="0"/>
                 <a:satOff val="0"/>
@@ -1762,7 +1745,7 @@
               </a:schemeClr>
             </a:gs>
             <a:gs pos="35000">
-              <a:schemeClr val="dk2">
+              <a:schemeClr val="dk1">
                 <a:tint val="60000"/>
                 <a:hueOff val="0"/>
                 <a:satOff val="0"/>
@@ -1773,7 +1756,7 @@
               </a:schemeClr>
             </a:gs>
             <a:gs pos="100000">
-              <a:schemeClr val="dk2">
+              <a:schemeClr val="dk1">
                 <a:tint val="60000"/>
                 <a:hueOff val="0"/>
                 <a:satOff val="0"/>
@@ -1817,7 +1800,7 @@
         </a:bodyPr>
         <a:lstStyle/>
         <a:p>
-          <a:pPr lvl="0" algn="ctr" defTabSz="666750">
+          <a:pPr lvl="0" algn="ctr" defTabSz="577850">
             <a:lnSpc>
               <a:spcPct val="90000"/>
             </a:lnSpc>
@@ -1828,23 +1811,23 @@
               <a:spcPct val="35000"/>
             </a:spcAft>
           </a:pPr>
-          <a:endParaRPr lang="en-US" sz="1500" kern="1200"/>
+          <a:endParaRPr lang="en-US" sz="1300" kern="1200"/>
         </a:p>
       </dsp:txBody>
-      <dsp:txXfrm>
-        <a:off x="5385983" y="1209984"/>
-        <a:ext cx="320822" cy="321687"/>
+      <dsp:txXfrm rot="-5400000">
+        <a:off x="4020255" y="1795204"/>
+        <a:ext cx="189090" cy="183838"/>
       </dsp:txXfrm>
     </dsp:sp>
-    <dsp:sp modelId="{BC629633-68C3-954B-84BD-C978A3A5494E}">
+    <dsp:sp modelId="{F6C6FE23-9D62-4B98-AED9-BE7CC6644C63}">
       <dsp:nvSpPr>
         <dsp:cNvPr id="0" name=""/>
         <dsp:cNvSpPr/>
       </dsp:nvSpPr>
       <dsp:spPr>
         <a:xfrm>
-          <a:off x="6060489" y="722265"/>
-          <a:ext cx="2161877" cy="1297126"/>
+          <a:off x="2779019" y="2101600"/>
+          <a:ext cx="2671561" cy="700333"/>
         </a:xfrm>
         <a:prstGeom prst="roundRect">
           <a:avLst>
@@ -1919,12 +1902,12 @@
         </a:fontRef>
       </dsp:style>
       <dsp:txBody>
-        <a:bodyPr spcFirstLastPara="0" vert="horz" wrap="square" lIns="72390" tIns="72390" rIns="72390" bIns="72390" numCol="1" spcCol="1270" anchor="ctr" anchorCtr="0">
+        <a:bodyPr spcFirstLastPara="0" vert="horz" wrap="square" lIns="60960" tIns="60960" rIns="60960" bIns="60960" numCol="1" spcCol="1270" anchor="ctr" anchorCtr="0">
           <a:noAutofit/>
         </a:bodyPr>
         <a:lstStyle/>
         <a:p>
-          <a:pPr lvl="0" algn="ctr" defTabSz="844550">
+          <a:pPr lvl="0" algn="ctr" defTabSz="711200">
             <a:lnSpc>
               <a:spcPct val="90000"/>
             </a:lnSpc>
@@ -1936,16 +1919,12 @@
             </a:spcAft>
           </a:pPr>
           <a:r>
-            <a:rPr lang="en-US" sz="1900" kern="1200" dirty="0" smtClean="0"/>
-            <a:t>3. </a:t>
-          </a:r>
-          <a:r>
-            <a:rPr lang="en-US" sz="1900" kern="1200" dirty="0" smtClean="0"/>
-            <a:t>Build allele count matrices</a:t>
+            <a:rPr lang="en-US" sz="1600" kern="1200" dirty="0" smtClean="0"/>
+            <a:t>3. Build allele count matrices</a:t>
           </a:r>
         </a:p>
         <a:p>
-          <a:pPr lvl="0" algn="ctr" defTabSz="844550">
+          <a:pPr lvl="0" algn="ctr" defTabSz="711200">
             <a:lnSpc>
               <a:spcPct val="90000"/>
             </a:lnSpc>
@@ -1957,26 +1936,26 @@
             </a:spcAft>
           </a:pPr>
           <a:r>
-            <a:rPr lang="en-US" sz="1900" kern="1200" dirty="0" smtClean="0"/>
+            <a:rPr lang="en-US" sz="1600" kern="1200" dirty="0" smtClean="0"/>
             <a:t>(SNV x barcode)</a:t>
           </a:r>
-          <a:endParaRPr lang="en-US" sz="1900" kern="1200" dirty="0"/>
+          <a:endParaRPr lang="en-US" sz="1600" kern="1200" dirty="0"/>
         </a:p>
       </dsp:txBody>
       <dsp:txXfrm>
-        <a:off x="6098481" y="760257"/>
-        <a:ext cx="2085893" cy="1221142"/>
+        <a:off x="2799531" y="2122112"/>
+        <a:ext cx="2630537" cy="659309"/>
       </dsp:txXfrm>
     </dsp:sp>
-    <dsp:sp modelId="{FFB36F92-EF1D-0742-9E6F-99EBA0D142DD}">
+    <dsp:sp modelId="{2929C5ED-1CAC-44E7-BE14-EA59F21E91AE}">
       <dsp:nvSpPr>
         <dsp:cNvPr id="0" name=""/>
         <dsp:cNvSpPr/>
       </dsp:nvSpPr>
       <dsp:spPr>
         <a:xfrm rot="5400000">
-          <a:off x="6912269" y="2170722"/>
-          <a:ext cx="458317" cy="536145"/>
+          <a:off x="3983487" y="2819442"/>
+          <a:ext cx="262625" cy="315150"/>
         </a:xfrm>
         <a:prstGeom prst="rightArrow">
           <a:avLst>
@@ -1987,7 +1966,7 @@
         <a:gradFill rotWithShape="0">
           <a:gsLst>
             <a:gs pos="0">
-              <a:schemeClr val="dk2">
+              <a:schemeClr val="dk1">
                 <a:tint val="60000"/>
                 <a:hueOff val="0"/>
                 <a:satOff val="0"/>
@@ -1998,7 +1977,7 @@
               </a:schemeClr>
             </a:gs>
             <a:gs pos="35000">
-              <a:schemeClr val="dk2">
+              <a:schemeClr val="dk1">
                 <a:tint val="60000"/>
                 <a:hueOff val="0"/>
                 <a:satOff val="0"/>
@@ -2009,7 +1988,7 @@
               </a:schemeClr>
             </a:gs>
             <a:gs pos="100000">
-              <a:schemeClr val="dk2">
+              <a:schemeClr val="dk1">
                 <a:tint val="60000"/>
                 <a:hueOff val="0"/>
                 <a:satOff val="0"/>
@@ -2053,7 +2032,7 @@
         </a:bodyPr>
         <a:lstStyle/>
         <a:p>
-          <a:pPr lvl="0" algn="ctr" defTabSz="666750">
+          <a:pPr lvl="0" algn="ctr" defTabSz="577850">
             <a:lnSpc>
               <a:spcPct val="90000"/>
             </a:lnSpc>
@@ -2064,23 +2043,23 @@
               <a:spcPct val="35000"/>
             </a:spcAft>
           </a:pPr>
-          <a:endParaRPr lang="en-US" sz="1500" kern="1200"/>
+          <a:endParaRPr lang="en-US" sz="1300" kern="1200"/>
         </a:p>
       </dsp:txBody>
       <dsp:txXfrm rot="-5400000">
-        <a:off x="6980585" y="2209636"/>
-        <a:ext cx="321687" cy="320822"/>
+        <a:off x="4020255" y="2845705"/>
+        <a:ext cx="189090" cy="183838"/>
       </dsp:txXfrm>
     </dsp:sp>
-    <dsp:sp modelId="{8D3C7128-E635-F445-9CE5-130161F22619}">
+    <dsp:sp modelId="{5ADF5D73-A226-416F-9FE8-CC74E72A2993}">
       <dsp:nvSpPr>
         <dsp:cNvPr id="0" name=""/>
         <dsp:cNvSpPr/>
       </dsp:nvSpPr>
       <dsp:spPr>
         <a:xfrm>
-          <a:off x="6060489" y="2884142"/>
-          <a:ext cx="2161877" cy="1297126"/>
+          <a:off x="2779019" y="3152100"/>
+          <a:ext cx="2671561" cy="700333"/>
         </a:xfrm>
         <a:prstGeom prst="roundRect">
           <a:avLst>
@@ -2155,12 +2134,12 @@
         </a:fontRef>
       </dsp:style>
       <dsp:txBody>
-        <a:bodyPr spcFirstLastPara="0" vert="horz" wrap="square" lIns="72390" tIns="72390" rIns="72390" bIns="72390" numCol="1" spcCol="1270" anchor="ctr" anchorCtr="0">
+        <a:bodyPr spcFirstLastPara="0" vert="horz" wrap="square" lIns="60960" tIns="60960" rIns="60960" bIns="60960" numCol="1" spcCol="1270" anchor="ctr" anchorCtr="0">
           <a:noAutofit/>
         </a:bodyPr>
         <a:lstStyle/>
         <a:p>
-          <a:pPr lvl="0" algn="ctr" defTabSz="844550">
+          <a:pPr lvl="0" algn="ctr" defTabSz="711200">
             <a:lnSpc>
               <a:spcPct val="90000"/>
             </a:lnSpc>
@@ -2172,26 +2151,34 @@
             </a:spcAft>
           </a:pPr>
           <a:r>
-            <a:rPr lang="en-US" sz="1900" kern="1200" dirty="0" smtClean="0"/>
-            <a:t>4. Model initialization and   E-M iterations till convergence</a:t>
+            <a:rPr lang="en-US" sz="1600" kern="1200" dirty="0" smtClean="0"/>
+            <a:t>4. Model initialization </a:t>
           </a:r>
-          <a:endParaRPr lang="en-US" sz="1900" kern="1200" dirty="0"/>
+          <a:r>
+            <a:rPr lang="en-US" sz="1600" kern="1200" dirty="0" smtClean="0"/>
+            <a:t>and     E-M </a:t>
+          </a:r>
+          <a:r>
+            <a:rPr lang="en-US" sz="1600" kern="1200" dirty="0" smtClean="0"/>
+            <a:t>iterations till convergence</a:t>
+          </a:r>
+          <a:endParaRPr lang="en-US" sz="1600" kern="1200" dirty="0"/>
         </a:p>
       </dsp:txBody>
       <dsp:txXfrm>
-        <a:off x="6098481" y="2922134"/>
-        <a:ext cx="2085893" cy="1221142"/>
+        <a:off x="2799531" y="3172612"/>
+        <a:ext cx="2630537" cy="659309"/>
       </dsp:txXfrm>
     </dsp:sp>
-    <dsp:sp modelId="{87AA2404-0B81-C841-BDD7-1F13D01282D4}">
+    <dsp:sp modelId="{8D4025F6-3F61-419C-B275-3546EE56EE5A}">
       <dsp:nvSpPr>
         <dsp:cNvPr id="0" name=""/>
         <dsp:cNvSpPr/>
       </dsp:nvSpPr>
       <dsp:spPr>
-        <a:xfrm rot="10800000">
-          <a:off x="5411926" y="3264632"/>
-          <a:ext cx="458317" cy="536145"/>
+        <a:xfrm rot="5400000">
+          <a:off x="3983487" y="3869943"/>
+          <a:ext cx="262625" cy="315150"/>
         </a:xfrm>
         <a:prstGeom prst="rightArrow">
           <a:avLst>
@@ -2202,7 +2189,7 @@
         <a:gradFill rotWithShape="0">
           <a:gsLst>
             <a:gs pos="0">
-              <a:schemeClr val="dk2">
+              <a:schemeClr val="dk1">
                 <a:tint val="60000"/>
                 <a:hueOff val="0"/>
                 <a:satOff val="0"/>
@@ -2213,7 +2200,7 @@
               </a:schemeClr>
             </a:gs>
             <a:gs pos="35000">
-              <a:schemeClr val="dk2">
+              <a:schemeClr val="dk1">
                 <a:tint val="60000"/>
                 <a:hueOff val="0"/>
                 <a:satOff val="0"/>
@@ -2224,7 +2211,7 @@
               </a:schemeClr>
             </a:gs>
             <a:gs pos="100000">
-              <a:schemeClr val="dk2">
+              <a:schemeClr val="dk1">
                 <a:tint val="60000"/>
                 <a:hueOff val="0"/>
                 <a:satOff val="0"/>
@@ -2268,7 +2255,7 @@
         </a:bodyPr>
         <a:lstStyle/>
         <a:p>
-          <a:pPr lvl="0" algn="ctr" defTabSz="666750">
+          <a:pPr lvl="0" algn="ctr" defTabSz="577850">
             <a:lnSpc>
               <a:spcPct val="90000"/>
             </a:lnSpc>
@@ -2279,23 +2266,23 @@
               <a:spcPct val="35000"/>
             </a:spcAft>
           </a:pPr>
-          <a:endParaRPr lang="en-US" sz="1500" kern="1200"/>
+          <a:endParaRPr lang="en-US" sz="1300" kern="1200"/>
         </a:p>
       </dsp:txBody>
-      <dsp:txXfrm rot="10800000">
-        <a:off x="5549421" y="3371861"/>
-        <a:ext cx="320822" cy="321687"/>
+      <dsp:txXfrm rot="-5400000">
+        <a:off x="4020255" y="3896206"/>
+        <a:ext cx="189090" cy="183838"/>
       </dsp:txXfrm>
     </dsp:sp>
-    <dsp:sp modelId="{99C26EF1-53AD-8F49-AEB1-E8E36538C10E}">
+    <dsp:sp modelId="{C01DC4BA-B1A2-44DA-99D6-D982889F3399}">
       <dsp:nvSpPr>
         <dsp:cNvPr id="0" name=""/>
         <dsp:cNvSpPr/>
       </dsp:nvSpPr>
       <dsp:spPr>
         <a:xfrm>
-          <a:off x="3033861" y="2884142"/>
-          <a:ext cx="2161877" cy="1297126"/>
+          <a:off x="2779019" y="4202601"/>
+          <a:ext cx="2671561" cy="700333"/>
         </a:xfrm>
         <a:prstGeom prst="roundRect">
           <a:avLst>
@@ -2370,12 +2357,12 @@
         </a:fontRef>
       </dsp:style>
       <dsp:txBody>
-        <a:bodyPr spcFirstLastPara="0" vert="horz" wrap="square" lIns="72390" tIns="72390" rIns="72390" bIns="72390" numCol="1" spcCol="1270" anchor="ctr" anchorCtr="0">
+        <a:bodyPr spcFirstLastPara="0" vert="horz" wrap="square" lIns="60960" tIns="60960" rIns="60960" bIns="60960" numCol="1" spcCol="1270" anchor="ctr" anchorCtr="0">
           <a:noAutofit/>
         </a:bodyPr>
         <a:lstStyle/>
         <a:p>
-          <a:pPr lvl="0" algn="ctr" defTabSz="844550">
+          <a:pPr lvl="0" algn="ctr" defTabSz="711200">
             <a:lnSpc>
               <a:spcPct val="90000"/>
             </a:lnSpc>
@@ -2387,19 +2374,15 @@
             </a:spcAft>
           </a:pPr>
           <a:r>
-            <a:rPr lang="en-US" sz="1900" kern="1200" dirty="0" smtClean="0"/>
-            <a:t>5. </a:t>
+            <a:rPr lang="en-US" sz="1600" kern="1200" dirty="0" smtClean="0"/>
+            <a:t>5. Generate genotype likelihoods for models</a:t>
           </a:r>
-          <a:r>
-            <a:rPr lang="en-US" sz="1900" kern="1200" dirty="0" smtClean="0"/>
-            <a:t>Generate genotype likelihoods for models</a:t>
-          </a:r>
-          <a:endParaRPr lang="en-US" sz="1900" kern="1200" dirty="0"/>
+          <a:endParaRPr lang="en-US" sz="1600" kern="1200" dirty="0"/>
         </a:p>
       </dsp:txBody>
       <dsp:txXfrm>
-        <a:off x="3071853" y="2922134"/>
-        <a:ext cx="2085893" cy="1221142"/>
+        <a:off x="2799531" y="4223113"/>
+        <a:ext cx="2630537" cy="659309"/>
       </dsp:txXfrm>
     </dsp:sp>
   </dsp:spTree>
@@ -2407,39 +2390,15 @@
 </file>
 
 <file path=ppt/diagrams/layout1.xml><?xml version="1.0" encoding="utf-8"?>
-<dgm:layoutDef xmlns:dgm="http://schemas.openxmlformats.org/drawingml/2006/diagram" xmlns:a="http://schemas.openxmlformats.org/drawingml/2006/main" uniqueId="urn:microsoft.com/office/officeart/2005/8/layout/process5">
+<dgm:layoutDef xmlns:dgm="http://schemas.openxmlformats.org/drawingml/2006/diagram" xmlns:a="http://schemas.openxmlformats.org/drawingml/2006/main" uniqueId="urn:microsoft.com/office/officeart/2005/8/layout/process2">
   <dgm:title val=""/>
   <dgm:desc val=""/>
   <dgm:catLst>
-    <dgm:cat type="process" pri="17000"/>
+    <dgm:cat type="process" pri="13000"/>
   </dgm:catLst>
-  <dgm:sampData>
+  <dgm:sampData useDef="1">
     <dgm:dataModel>
-      <dgm:ptLst>
-        <dgm:pt modelId="0" type="doc"/>
-        <dgm:pt modelId="1">
-          <dgm:prSet phldr="1"/>
-        </dgm:pt>
-        <dgm:pt modelId="2">
-          <dgm:prSet phldr="1"/>
-        </dgm:pt>
-        <dgm:pt modelId="3">
-          <dgm:prSet phldr="1"/>
-        </dgm:pt>
-        <dgm:pt modelId="4">
-          <dgm:prSet phldr="1"/>
-        </dgm:pt>
-        <dgm:pt modelId="5">
-          <dgm:prSet phldr="1"/>
-        </dgm:pt>
-      </dgm:ptLst>
-      <dgm:cxnLst>
-        <dgm:cxn modelId="7" srcId="0" destId="1" srcOrd="0" destOrd="0"/>
-        <dgm:cxn modelId="8" srcId="0" destId="2" srcOrd="1" destOrd="0"/>
-        <dgm:cxn modelId="9" srcId="0" destId="3" srcOrd="2" destOrd="0"/>
-        <dgm:cxn modelId="10" srcId="0" destId="4" srcOrd="3" destOrd="0"/>
-        <dgm:cxn modelId="11" srcId="0" destId="5" srcOrd="4" destOrd="0"/>
-      </dgm:cxnLst>
+      <dgm:ptLst/>
       <dgm:bg/>
       <dgm:whole/>
     </dgm:dataModel>
@@ -2478,37 +2437,21 @@
       <dgm:whole/>
     </dgm:dataModel>
   </dgm:clrData>
-  <dgm:layoutNode name="diagram">
+  <dgm:layoutNode name="linearFlow">
     <dgm:varLst>
-      <dgm:dir/>
       <dgm:resizeHandles val="exact"/>
     </dgm:varLst>
-    <dgm:choose name="Name0">
-      <dgm:if name="Name1" axis="self" func="var" arg="dir" op="equ" val="norm">
-        <dgm:alg type="snake">
-          <dgm:param type="grDir" val="tL"/>
-          <dgm:param type="flowDir" val="row"/>
-          <dgm:param type="contDir" val="revDir"/>
-          <dgm:param type="bkpt" val="endCnv"/>
-        </dgm:alg>
-      </dgm:if>
-      <dgm:else name="Name2">
-        <dgm:alg type="snake">
-          <dgm:param type="grDir" val="tR"/>
-          <dgm:param type="flowDir" val="row"/>
-          <dgm:param type="contDir" val="revDir"/>
-          <dgm:param type="bkpt" val="endCnv"/>
-        </dgm:alg>
-      </dgm:else>
-    </dgm:choose>
+    <dgm:alg type="lin">
+      <dgm:param type="linDir" val="fromT"/>
+    </dgm:alg>
     <dgm:shape xmlns:r="http://schemas.openxmlformats.org/officeDocument/2006/relationships" r:blip="">
       <dgm:adjLst/>
     </dgm:shape>
     <dgm:presOf/>
     <dgm:constrLst>
-      <dgm:constr type="w" for="ch" ptType="node" refType="w"/>
-      <dgm:constr type="w" for="ch" forName="sibTrans" refType="w" refFor="ch" refPtType="node" op="equ" fact="0.4"/>
-      <dgm:constr type="sp" refType="w" refFor="ch" refForName="sibTrans" op="equ"/>
+      <dgm:constr type="h" for="ch" ptType="node" refType="h"/>
+      <dgm:constr type="h" for="ch" ptType="sibTrans" refType="h" refFor="ch" refPtType="node" fact="0.5"/>
+      <dgm:constr type="w" for="ch" ptType="node" op="equ"/>
       <dgm:constr type="primFontSz" for="ch" ptType="node" op="equ" val="65"/>
       <dgm:constr type="primFontSz" for="des" forName="connectorText" op="equ" val="55"/>
       <dgm:constr type="primFontSz" for="des" forName="connectorText" refType="primFontSz" refFor="ch" refPtType="node" op="lte" fact="0.8"/>
@@ -2519,7 +2462,18 @@
         <dgm:varLst>
           <dgm:bulletEnabled val="1"/>
         </dgm:varLst>
-        <dgm:alg type="tx"/>
+        <dgm:choose name="Name0">
+          <dgm:if name="Name1" axis="root des" ptType="all node" func="maxDepth" op="gt" val="1">
+            <dgm:alg type="tx">
+              <dgm:param type="parTxLTRAlign" val="l"/>
+              <dgm:param type="parTxRTLAlign" val="r"/>
+              <dgm:param type="txAnchorVertCh" val="mid"/>
+            </dgm:alg>
+          </dgm:if>
+          <dgm:else name="Name2">
+            <dgm:alg type="tx"/>
+          </dgm:else>
+        </dgm:choose>
         <dgm:shape xmlns:r="http://schemas.openxmlformats.org/officeDocument/2006/relationships" type="roundRect" r:blip="">
           <dgm:adjLst>
             <dgm:adj idx="1" val="0.1"/>
@@ -2527,13 +2481,15 @@
         </dgm:shape>
         <dgm:presOf axis="desOrSelf" ptType="node"/>
         <dgm:constrLst>
-          <dgm:constr type="h" refType="w" fact="0.6"/>
+          <dgm:constr type="w" refType="h" fact="1.8"/>
           <dgm:constr type="tMarg" refType="primFontSz" fact="0.3"/>
           <dgm:constr type="bMarg" refType="primFontSz" fact="0.3"/>
           <dgm:constr type="lMarg" refType="primFontSz" fact="0.3"/>
           <dgm:constr type="rMarg" refType="primFontSz" fact="0.3"/>
         </dgm:constrLst>
         <dgm:ruleLst>
+          <dgm:rule type="primFontSz" val="18" fact="NaN" max="NaN"/>
+          <dgm:rule type="w" val="NaN" fact="4" max="NaN"/>
           <dgm:rule type="primFontSz" val="5" fact="NaN" max="NaN"/>
         </dgm:ruleLst>
       </dgm:layoutNode>
@@ -2548,8 +2504,13 @@
           </dgm:shape>
           <dgm:presOf axis="self"/>
           <dgm:constrLst>
-            <dgm:constr type="h" refType="w" fact="0.62"/>
+            <dgm:constr type="w" refType="h" fact="0.9"/>
             <dgm:constr type="connDist"/>
+            <dgm:constr type="wArH" refType="w" fact="0.5"/>
+            <dgm:constr type="hArH" refType="w"/>
+            <dgm:constr type="stemThick" refType="w" fact="0.6"/>
+            <dgm:constr type="begPad" refType="connDist" fact="0.125"/>
+            <dgm:constr type="endPad" refType="connDist" fact="0.125"/>
           </dgm:constrLst>
           <dgm:ruleLst/>
           <dgm:layoutNode name="connectorText">
@@ -3818,7 +3779,7 @@
           <a:p>
             <a:fld id="{D9584FA3-DD4A-8140-8138-CCC42C1529B3}" type="datetimeFigureOut">
               <a:rPr lang="en-US" smtClean="0"/>
-              <a:t>10/3/2018</a:t>
+              <a:t>10/4/2018</a:t>
             </a:fld>
             <a:endParaRPr lang="en-US"/>
           </a:p>
@@ -3988,7 +3949,7 @@
           <a:p>
             <a:fld id="{D9584FA3-DD4A-8140-8138-CCC42C1529B3}" type="datetimeFigureOut">
               <a:rPr lang="en-US" smtClean="0"/>
-              <a:t>10/3/2018</a:t>
+              <a:t>10/4/2018</a:t>
             </a:fld>
             <a:endParaRPr lang="en-US"/>
           </a:p>
@@ -4168,7 +4129,7 @@
           <a:p>
             <a:fld id="{D9584FA3-DD4A-8140-8138-CCC42C1529B3}" type="datetimeFigureOut">
               <a:rPr lang="en-US" smtClean="0"/>
-              <a:t>10/3/2018</a:t>
+              <a:t>10/4/2018</a:t>
             </a:fld>
             <a:endParaRPr lang="en-US"/>
           </a:p>
@@ -4338,7 +4299,7 @@
           <a:p>
             <a:fld id="{D9584FA3-DD4A-8140-8138-CCC42C1529B3}" type="datetimeFigureOut">
               <a:rPr lang="en-US" smtClean="0"/>
-              <a:t>10/3/2018</a:t>
+              <a:t>10/4/2018</a:t>
             </a:fld>
             <a:endParaRPr lang="en-US"/>
           </a:p>
@@ -4584,7 +4545,7 @@
           <a:p>
             <a:fld id="{D9584FA3-DD4A-8140-8138-CCC42C1529B3}" type="datetimeFigureOut">
               <a:rPr lang="en-US" smtClean="0"/>
-              <a:t>10/3/2018</a:t>
+              <a:t>10/4/2018</a:t>
             </a:fld>
             <a:endParaRPr lang="en-US"/>
           </a:p>
@@ -4872,7 +4833,7 @@
           <a:p>
             <a:fld id="{D9584FA3-DD4A-8140-8138-CCC42C1529B3}" type="datetimeFigureOut">
               <a:rPr lang="en-US" smtClean="0"/>
-              <a:t>10/3/2018</a:t>
+              <a:t>10/4/2018</a:t>
             </a:fld>
             <a:endParaRPr lang="en-US"/>
           </a:p>
@@ -5294,7 +5255,7 @@
           <a:p>
             <a:fld id="{D9584FA3-DD4A-8140-8138-CCC42C1529B3}" type="datetimeFigureOut">
               <a:rPr lang="en-US" smtClean="0"/>
-              <a:t>10/3/2018</a:t>
+              <a:t>10/4/2018</a:t>
             </a:fld>
             <a:endParaRPr lang="en-US"/>
           </a:p>
@@ -5412,7 +5373,7 @@
           <a:p>
             <a:fld id="{D9584FA3-DD4A-8140-8138-CCC42C1529B3}" type="datetimeFigureOut">
               <a:rPr lang="en-US" smtClean="0"/>
-              <a:t>10/3/2018</a:t>
+              <a:t>10/4/2018</a:t>
             </a:fld>
             <a:endParaRPr lang="en-US"/>
           </a:p>
@@ -5507,7 +5468,7 @@
           <a:p>
             <a:fld id="{D9584FA3-DD4A-8140-8138-CCC42C1529B3}" type="datetimeFigureOut">
               <a:rPr lang="en-US" smtClean="0"/>
-              <a:t>10/3/2018</a:t>
+              <a:t>10/4/2018</a:t>
             </a:fld>
             <a:endParaRPr lang="en-US"/>
           </a:p>
@@ -5784,7 +5745,7 @@
           <a:p>
             <a:fld id="{D9584FA3-DD4A-8140-8138-CCC42C1529B3}" type="datetimeFigureOut">
               <a:rPr lang="en-US" smtClean="0"/>
-              <a:t>10/3/2018</a:t>
+              <a:t>10/4/2018</a:t>
             </a:fld>
             <a:endParaRPr lang="en-US"/>
           </a:p>
@@ -6037,7 +5998,7 @@
           <a:p>
             <a:fld id="{D9584FA3-DD4A-8140-8138-CCC42C1529B3}" type="datetimeFigureOut">
               <a:rPr lang="en-US" smtClean="0"/>
-              <a:t>10/3/2018</a:t>
+              <a:t>10/4/2018</a:t>
             </a:fld>
             <a:endParaRPr lang="en-US"/>
           </a:p>
@@ -6250,7 +6211,7 @@
           <a:p>
             <a:fld id="{D9584FA3-DD4A-8140-8138-CCC42C1529B3}" type="datetimeFigureOut">
               <a:rPr lang="en-US" smtClean="0"/>
-              <a:t>10/3/2018</a:t>
+              <a:t>10/4/2018</a:t>
             </a:fld>
             <a:endParaRPr lang="en-US"/>
           </a:p>
@@ -6873,7 +6834,7 @@
             <p:ph idx="1"/>
             <p:extLst>
               <p:ext uri="{D42A27DB-BD31-4B8C-83A1-F6EECF244321}">
-                <p14:modId xmlns:p14="http://schemas.microsoft.com/office/powerpoint/2010/main" val="2066154268"/>
+                <p14:modId xmlns:p14="http://schemas.microsoft.com/office/powerpoint/2010/main" val="3851100519"/>
               </p:ext>
             </p:extLst>
           </p:nvPr>
